--- a/안전도 필터링 모델 정확도 실험.pptx
+++ b/안전도 필터링 모델 정확도 실험.pptx
@@ -5,7 +5,7 @@
     <p:sldMasterId id="2147483708" r:id="rId1"/>
   </p:sldMasterIdLst>
   <p:notesMasterIdLst>
-    <p:notesMasterId r:id="rId12"/>
+    <p:notesMasterId r:id="rId18"/>
   </p:notesMasterIdLst>
   <p:sldIdLst>
     <p:sldId id="256" r:id="rId2"/>
@@ -14,10 +14,16 @@
     <p:sldId id="371" r:id="rId5"/>
     <p:sldId id="373" r:id="rId6"/>
     <p:sldId id="372" r:id="rId7"/>
-    <p:sldId id="374" r:id="rId8"/>
-    <p:sldId id="375" r:id="rId9"/>
-    <p:sldId id="376" r:id="rId10"/>
-    <p:sldId id="377" r:id="rId11"/>
+    <p:sldId id="382" r:id="rId8"/>
+    <p:sldId id="383" r:id="rId9"/>
+    <p:sldId id="374" r:id="rId10"/>
+    <p:sldId id="375" r:id="rId11"/>
+    <p:sldId id="376" r:id="rId12"/>
+    <p:sldId id="377" r:id="rId13"/>
+    <p:sldId id="378" r:id="rId14"/>
+    <p:sldId id="379" r:id="rId15"/>
+    <p:sldId id="380" r:id="rId16"/>
+    <p:sldId id="381" r:id="rId17"/>
   </p:sldIdLst>
   <p:sldSz cx="9144000" cy="6858000" type="screen4x3"/>
   <p:notesSz cx="6797675" cy="9926638"/>
@@ -218,7 +224,7 @@
             <a:fld id="{71789749-4C4F-417A-9586-CA2401403B89}" type="datetimeFigureOut">
               <a:rPr lang="ko-KR" altLang="en-US" smtClean="0"/>
               <a:pPr/>
-              <a:t>2020-11-26</a:t>
+              <a:t>2020-11-27</a:t>
             </a:fld>
             <a:endParaRPr lang="ko-KR" altLang="en-US"/>
           </a:p>
@@ -573,6 +579,431 @@
 </p:notes>
 </file>
 
+<file path=ppt/notesSlides/notesSlide10.xml><?xml version="1.0" encoding="utf-8"?>
+<p:notes xmlns:a="http://schemas.openxmlformats.org/drawingml/2006/main" xmlns:r="http://schemas.openxmlformats.org/officeDocument/2006/relationships" xmlns:p="http://schemas.openxmlformats.org/presentationml/2006/main">
+  <p:cSld>
+    <p:spTree>
+      <p:nvGrpSpPr>
+        <p:cNvPr id="1" name=""/>
+        <p:cNvGrpSpPr/>
+        <p:nvPr/>
+      </p:nvGrpSpPr>
+      <p:grpSpPr>
+        <a:xfrm>
+          <a:off x="0" y="0"/>
+          <a:ext cx="0" cy="0"/>
+          <a:chOff x="0" y="0"/>
+          <a:chExt cx="0" cy="0"/>
+        </a:xfrm>
+      </p:grpSpPr>
+      <p:sp>
+        <p:nvSpPr>
+          <p:cNvPr id="2" name="슬라이드 이미지 개체 틀 1"/>
+          <p:cNvSpPr>
+            <a:spLocks noGrp="1" noRot="1" noChangeAspect="1"/>
+          </p:cNvSpPr>
+          <p:nvPr>
+            <p:ph type="sldImg"/>
+          </p:nvPr>
+        </p:nvSpPr>
+        <p:spPr/>
+      </p:sp>
+      <p:sp>
+        <p:nvSpPr>
+          <p:cNvPr id="3" name="슬라이드 노트 개체 틀 2"/>
+          <p:cNvSpPr>
+            <a:spLocks noGrp="1"/>
+          </p:cNvSpPr>
+          <p:nvPr>
+            <p:ph type="body" idx="1"/>
+          </p:nvPr>
+        </p:nvSpPr>
+        <p:spPr/>
+        <p:txBody>
+          <a:bodyPr/>
+          <a:lstStyle/>
+          <a:p>
+            <a:endParaRPr lang="ko-KR" altLang="en-US" dirty="0"/>
+          </a:p>
+        </p:txBody>
+      </p:sp>
+      <p:sp>
+        <p:nvSpPr>
+          <p:cNvPr id="4" name="슬라이드 번호 개체 틀 3"/>
+          <p:cNvSpPr>
+            <a:spLocks noGrp="1"/>
+          </p:cNvSpPr>
+          <p:nvPr>
+            <p:ph type="sldNum" sz="quarter" idx="10"/>
+          </p:nvPr>
+        </p:nvSpPr>
+        <p:spPr/>
+        <p:txBody>
+          <a:bodyPr/>
+          <a:lstStyle/>
+          <a:p>
+            <a:fld id="{00BCE6B3-AE9D-498A-8FB1-9098549EE0E0}" type="slidenum">
+              <a:rPr lang="ko-KR" altLang="en-US" smtClean="0"/>
+              <a:pPr/>
+              <a:t>12</a:t>
+            </a:fld>
+            <a:endParaRPr lang="ko-KR" altLang="en-US"/>
+          </a:p>
+        </p:txBody>
+      </p:sp>
+    </p:spTree>
+    <p:extLst>
+      <p:ext uri="{BB962C8B-B14F-4D97-AF65-F5344CB8AC3E}">
+        <p14:creationId xmlns:p14="http://schemas.microsoft.com/office/powerpoint/2010/main" val="2234800329"/>
+      </p:ext>
+    </p:extLst>
+  </p:cSld>
+  <p:clrMapOvr>
+    <a:masterClrMapping/>
+  </p:clrMapOvr>
+</p:notes>
+</file>
+
+<file path=ppt/notesSlides/notesSlide11.xml><?xml version="1.0" encoding="utf-8"?>
+<p:notes xmlns:a="http://schemas.openxmlformats.org/drawingml/2006/main" xmlns:r="http://schemas.openxmlformats.org/officeDocument/2006/relationships" xmlns:p="http://schemas.openxmlformats.org/presentationml/2006/main">
+  <p:cSld>
+    <p:spTree>
+      <p:nvGrpSpPr>
+        <p:cNvPr id="1" name=""/>
+        <p:cNvGrpSpPr/>
+        <p:nvPr/>
+      </p:nvGrpSpPr>
+      <p:grpSpPr>
+        <a:xfrm>
+          <a:off x="0" y="0"/>
+          <a:ext cx="0" cy="0"/>
+          <a:chOff x="0" y="0"/>
+          <a:chExt cx="0" cy="0"/>
+        </a:xfrm>
+      </p:grpSpPr>
+      <p:sp>
+        <p:nvSpPr>
+          <p:cNvPr id="2" name="슬라이드 이미지 개체 틀 1"/>
+          <p:cNvSpPr>
+            <a:spLocks noGrp="1" noRot="1" noChangeAspect="1"/>
+          </p:cNvSpPr>
+          <p:nvPr>
+            <p:ph type="sldImg"/>
+          </p:nvPr>
+        </p:nvSpPr>
+        <p:spPr/>
+      </p:sp>
+      <p:sp>
+        <p:nvSpPr>
+          <p:cNvPr id="3" name="슬라이드 노트 개체 틀 2"/>
+          <p:cNvSpPr>
+            <a:spLocks noGrp="1"/>
+          </p:cNvSpPr>
+          <p:nvPr>
+            <p:ph type="body" idx="1"/>
+          </p:nvPr>
+        </p:nvSpPr>
+        <p:spPr/>
+        <p:txBody>
+          <a:bodyPr/>
+          <a:lstStyle/>
+          <a:p>
+            <a:endParaRPr lang="ko-KR" altLang="en-US" dirty="0"/>
+          </a:p>
+        </p:txBody>
+      </p:sp>
+      <p:sp>
+        <p:nvSpPr>
+          <p:cNvPr id="4" name="슬라이드 번호 개체 틀 3"/>
+          <p:cNvSpPr>
+            <a:spLocks noGrp="1"/>
+          </p:cNvSpPr>
+          <p:nvPr>
+            <p:ph type="sldNum" sz="quarter" idx="10"/>
+          </p:nvPr>
+        </p:nvSpPr>
+        <p:spPr/>
+        <p:txBody>
+          <a:bodyPr/>
+          <a:lstStyle/>
+          <a:p>
+            <a:fld id="{00BCE6B3-AE9D-498A-8FB1-9098549EE0E0}" type="slidenum">
+              <a:rPr lang="ko-KR" altLang="en-US" smtClean="0"/>
+              <a:pPr/>
+              <a:t>13</a:t>
+            </a:fld>
+            <a:endParaRPr lang="ko-KR" altLang="en-US"/>
+          </a:p>
+        </p:txBody>
+      </p:sp>
+    </p:spTree>
+    <p:extLst>
+      <p:ext uri="{BB962C8B-B14F-4D97-AF65-F5344CB8AC3E}">
+        <p14:creationId xmlns:p14="http://schemas.microsoft.com/office/powerpoint/2010/main" val="68329686"/>
+      </p:ext>
+    </p:extLst>
+  </p:cSld>
+  <p:clrMapOvr>
+    <a:masterClrMapping/>
+  </p:clrMapOvr>
+</p:notes>
+</file>
+
+<file path=ppt/notesSlides/notesSlide12.xml><?xml version="1.0" encoding="utf-8"?>
+<p:notes xmlns:a="http://schemas.openxmlformats.org/drawingml/2006/main" xmlns:r="http://schemas.openxmlformats.org/officeDocument/2006/relationships" xmlns:p="http://schemas.openxmlformats.org/presentationml/2006/main">
+  <p:cSld>
+    <p:spTree>
+      <p:nvGrpSpPr>
+        <p:cNvPr id="1" name=""/>
+        <p:cNvGrpSpPr/>
+        <p:nvPr/>
+      </p:nvGrpSpPr>
+      <p:grpSpPr>
+        <a:xfrm>
+          <a:off x="0" y="0"/>
+          <a:ext cx="0" cy="0"/>
+          <a:chOff x="0" y="0"/>
+          <a:chExt cx="0" cy="0"/>
+        </a:xfrm>
+      </p:grpSpPr>
+      <p:sp>
+        <p:nvSpPr>
+          <p:cNvPr id="2" name="슬라이드 이미지 개체 틀 1"/>
+          <p:cNvSpPr>
+            <a:spLocks noGrp="1" noRot="1" noChangeAspect="1"/>
+          </p:cNvSpPr>
+          <p:nvPr>
+            <p:ph type="sldImg"/>
+          </p:nvPr>
+        </p:nvSpPr>
+        <p:spPr/>
+      </p:sp>
+      <p:sp>
+        <p:nvSpPr>
+          <p:cNvPr id="3" name="슬라이드 노트 개체 틀 2"/>
+          <p:cNvSpPr>
+            <a:spLocks noGrp="1"/>
+          </p:cNvSpPr>
+          <p:nvPr>
+            <p:ph type="body" idx="1"/>
+          </p:nvPr>
+        </p:nvSpPr>
+        <p:spPr/>
+        <p:txBody>
+          <a:bodyPr/>
+          <a:lstStyle/>
+          <a:p>
+            <a:endParaRPr lang="ko-KR" altLang="en-US" dirty="0"/>
+          </a:p>
+        </p:txBody>
+      </p:sp>
+      <p:sp>
+        <p:nvSpPr>
+          <p:cNvPr id="4" name="슬라이드 번호 개체 틀 3"/>
+          <p:cNvSpPr>
+            <a:spLocks noGrp="1"/>
+          </p:cNvSpPr>
+          <p:nvPr>
+            <p:ph type="sldNum" sz="quarter" idx="10"/>
+          </p:nvPr>
+        </p:nvSpPr>
+        <p:spPr/>
+        <p:txBody>
+          <a:bodyPr/>
+          <a:lstStyle/>
+          <a:p>
+            <a:fld id="{00BCE6B3-AE9D-498A-8FB1-9098549EE0E0}" type="slidenum">
+              <a:rPr lang="ko-KR" altLang="en-US" smtClean="0"/>
+              <a:pPr/>
+              <a:t>14</a:t>
+            </a:fld>
+            <a:endParaRPr lang="ko-KR" altLang="en-US"/>
+          </a:p>
+        </p:txBody>
+      </p:sp>
+    </p:spTree>
+    <p:extLst>
+      <p:ext uri="{BB962C8B-B14F-4D97-AF65-F5344CB8AC3E}">
+        <p14:creationId xmlns:p14="http://schemas.microsoft.com/office/powerpoint/2010/main" val="28650288"/>
+      </p:ext>
+    </p:extLst>
+  </p:cSld>
+  <p:clrMapOvr>
+    <a:masterClrMapping/>
+  </p:clrMapOvr>
+</p:notes>
+</file>
+
+<file path=ppt/notesSlides/notesSlide13.xml><?xml version="1.0" encoding="utf-8"?>
+<p:notes xmlns:a="http://schemas.openxmlformats.org/drawingml/2006/main" xmlns:r="http://schemas.openxmlformats.org/officeDocument/2006/relationships" xmlns:p="http://schemas.openxmlformats.org/presentationml/2006/main">
+  <p:cSld>
+    <p:spTree>
+      <p:nvGrpSpPr>
+        <p:cNvPr id="1" name=""/>
+        <p:cNvGrpSpPr/>
+        <p:nvPr/>
+      </p:nvGrpSpPr>
+      <p:grpSpPr>
+        <a:xfrm>
+          <a:off x="0" y="0"/>
+          <a:ext cx="0" cy="0"/>
+          <a:chOff x="0" y="0"/>
+          <a:chExt cx="0" cy="0"/>
+        </a:xfrm>
+      </p:grpSpPr>
+      <p:sp>
+        <p:nvSpPr>
+          <p:cNvPr id="2" name="슬라이드 이미지 개체 틀 1"/>
+          <p:cNvSpPr>
+            <a:spLocks noGrp="1" noRot="1" noChangeAspect="1"/>
+          </p:cNvSpPr>
+          <p:nvPr>
+            <p:ph type="sldImg"/>
+          </p:nvPr>
+        </p:nvSpPr>
+        <p:spPr/>
+      </p:sp>
+      <p:sp>
+        <p:nvSpPr>
+          <p:cNvPr id="3" name="슬라이드 노트 개체 틀 2"/>
+          <p:cNvSpPr>
+            <a:spLocks noGrp="1"/>
+          </p:cNvSpPr>
+          <p:nvPr>
+            <p:ph type="body" idx="1"/>
+          </p:nvPr>
+        </p:nvSpPr>
+        <p:spPr/>
+        <p:txBody>
+          <a:bodyPr/>
+          <a:lstStyle/>
+          <a:p>
+            <a:endParaRPr lang="ko-KR" altLang="en-US" dirty="0"/>
+          </a:p>
+        </p:txBody>
+      </p:sp>
+      <p:sp>
+        <p:nvSpPr>
+          <p:cNvPr id="4" name="슬라이드 번호 개체 틀 3"/>
+          <p:cNvSpPr>
+            <a:spLocks noGrp="1"/>
+          </p:cNvSpPr>
+          <p:nvPr>
+            <p:ph type="sldNum" sz="quarter" idx="10"/>
+          </p:nvPr>
+        </p:nvSpPr>
+        <p:spPr/>
+        <p:txBody>
+          <a:bodyPr/>
+          <a:lstStyle/>
+          <a:p>
+            <a:fld id="{00BCE6B3-AE9D-498A-8FB1-9098549EE0E0}" type="slidenum">
+              <a:rPr lang="ko-KR" altLang="en-US" smtClean="0"/>
+              <a:pPr/>
+              <a:t>15</a:t>
+            </a:fld>
+            <a:endParaRPr lang="ko-KR" altLang="en-US"/>
+          </a:p>
+        </p:txBody>
+      </p:sp>
+    </p:spTree>
+    <p:extLst>
+      <p:ext uri="{BB962C8B-B14F-4D97-AF65-F5344CB8AC3E}">
+        <p14:creationId xmlns:p14="http://schemas.microsoft.com/office/powerpoint/2010/main" val="2980720641"/>
+      </p:ext>
+    </p:extLst>
+  </p:cSld>
+  <p:clrMapOvr>
+    <a:masterClrMapping/>
+  </p:clrMapOvr>
+</p:notes>
+</file>
+
+<file path=ppt/notesSlides/notesSlide14.xml><?xml version="1.0" encoding="utf-8"?>
+<p:notes xmlns:a="http://schemas.openxmlformats.org/drawingml/2006/main" xmlns:r="http://schemas.openxmlformats.org/officeDocument/2006/relationships" xmlns:p="http://schemas.openxmlformats.org/presentationml/2006/main">
+  <p:cSld>
+    <p:spTree>
+      <p:nvGrpSpPr>
+        <p:cNvPr id="1" name=""/>
+        <p:cNvGrpSpPr/>
+        <p:nvPr/>
+      </p:nvGrpSpPr>
+      <p:grpSpPr>
+        <a:xfrm>
+          <a:off x="0" y="0"/>
+          <a:ext cx="0" cy="0"/>
+          <a:chOff x="0" y="0"/>
+          <a:chExt cx="0" cy="0"/>
+        </a:xfrm>
+      </p:grpSpPr>
+      <p:sp>
+        <p:nvSpPr>
+          <p:cNvPr id="2" name="슬라이드 이미지 개체 틀 1"/>
+          <p:cNvSpPr>
+            <a:spLocks noGrp="1" noRot="1" noChangeAspect="1"/>
+          </p:cNvSpPr>
+          <p:nvPr>
+            <p:ph type="sldImg"/>
+          </p:nvPr>
+        </p:nvSpPr>
+        <p:spPr/>
+      </p:sp>
+      <p:sp>
+        <p:nvSpPr>
+          <p:cNvPr id="3" name="슬라이드 노트 개체 틀 2"/>
+          <p:cNvSpPr>
+            <a:spLocks noGrp="1"/>
+          </p:cNvSpPr>
+          <p:nvPr>
+            <p:ph type="body" idx="1"/>
+          </p:nvPr>
+        </p:nvSpPr>
+        <p:spPr/>
+        <p:txBody>
+          <a:bodyPr/>
+          <a:lstStyle/>
+          <a:p>
+            <a:endParaRPr lang="ko-KR" altLang="en-US" dirty="0"/>
+          </a:p>
+        </p:txBody>
+      </p:sp>
+      <p:sp>
+        <p:nvSpPr>
+          <p:cNvPr id="4" name="슬라이드 번호 개체 틀 3"/>
+          <p:cNvSpPr>
+            <a:spLocks noGrp="1"/>
+          </p:cNvSpPr>
+          <p:nvPr>
+            <p:ph type="sldNum" sz="quarter" idx="10"/>
+          </p:nvPr>
+        </p:nvSpPr>
+        <p:spPr/>
+        <p:txBody>
+          <a:bodyPr/>
+          <a:lstStyle/>
+          <a:p>
+            <a:fld id="{00BCE6B3-AE9D-498A-8FB1-9098549EE0E0}" type="slidenum">
+              <a:rPr lang="ko-KR" altLang="en-US" smtClean="0"/>
+              <a:pPr/>
+              <a:t>16</a:t>
+            </a:fld>
+            <a:endParaRPr lang="ko-KR" altLang="en-US"/>
+          </a:p>
+        </p:txBody>
+      </p:sp>
+    </p:spTree>
+    <p:extLst>
+      <p:ext uri="{BB962C8B-B14F-4D97-AF65-F5344CB8AC3E}">
+        <p14:creationId xmlns:p14="http://schemas.microsoft.com/office/powerpoint/2010/main" val="321895953"/>
+      </p:ext>
+    </p:extLst>
+  </p:cSld>
+  <p:clrMapOvr>
+    <a:masterClrMapping/>
+  </p:clrMapOvr>
+</p:notes>
+</file>
+
 <file path=ppt/notesSlides/notesSlide2.xml><?xml version="1.0" encoding="utf-8"?>
 <p:notes xmlns:a="http://schemas.openxmlformats.org/drawingml/2006/main" xmlns:r="http://schemas.openxmlformats.org/officeDocument/2006/relationships" xmlns:p="http://schemas.openxmlformats.org/presentationml/2006/main">
   <p:cSld>
@@ -903,7 +1334,7 @@
     </p:spTree>
     <p:extLst>
       <p:ext uri="{BB962C8B-B14F-4D97-AF65-F5344CB8AC3E}">
-        <p14:creationId xmlns:p14="http://schemas.microsoft.com/office/powerpoint/2010/main" val="2780842756"/>
+        <p14:creationId xmlns:p14="http://schemas.microsoft.com/office/powerpoint/2010/main" val="2125119229"/>
       </p:ext>
     </p:extLst>
   </p:cSld>
@@ -988,7 +1419,7 @@
     </p:spTree>
     <p:extLst>
       <p:ext uri="{BB962C8B-B14F-4D97-AF65-F5344CB8AC3E}">
-        <p14:creationId xmlns:p14="http://schemas.microsoft.com/office/powerpoint/2010/main" val="775765175"/>
+        <p14:creationId xmlns:p14="http://schemas.microsoft.com/office/powerpoint/2010/main" val="3606027204"/>
       </p:ext>
     </p:extLst>
   </p:cSld>
@@ -1073,7 +1504,7 @@
     </p:spTree>
     <p:extLst>
       <p:ext uri="{BB962C8B-B14F-4D97-AF65-F5344CB8AC3E}">
-        <p14:creationId xmlns:p14="http://schemas.microsoft.com/office/powerpoint/2010/main" val="1426233505"/>
+        <p14:creationId xmlns:p14="http://schemas.microsoft.com/office/powerpoint/2010/main" val="2780842756"/>
       </p:ext>
     </p:extLst>
   </p:cSld>
@@ -1158,7 +1589,92 @@
     </p:spTree>
     <p:extLst>
       <p:ext uri="{BB962C8B-B14F-4D97-AF65-F5344CB8AC3E}">
-        <p14:creationId xmlns:p14="http://schemas.microsoft.com/office/powerpoint/2010/main" val="2234800329"/>
+        <p14:creationId xmlns:p14="http://schemas.microsoft.com/office/powerpoint/2010/main" val="775765175"/>
+      </p:ext>
+    </p:extLst>
+  </p:cSld>
+  <p:clrMapOvr>
+    <a:masterClrMapping/>
+  </p:clrMapOvr>
+</p:notes>
+</file>
+
+<file path=ppt/notesSlides/notesSlide9.xml><?xml version="1.0" encoding="utf-8"?>
+<p:notes xmlns:a="http://schemas.openxmlformats.org/drawingml/2006/main" xmlns:r="http://schemas.openxmlformats.org/officeDocument/2006/relationships" xmlns:p="http://schemas.openxmlformats.org/presentationml/2006/main">
+  <p:cSld>
+    <p:spTree>
+      <p:nvGrpSpPr>
+        <p:cNvPr id="1" name=""/>
+        <p:cNvGrpSpPr/>
+        <p:nvPr/>
+      </p:nvGrpSpPr>
+      <p:grpSpPr>
+        <a:xfrm>
+          <a:off x="0" y="0"/>
+          <a:ext cx="0" cy="0"/>
+          <a:chOff x="0" y="0"/>
+          <a:chExt cx="0" cy="0"/>
+        </a:xfrm>
+      </p:grpSpPr>
+      <p:sp>
+        <p:nvSpPr>
+          <p:cNvPr id="2" name="슬라이드 이미지 개체 틀 1"/>
+          <p:cNvSpPr>
+            <a:spLocks noGrp="1" noRot="1" noChangeAspect="1"/>
+          </p:cNvSpPr>
+          <p:nvPr>
+            <p:ph type="sldImg"/>
+          </p:nvPr>
+        </p:nvSpPr>
+        <p:spPr/>
+      </p:sp>
+      <p:sp>
+        <p:nvSpPr>
+          <p:cNvPr id="3" name="슬라이드 노트 개체 틀 2"/>
+          <p:cNvSpPr>
+            <a:spLocks noGrp="1"/>
+          </p:cNvSpPr>
+          <p:nvPr>
+            <p:ph type="body" idx="1"/>
+          </p:nvPr>
+        </p:nvSpPr>
+        <p:spPr/>
+        <p:txBody>
+          <a:bodyPr/>
+          <a:lstStyle/>
+          <a:p>
+            <a:endParaRPr lang="ko-KR" altLang="en-US" dirty="0"/>
+          </a:p>
+        </p:txBody>
+      </p:sp>
+      <p:sp>
+        <p:nvSpPr>
+          <p:cNvPr id="4" name="슬라이드 번호 개체 틀 3"/>
+          <p:cNvSpPr>
+            <a:spLocks noGrp="1"/>
+          </p:cNvSpPr>
+          <p:nvPr>
+            <p:ph type="sldNum" sz="quarter" idx="10"/>
+          </p:nvPr>
+        </p:nvSpPr>
+        <p:spPr/>
+        <p:txBody>
+          <a:bodyPr/>
+          <a:lstStyle/>
+          <a:p>
+            <a:fld id="{00BCE6B3-AE9D-498A-8FB1-9098549EE0E0}" type="slidenum">
+              <a:rPr lang="ko-KR" altLang="en-US" smtClean="0"/>
+              <a:pPr/>
+              <a:t>11</a:t>
+            </a:fld>
+            <a:endParaRPr lang="ko-KR" altLang="en-US"/>
+          </a:p>
+        </p:txBody>
+      </p:sp>
+    </p:spTree>
+    <p:extLst>
+      <p:ext uri="{BB962C8B-B14F-4D97-AF65-F5344CB8AC3E}">
+        <p14:creationId xmlns:p14="http://schemas.microsoft.com/office/powerpoint/2010/main" val="1426233505"/>
       </p:ext>
     </p:extLst>
   </p:cSld>
@@ -1347,7 +1863,7 @@
           <a:p>
             <a:fld id="{56967E90-A106-43EF-B7DD-00FB41B4AD34}" type="datetime1">
               <a:rPr lang="ko-KR" altLang="en-US" smtClean="0"/>
-              <a:t>2020-11-26</a:t>
+              <a:t>2020-11-27</a:t>
             </a:fld>
             <a:endParaRPr lang="ko-KR" altLang="en-US"/>
           </a:p>
@@ -1516,7 +2032,7 @@
           <a:p>
             <a:fld id="{12A851A4-40DC-480D-A31D-41195553FC22}" type="datetime1">
               <a:rPr lang="ko-KR" altLang="en-US" smtClean="0"/>
-              <a:t>2020-11-26</a:t>
+              <a:t>2020-11-27</a:t>
             </a:fld>
             <a:endParaRPr lang="ko-KR" altLang="en-US"/>
           </a:p>
@@ -1695,7 +2211,7 @@
           <a:p>
             <a:fld id="{4452D71F-8D56-41A6-9589-04DCDE7C6968}" type="datetime1">
               <a:rPr lang="ko-KR" altLang="en-US" smtClean="0"/>
-              <a:t>2020-11-26</a:t>
+              <a:t>2020-11-27</a:t>
             </a:fld>
             <a:endParaRPr lang="ko-KR" altLang="en-US"/>
           </a:p>
@@ -1864,7 +2380,7 @@
           <a:p>
             <a:fld id="{DFA84338-0367-445F-AB9A-FE9EE3BBB66C}" type="datetime1">
               <a:rPr lang="ko-KR" altLang="en-US" smtClean="0"/>
-              <a:t>2020-11-26</a:t>
+              <a:t>2020-11-27</a:t>
             </a:fld>
             <a:endParaRPr lang="ko-KR" altLang="en-US"/>
           </a:p>
@@ -2110,7 +2626,7 @@
           <a:p>
             <a:fld id="{15B5891D-5E46-4F72-896E-2C66CEF3050C}" type="datetime1">
               <a:rPr lang="ko-KR" altLang="en-US" smtClean="0"/>
-              <a:t>2020-11-26</a:t>
+              <a:t>2020-11-27</a:t>
             </a:fld>
             <a:endParaRPr lang="ko-KR" altLang="en-US"/>
           </a:p>
@@ -2396,7 +2912,7 @@
           <a:p>
             <a:fld id="{30FDE5DF-6FE5-4285-9D99-D9C30AF2E6F4}" type="datetime1">
               <a:rPr lang="ko-KR" altLang="en-US" smtClean="0"/>
-              <a:t>2020-11-26</a:t>
+              <a:t>2020-11-27</a:t>
             </a:fld>
             <a:endParaRPr lang="ko-KR" altLang="en-US"/>
           </a:p>
@@ -2816,7 +3332,7 @@
           <a:p>
             <a:fld id="{73A6B966-0763-481F-8C8C-E38523D00F5D}" type="datetime1">
               <a:rPr lang="ko-KR" altLang="en-US" smtClean="0"/>
-              <a:t>2020-11-26</a:t>
+              <a:t>2020-11-27</a:t>
             </a:fld>
             <a:endParaRPr lang="ko-KR" altLang="en-US"/>
           </a:p>
@@ -2934,7 +3450,7 @@
           <a:p>
             <a:fld id="{F3B7411A-88EE-4CD7-95F5-0CD1E853E6A3}" type="datetime1">
               <a:rPr lang="ko-KR" altLang="en-US" smtClean="0"/>
-              <a:t>2020-11-26</a:t>
+              <a:t>2020-11-27</a:t>
             </a:fld>
             <a:endParaRPr lang="ko-KR" altLang="en-US"/>
           </a:p>
@@ -3030,7 +3546,7 @@
           <a:p>
             <a:fld id="{B6E3E03F-3D89-462C-AC85-5571DC0A72BC}" type="datetime1">
               <a:rPr lang="ko-KR" altLang="en-US" smtClean="0"/>
-              <a:t>2020-11-26</a:t>
+              <a:t>2020-11-27</a:t>
             </a:fld>
             <a:endParaRPr lang="ko-KR" altLang="en-US"/>
           </a:p>
@@ -3306,7 +3822,7 @@
           <a:p>
             <a:fld id="{600BDAB5-CE24-40D4-8E6C-36A9020964C0}" type="datetime1">
               <a:rPr lang="ko-KR" altLang="en-US" smtClean="0"/>
-              <a:t>2020-11-26</a:t>
+              <a:t>2020-11-27</a:t>
             </a:fld>
             <a:endParaRPr lang="ko-KR" altLang="en-US"/>
           </a:p>
@@ -3559,7 +4075,7 @@
           <a:p>
             <a:fld id="{A8E919B8-1DD7-45F1-9E47-BCB212E48BDB}" type="datetime1">
               <a:rPr lang="ko-KR" altLang="en-US" smtClean="0"/>
-              <a:t>2020-11-26</a:t>
+              <a:t>2020-11-27</a:t>
             </a:fld>
             <a:endParaRPr lang="ko-KR" altLang="en-US"/>
           </a:p>
@@ -3771,7 +4287,7 @@
           <a:p>
             <a:fld id="{B79BC2FA-E896-48D8-93BA-AA3047A986BF}" type="datetime1">
               <a:rPr lang="ko-KR" altLang="en-US" smtClean="0"/>
-              <a:t>2020-11-26</a:t>
+              <a:t>2020-11-27</a:t>
             </a:fld>
             <a:endParaRPr lang="ko-KR" altLang="en-US"/>
           </a:p>
@@ -5028,18 +5544,18 @@
               <a:buChar char="§"/>
             </a:pPr>
             <a:r>
-              <a:rPr lang="en-US" altLang="ko-KR" sz="2400" b="1" dirty="0">
+              <a:rPr lang="en-US" altLang="ko-KR" sz="2400" b="1">
                 <a:latin typeface="+mj-ea"/>
                 <a:ea typeface="+mj-ea"/>
               </a:rPr>
               <a:t> </a:t>
             </a:r>
             <a:r>
-              <a:rPr lang="ko-KR" altLang="en-US" sz="2400" b="1" dirty="0">
+              <a:rPr lang="ko-KR" altLang="en-US" sz="2400" b="1">
                 <a:latin typeface="+mj-ea"/>
                 <a:ea typeface="+mj-ea"/>
               </a:rPr>
-              <a:t>실험결과</a:t>
+              <a:t>안전도 필터링 모델 구축 코드</a:t>
             </a:r>
             <a:endParaRPr lang="en-US" altLang="ko-KR" sz="2400" b="1" dirty="0">
               <a:latin typeface="+mj-ea"/>
@@ -5119,6 +5635,1035 @@
               <a:rPr lang="ko-KR" altLang="en-US" smtClean="0"/>
               <a:pPr/>
               <a:t>10</a:t>
+            </a:fld>
+            <a:endParaRPr lang="ko-KR" altLang="en-US" dirty="0"/>
+          </a:p>
+        </p:txBody>
+      </p:sp>
+      <p:sp>
+        <p:nvSpPr>
+          <p:cNvPr id="11" name="Text Box 13">
+            <a:extLst>
+              <a:ext uri="{FF2B5EF4-FFF2-40B4-BE49-F238E27FC236}">
+                <a16:creationId xmlns:a16="http://schemas.microsoft.com/office/drawing/2014/main" id="{4C50B7D8-02C2-482D-A8BE-8EBED0CE98D0}"/>
+              </a:ext>
+            </a:extLst>
+          </p:cNvPr>
+          <p:cNvSpPr txBox="1">
+            <a:spLocks noChangeArrowheads="1"/>
+          </p:cNvSpPr>
+          <p:nvPr/>
+        </p:nvSpPr>
+        <p:spPr bwMode="auto">
+          <a:xfrm>
+            <a:off x="330200" y="92075"/>
+            <a:ext cx="7289800" cy="646331"/>
+          </a:xfrm>
+          <a:prstGeom prst="rect">
+            <a:avLst/>
+          </a:prstGeom>
+          <a:noFill/>
+          <a:ln w="9525">
+            <a:noFill/>
+            <a:miter lim="800000"/>
+            <a:headEnd/>
+            <a:tailEnd/>
+          </a:ln>
+        </p:spPr>
+        <p:txBody>
+          <a:bodyPr>
+            <a:spAutoFit/>
+          </a:bodyPr>
+          <a:lstStyle/>
+          <a:p>
+            <a:pPr eaLnBrk="0" fontAlgn="t" latinLnBrk="0" hangingPunct="0">
+              <a:spcBef>
+                <a:spcPct val="50000"/>
+              </a:spcBef>
+              <a:defRPr/>
+            </a:pPr>
+            <a:r>
+              <a:rPr lang="ko-KR" altLang="en-US" sz="3600" b="1">
+                <a:solidFill>
+                  <a:schemeClr val="bg1"/>
+                </a:solidFill>
+                <a:latin typeface="+mj-ea"/>
+              </a:rPr>
+              <a:t>소스코드</a:t>
+            </a:r>
+            <a:endParaRPr lang="ko-KR" altLang="en-US" sz="3600" b="1" dirty="0">
+              <a:solidFill>
+                <a:schemeClr val="bg1"/>
+              </a:solidFill>
+              <a:latin typeface="+mj-ea"/>
+            </a:endParaRPr>
+          </a:p>
+        </p:txBody>
+      </p:sp>
+      <p:sp>
+        <p:nvSpPr>
+          <p:cNvPr id="2" name="직사각형 1">
+            <a:extLst>
+              <a:ext uri="{FF2B5EF4-FFF2-40B4-BE49-F238E27FC236}">
+                <a16:creationId xmlns:a16="http://schemas.microsoft.com/office/drawing/2014/main" id="{292BDCC0-31B2-4D56-A627-F5A1F7990CE7}"/>
+              </a:ext>
+            </a:extLst>
+          </p:cNvPr>
+          <p:cNvSpPr/>
+          <p:nvPr/>
+        </p:nvSpPr>
+        <p:spPr>
+          <a:xfrm>
+            <a:off x="827584" y="1563599"/>
+            <a:ext cx="7499865" cy="1361345"/>
+          </a:xfrm>
+          <a:prstGeom prst="rect">
+            <a:avLst/>
+          </a:prstGeom>
+          <a:solidFill>
+            <a:schemeClr val="bg1">
+              <a:lumMod val="85000"/>
+            </a:schemeClr>
+          </a:solidFill>
+          <a:ln>
+            <a:solidFill>
+              <a:schemeClr val="bg1">
+                <a:lumMod val="85000"/>
+              </a:schemeClr>
+            </a:solidFill>
+          </a:ln>
+        </p:spPr>
+        <p:style>
+          <a:lnRef idx="2">
+            <a:schemeClr val="accent1">
+              <a:shade val="50000"/>
+            </a:schemeClr>
+          </a:lnRef>
+          <a:fillRef idx="1">
+            <a:schemeClr val="accent1"/>
+          </a:fillRef>
+          <a:effectRef idx="0">
+            <a:schemeClr val="accent1"/>
+          </a:effectRef>
+          <a:fontRef idx="minor">
+            <a:schemeClr val="lt1"/>
+          </a:fontRef>
+        </p:style>
+        <p:txBody>
+          <a:bodyPr rtlCol="0" anchor="ctr"/>
+          <a:lstStyle/>
+          <a:p>
+            <a:pPr algn="ctr"/>
+            <a:endParaRPr lang="ko-KR" altLang="en-US"/>
+          </a:p>
+        </p:txBody>
+      </p:sp>
+      <p:sp>
+        <p:nvSpPr>
+          <p:cNvPr id="14" name="TextBox 13">
+            <a:extLst>
+              <a:ext uri="{FF2B5EF4-FFF2-40B4-BE49-F238E27FC236}">
+                <a16:creationId xmlns:a16="http://schemas.microsoft.com/office/drawing/2014/main" id="{732CFE51-7778-4965-AB44-54630EF29B1E}"/>
+              </a:ext>
+            </a:extLst>
+          </p:cNvPr>
+          <p:cNvSpPr txBox="1"/>
+          <p:nvPr/>
+        </p:nvSpPr>
+        <p:spPr>
+          <a:xfrm>
+            <a:off x="816551" y="1556792"/>
+            <a:ext cx="7510898" cy="1200329"/>
+          </a:xfrm>
+          <a:prstGeom prst="rect">
+            <a:avLst/>
+          </a:prstGeom>
+          <a:noFill/>
+        </p:spPr>
+        <p:txBody>
+          <a:bodyPr wrap="square" rtlCol="0">
+            <a:spAutoFit/>
+          </a:bodyPr>
+          <a:lstStyle/>
+          <a:p>
+            <a:pPr marL="285750" indent="-285750">
+              <a:buFont typeface="Wingdings" panose="05000000000000000000" pitchFamily="2" charset="2"/>
+              <a:buChar char="§"/>
+            </a:pPr>
+            <a:r>
+              <a:rPr lang="en-US" altLang="ko-KR"/>
+              <a:t>Epoch</a:t>
+            </a:r>
+            <a:r>
+              <a:rPr lang="ko-KR" altLang="en-US"/>
+              <a:t>는 </a:t>
+            </a:r>
+            <a:r>
+              <a:rPr lang="en-US" altLang="ko-KR"/>
+              <a:t>100 </a:t>
+            </a:r>
+            <a:r>
+              <a:rPr lang="ko-KR" altLang="en-US"/>
+              <a:t>또는 </a:t>
+            </a:r>
+            <a:r>
+              <a:rPr lang="en-US" altLang="ko-KR"/>
+              <a:t>200</a:t>
+            </a:r>
+            <a:r>
+              <a:rPr lang="ko-KR" altLang="en-US"/>
+              <a:t>으로 설정했으며</a:t>
+            </a:r>
+            <a:r>
+              <a:rPr lang="en-US" altLang="ko-KR"/>
+              <a:t>, 6</a:t>
+            </a:r>
+            <a:r>
+              <a:rPr lang="ko-KR" altLang="en-US"/>
+              <a:t>중첩 </a:t>
+            </a:r>
+            <a:r>
+              <a:rPr lang="en-US" altLang="ko-KR"/>
+              <a:t>for</a:t>
+            </a:r>
+            <a:r>
+              <a:rPr lang="ko-KR" altLang="en-US"/>
+              <a:t>문을 통하여 모든 경우의 모델을 평가</a:t>
+            </a:r>
+            <a:endParaRPr lang="en-US" altLang="ko-KR"/>
+          </a:p>
+          <a:p>
+            <a:pPr marL="285750" indent="-285750">
+              <a:buFont typeface="Wingdings" panose="05000000000000000000" pitchFamily="2" charset="2"/>
+              <a:buChar char="§"/>
+            </a:pPr>
+            <a:r>
+              <a:rPr lang="ko-KR" altLang="en-US"/>
+              <a:t>모델 학습 후 </a:t>
+            </a:r>
+            <a:r>
+              <a:rPr lang="en-US" altLang="ko-KR"/>
+              <a:t>validation </a:t>
+            </a:r>
+            <a:r>
+              <a:rPr lang="ko-KR" altLang="en-US"/>
+              <a:t>정확도의 최대값</a:t>
+            </a:r>
+            <a:r>
+              <a:rPr lang="en-US" altLang="ko-KR"/>
+              <a:t>, </a:t>
+            </a:r>
+            <a:r>
+              <a:rPr lang="ko-KR" altLang="en-US"/>
+              <a:t>손실 평균</a:t>
+            </a:r>
+            <a:r>
+              <a:rPr lang="en-US" altLang="ko-KR"/>
+              <a:t>, </a:t>
+            </a:r>
+            <a:r>
+              <a:rPr lang="ko-KR" altLang="en-US"/>
+              <a:t>정확도 평균을 로그로 출력하여 육안으로 모델 평가 실시</a:t>
+            </a:r>
+            <a:endParaRPr lang="en-US" altLang="ko-KR"/>
+          </a:p>
+        </p:txBody>
+      </p:sp>
+      <p:pic>
+        <p:nvPicPr>
+          <p:cNvPr id="3" name="그림 2">
+            <a:extLst>
+              <a:ext uri="{FF2B5EF4-FFF2-40B4-BE49-F238E27FC236}">
+                <a16:creationId xmlns:a16="http://schemas.microsoft.com/office/drawing/2014/main" id="{E94F0E77-279C-408F-8670-630BB6514996}"/>
+              </a:ext>
+            </a:extLst>
+          </p:cNvPr>
+          <p:cNvPicPr>
+            <a:picLocks noChangeAspect="1"/>
+          </p:cNvPicPr>
+          <p:nvPr/>
+        </p:nvPicPr>
+        <p:blipFill>
+          <a:blip r:embed="rId3"/>
+          <a:stretch>
+            <a:fillRect/>
+          </a:stretch>
+        </p:blipFill>
+        <p:spPr>
+          <a:xfrm>
+            <a:off x="2544069" y="2920604"/>
+            <a:ext cx="4055861" cy="3003594"/>
+          </a:xfrm>
+          <a:prstGeom prst="rect">
+            <a:avLst/>
+          </a:prstGeom>
+        </p:spPr>
+      </p:pic>
+      <p:pic>
+        <p:nvPicPr>
+          <p:cNvPr id="4" name="그림 3">
+            <a:extLst>
+              <a:ext uri="{FF2B5EF4-FFF2-40B4-BE49-F238E27FC236}">
+                <a16:creationId xmlns:a16="http://schemas.microsoft.com/office/drawing/2014/main" id="{0319B01C-E3F9-4972-8117-9655465226C1}"/>
+              </a:ext>
+            </a:extLst>
+          </p:cNvPr>
+          <p:cNvPicPr>
+            <a:picLocks noChangeAspect="1"/>
+          </p:cNvPicPr>
+          <p:nvPr/>
+        </p:nvPicPr>
+        <p:blipFill>
+          <a:blip r:embed="rId4"/>
+          <a:stretch>
+            <a:fillRect/>
+          </a:stretch>
+        </p:blipFill>
+        <p:spPr>
+          <a:xfrm>
+            <a:off x="723900" y="5914851"/>
+            <a:ext cx="7962900" cy="533400"/>
+          </a:xfrm>
+          <a:prstGeom prst="rect">
+            <a:avLst/>
+          </a:prstGeom>
+        </p:spPr>
+      </p:pic>
+    </p:spTree>
+    <p:extLst>
+      <p:ext uri="{BB962C8B-B14F-4D97-AF65-F5344CB8AC3E}">
+        <p14:creationId xmlns:p14="http://schemas.microsoft.com/office/powerpoint/2010/main" val="280034712"/>
+      </p:ext>
+    </p:extLst>
+  </p:cSld>
+  <p:clrMapOvr>
+    <a:masterClrMapping/>
+  </p:clrMapOvr>
+  <p:transition>
+    <p:fade/>
+  </p:transition>
+</p:sld>
+</file>
+
+<file path=ppt/slides/slide11.xml><?xml version="1.0" encoding="utf-8"?>
+<p:sld xmlns:a="http://schemas.openxmlformats.org/drawingml/2006/main" xmlns:r="http://schemas.openxmlformats.org/officeDocument/2006/relationships" xmlns:p="http://schemas.openxmlformats.org/presentationml/2006/main">
+  <p:cSld>
+    <p:spTree>
+      <p:nvGrpSpPr>
+        <p:cNvPr id="1" name=""/>
+        <p:cNvGrpSpPr/>
+        <p:nvPr/>
+      </p:nvGrpSpPr>
+      <p:grpSpPr>
+        <a:xfrm>
+          <a:off x="0" y="0"/>
+          <a:ext cx="0" cy="0"/>
+          <a:chOff x="0" y="0"/>
+          <a:chExt cx="0" cy="0"/>
+        </a:xfrm>
+      </p:grpSpPr>
+      <p:sp>
+        <p:nvSpPr>
+          <p:cNvPr id="9" name="TextBox 8"/>
+          <p:cNvSpPr txBox="1"/>
+          <p:nvPr/>
+        </p:nvSpPr>
+        <p:spPr>
+          <a:xfrm>
+            <a:off x="357158" y="867191"/>
+            <a:ext cx="8429684" cy="574966"/>
+          </a:xfrm>
+          <a:prstGeom prst="rect">
+            <a:avLst/>
+          </a:prstGeom>
+          <a:noFill/>
+        </p:spPr>
+        <p:txBody>
+          <a:bodyPr wrap="square" rtlCol="0">
+            <a:spAutoFit/>
+          </a:bodyPr>
+          <a:lstStyle/>
+          <a:p>
+            <a:pPr>
+              <a:lnSpc>
+                <a:spcPct val="150000"/>
+              </a:lnSpc>
+              <a:buFont typeface="Wingdings" pitchFamily="2" charset="2"/>
+              <a:buChar char="§"/>
+            </a:pPr>
+            <a:r>
+              <a:rPr lang="en-US" altLang="ko-KR" sz="2400" b="1" dirty="0">
+                <a:latin typeface="+mj-ea"/>
+                <a:ea typeface="+mj-ea"/>
+              </a:rPr>
+              <a:t> </a:t>
+            </a:r>
+            <a:r>
+              <a:rPr lang="ko-KR" altLang="en-US" sz="2400" b="1" dirty="0">
+                <a:latin typeface="+mj-ea"/>
+                <a:ea typeface="+mj-ea"/>
+              </a:rPr>
+              <a:t>실험결과</a:t>
+            </a:r>
+            <a:endParaRPr lang="en-US" altLang="ko-KR" sz="2400" b="1" dirty="0">
+              <a:latin typeface="+mj-ea"/>
+              <a:ea typeface="+mj-ea"/>
+            </a:endParaRPr>
+          </a:p>
+        </p:txBody>
+      </p:sp>
+      <p:sp>
+        <p:nvSpPr>
+          <p:cNvPr id="1026" name="Rectangle 2"/>
+          <p:cNvSpPr>
+            <a:spLocks noChangeArrowheads="1"/>
+          </p:cNvSpPr>
+          <p:nvPr/>
+        </p:nvSpPr>
+        <p:spPr bwMode="auto">
+          <a:xfrm>
+            <a:off x="0" y="43934"/>
+            <a:ext cx="184731" cy="369332"/>
+          </a:xfrm>
+          <a:prstGeom prst="rect">
+            <a:avLst/>
+          </a:prstGeom>
+          <a:noFill/>
+          <a:ln w="9525">
+            <a:noFill/>
+            <a:miter lim="800000"/>
+            <a:headEnd/>
+            <a:tailEnd/>
+          </a:ln>
+          <a:effectLst/>
+        </p:spPr>
+        <p:txBody>
+          <a:bodyPr vert="horz" wrap="none" lIns="91440" tIns="45720" rIns="91440" bIns="45720" numCol="1" anchor="ctr" anchorCtr="0" compatLnSpc="1">
+            <a:prstTxWarp prst="textNoShape">
+              <a:avLst/>
+            </a:prstTxWarp>
+            <a:spAutoFit/>
+          </a:bodyPr>
+          <a:lstStyle/>
+          <a:p>
+            <a:endParaRPr lang="ko-KR" altLang="en-US">
+              <a:latin typeface="+mj-ea"/>
+              <a:ea typeface="+mj-ea"/>
+            </a:endParaRPr>
+          </a:p>
+        </p:txBody>
+      </p:sp>
+      <p:sp>
+        <p:nvSpPr>
+          <p:cNvPr id="6" name="슬라이드 번호 개체 틀 2">
+            <a:extLst>
+              <a:ext uri="{FF2B5EF4-FFF2-40B4-BE49-F238E27FC236}">
+                <a16:creationId xmlns:a16="http://schemas.microsoft.com/office/drawing/2014/main" id="{273CF472-7DAD-47FE-9571-09EA0EFB61E1}"/>
+              </a:ext>
+            </a:extLst>
+          </p:cNvPr>
+          <p:cNvSpPr>
+            <a:spLocks noGrp="1"/>
+          </p:cNvSpPr>
+          <p:nvPr>
+            <p:ph type="sldNum" sz="quarter" idx="12"/>
+          </p:nvPr>
+        </p:nvSpPr>
+        <p:spPr>
+          <a:xfrm>
+            <a:off x="6553200" y="6448251"/>
+            <a:ext cx="2133600" cy="365125"/>
+          </a:xfrm>
+        </p:spPr>
+        <p:txBody>
+          <a:bodyPr/>
+          <a:lstStyle/>
+          <a:p>
+            <a:fld id="{0CDDD91B-D59A-43E0-9831-FA9EFD7B6536}" type="slidenum">
+              <a:rPr lang="ko-KR" altLang="en-US" smtClean="0"/>
+              <a:pPr/>
+              <a:t>11</a:t>
+            </a:fld>
+            <a:endParaRPr lang="ko-KR" altLang="en-US" dirty="0"/>
+          </a:p>
+        </p:txBody>
+      </p:sp>
+      <p:sp>
+        <p:nvSpPr>
+          <p:cNvPr id="11" name="Text Box 13">
+            <a:extLst>
+              <a:ext uri="{FF2B5EF4-FFF2-40B4-BE49-F238E27FC236}">
+                <a16:creationId xmlns:a16="http://schemas.microsoft.com/office/drawing/2014/main" id="{4C50B7D8-02C2-482D-A8BE-8EBED0CE98D0}"/>
+              </a:ext>
+            </a:extLst>
+          </p:cNvPr>
+          <p:cNvSpPr txBox="1">
+            <a:spLocks noChangeArrowheads="1"/>
+          </p:cNvSpPr>
+          <p:nvPr/>
+        </p:nvSpPr>
+        <p:spPr bwMode="auto">
+          <a:xfrm>
+            <a:off x="330200" y="92075"/>
+            <a:ext cx="7289800" cy="646331"/>
+          </a:xfrm>
+          <a:prstGeom prst="rect">
+            <a:avLst/>
+          </a:prstGeom>
+          <a:noFill/>
+          <a:ln w="9525">
+            <a:noFill/>
+            <a:miter lim="800000"/>
+            <a:headEnd/>
+            <a:tailEnd/>
+          </a:ln>
+        </p:spPr>
+        <p:txBody>
+          <a:bodyPr>
+            <a:spAutoFit/>
+          </a:bodyPr>
+          <a:lstStyle/>
+          <a:p>
+            <a:pPr eaLnBrk="0" fontAlgn="t" latinLnBrk="0" hangingPunct="0">
+              <a:spcBef>
+                <a:spcPct val="50000"/>
+              </a:spcBef>
+              <a:defRPr/>
+            </a:pPr>
+            <a:r>
+              <a:rPr lang="ko-KR" altLang="en-US" sz="3600" b="1">
+                <a:solidFill>
+                  <a:schemeClr val="bg1"/>
+                </a:solidFill>
+                <a:latin typeface="+mj-ea"/>
+              </a:rPr>
+              <a:t>실험결과</a:t>
+            </a:r>
+            <a:endParaRPr lang="ko-KR" altLang="en-US" sz="3600" b="1" dirty="0">
+              <a:solidFill>
+                <a:schemeClr val="bg1"/>
+              </a:solidFill>
+              <a:latin typeface="+mj-ea"/>
+            </a:endParaRPr>
+          </a:p>
+        </p:txBody>
+      </p:sp>
+      <p:sp>
+        <p:nvSpPr>
+          <p:cNvPr id="2" name="직사각형 1">
+            <a:extLst>
+              <a:ext uri="{FF2B5EF4-FFF2-40B4-BE49-F238E27FC236}">
+                <a16:creationId xmlns:a16="http://schemas.microsoft.com/office/drawing/2014/main" id="{292BDCC0-31B2-4D56-A627-F5A1F7990CE7}"/>
+              </a:ext>
+            </a:extLst>
+          </p:cNvPr>
+          <p:cNvSpPr/>
+          <p:nvPr/>
+        </p:nvSpPr>
+        <p:spPr>
+          <a:xfrm>
+            <a:off x="827584" y="1563600"/>
+            <a:ext cx="7499865" cy="1983284"/>
+          </a:xfrm>
+          <a:prstGeom prst="rect">
+            <a:avLst/>
+          </a:prstGeom>
+          <a:solidFill>
+            <a:schemeClr val="bg1">
+              <a:lumMod val="85000"/>
+            </a:schemeClr>
+          </a:solidFill>
+          <a:ln>
+            <a:solidFill>
+              <a:schemeClr val="bg1">
+                <a:lumMod val="85000"/>
+              </a:schemeClr>
+            </a:solidFill>
+          </a:ln>
+        </p:spPr>
+        <p:style>
+          <a:lnRef idx="2">
+            <a:schemeClr val="accent1">
+              <a:shade val="50000"/>
+            </a:schemeClr>
+          </a:lnRef>
+          <a:fillRef idx="1">
+            <a:schemeClr val="accent1"/>
+          </a:fillRef>
+          <a:effectRef idx="0">
+            <a:schemeClr val="accent1"/>
+          </a:effectRef>
+          <a:fontRef idx="minor">
+            <a:schemeClr val="lt1"/>
+          </a:fontRef>
+        </p:style>
+        <p:txBody>
+          <a:bodyPr rtlCol="0" anchor="ctr"/>
+          <a:lstStyle/>
+          <a:p>
+            <a:pPr algn="ctr"/>
+            <a:endParaRPr lang="ko-KR" altLang="en-US"/>
+          </a:p>
+        </p:txBody>
+      </p:sp>
+      <p:sp>
+        <p:nvSpPr>
+          <p:cNvPr id="8" name="TextBox 7">
+            <a:extLst>
+              <a:ext uri="{FF2B5EF4-FFF2-40B4-BE49-F238E27FC236}">
+                <a16:creationId xmlns:a16="http://schemas.microsoft.com/office/drawing/2014/main" id="{59574F2E-70E6-4529-857F-38523A9E2909}"/>
+              </a:ext>
+            </a:extLst>
+          </p:cNvPr>
+          <p:cNvSpPr txBox="1"/>
+          <p:nvPr/>
+        </p:nvSpPr>
+        <p:spPr>
+          <a:xfrm>
+            <a:off x="816551" y="1556792"/>
+            <a:ext cx="7510898" cy="1754326"/>
+          </a:xfrm>
+          <a:prstGeom prst="rect">
+            <a:avLst/>
+          </a:prstGeom>
+          <a:noFill/>
+        </p:spPr>
+        <p:txBody>
+          <a:bodyPr wrap="square" rtlCol="0">
+            <a:spAutoFit/>
+          </a:bodyPr>
+          <a:lstStyle/>
+          <a:p>
+            <a:pPr marL="285750" indent="-285750">
+              <a:buFont typeface="Wingdings" panose="05000000000000000000" pitchFamily="2" charset="2"/>
+              <a:buChar char="§"/>
+            </a:pPr>
+            <a:r>
+              <a:rPr lang="en-US" altLang="ko-KR" dirty="0"/>
+              <a:t>Z-</a:t>
+            </a:r>
+            <a:r>
+              <a:rPr lang="en-US" altLang="ko-KR" dirty="0" err="1"/>
+              <a:t>dist</a:t>
+            </a:r>
+            <a:r>
+              <a:rPr lang="ko-KR" altLang="en-US" dirty="0"/>
+              <a:t>를 통한 데이터 정규화는 항상 정확도가 사용하지 않은 것에 비해 높게 나옴</a:t>
+            </a:r>
+            <a:endParaRPr lang="en-US" altLang="ko-KR" dirty="0"/>
+          </a:p>
+          <a:p>
+            <a:pPr marL="285750" indent="-285750">
+              <a:buFont typeface="Wingdings" panose="05000000000000000000" pitchFamily="2" charset="2"/>
+              <a:buChar char="§"/>
+            </a:pPr>
+            <a:r>
+              <a:rPr lang="ko-KR" altLang="en-US" dirty="0"/>
+              <a:t>활성화 함수에서 </a:t>
+            </a:r>
+            <a:r>
+              <a:rPr lang="en-US" altLang="ko-KR" dirty="0"/>
+              <a:t>sigmoid</a:t>
+            </a:r>
+            <a:r>
+              <a:rPr lang="ko-KR" altLang="en-US" dirty="0"/>
+              <a:t>의 정확도가 유난히 낮았으며</a:t>
+            </a:r>
+            <a:r>
+              <a:rPr lang="en-US" altLang="ko-KR" dirty="0"/>
+              <a:t>, </a:t>
+            </a:r>
+            <a:r>
+              <a:rPr lang="ko-KR" altLang="en-US" dirty="0"/>
+              <a:t>나머지는 비슷한 경향을 보임</a:t>
+            </a:r>
+            <a:endParaRPr lang="en-US" altLang="ko-KR" dirty="0"/>
+          </a:p>
+          <a:p>
+            <a:pPr marL="285750" indent="-285750">
+              <a:buFont typeface="Wingdings" panose="05000000000000000000" pitchFamily="2" charset="2"/>
+              <a:buChar char="§"/>
+            </a:pPr>
+            <a:r>
+              <a:rPr lang="ko-KR" altLang="en-US" dirty="0"/>
+              <a:t>종합적으로 평가한 결과 최대 </a:t>
+            </a:r>
+            <a:r>
+              <a:rPr lang="en-US" altLang="ko-KR" dirty="0"/>
+              <a:t>93%</a:t>
+            </a:r>
+            <a:r>
+              <a:rPr lang="ko-KR" altLang="en-US" dirty="0"/>
+              <a:t>의 정확도를 보이는 지점은 다음과 같음</a:t>
+            </a:r>
+            <a:endParaRPr lang="en-US" altLang="ko-KR" dirty="0"/>
+          </a:p>
+        </p:txBody>
+      </p:sp>
+      <p:pic>
+        <p:nvPicPr>
+          <p:cNvPr id="4" name="그림 3">
+            <a:extLst>
+              <a:ext uri="{FF2B5EF4-FFF2-40B4-BE49-F238E27FC236}">
+                <a16:creationId xmlns:a16="http://schemas.microsoft.com/office/drawing/2014/main" id="{75F6D571-BB8B-42FD-9116-1D6DAD17B61D}"/>
+              </a:ext>
+            </a:extLst>
+          </p:cNvPr>
+          <p:cNvPicPr>
+            <a:picLocks noChangeAspect="1"/>
+          </p:cNvPicPr>
+          <p:nvPr/>
+        </p:nvPicPr>
+        <p:blipFill>
+          <a:blip r:embed="rId3"/>
+          <a:stretch>
+            <a:fillRect/>
+          </a:stretch>
+        </p:blipFill>
+        <p:spPr>
+          <a:xfrm>
+            <a:off x="755576" y="3612085"/>
+            <a:ext cx="3672015" cy="437438"/>
+          </a:xfrm>
+          <a:prstGeom prst="rect">
+            <a:avLst/>
+          </a:prstGeom>
+        </p:spPr>
+      </p:pic>
+      <p:pic>
+        <p:nvPicPr>
+          <p:cNvPr id="7" name="그림 6">
+            <a:extLst>
+              <a:ext uri="{FF2B5EF4-FFF2-40B4-BE49-F238E27FC236}">
+                <a16:creationId xmlns:a16="http://schemas.microsoft.com/office/drawing/2014/main" id="{B18736C9-8B61-49B2-BA36-2686F1701F9A}"/>
+              </a:ext>
+            </a:extLst>
+          </p:cNvPr>
+          <p:cNvPicPr>
+            <a:picLocks noChangeAspect="1"/>
+          </p:cNvPicPr>
+          <p:nvPr/>
+        </p:nvPicPr>
+        <p:blipFill>
+          <a:blip r:embed="rId4"/>
+          <a:stretch>
+            <a:fillRect/>
+          </a:stretch>
+        </p:blipFill>
+        <p:spPr>
+          <a:xfrm>
+            <a:off x="766609" y="4294917"/>
+            <a:ext cx="3672015" cy="438911"/>
+          </a:xfrm>
+          <a:prstGeom prst="rect">
+            <a:avLst/>
+          </a:prstGeom>
+        </p:spPr>
+      </p:pic>
+      <p:pic>
+        <p:nvPicPr>
+          <p:cNvPr id="12" name="그림 11">
+            <a:extLst>
+              <a:ext uri="{FF2B5EF4-FFF2-40B4-BE49-F238E27FC236}">
+                <a16:creationId xmlns:a16="http://schemas.microsoft.com/office/drawing/2014/main" id="{4F5EA961-297E-4D01-9DCD-511D0CE6F91A}"/>
+              </a:ext>
+            </a:extLst>
+          </p:cNvPr>
+          <p:cNvPicPr>
+            <a:picLocks noChangeAspect="1"/>
+          </p:cNvPicPr>
+          <p:nvPr/>
+        </p:nvPicPr>
+        <p:blipFill>
+          <a:blip r:embed="rId5"/>
+          <a:stretch>
+            <a:fillRect/>
+          </a:stretch>
+        </p:blipFill>
+        <p:spPr>
+          <a:xfrm>
+            <a:off x="766609" y="5081752"/>
+            <a:ext cx="3505357" cy="438911"/>
+          </a:xfrm>
+          <a:prstGeom prst="rect">
+            <a:avLst/>
+          </a:prstGeom>
+        </p:spPr>
+      </p:pic>
+      <p:pic>
+        <p:nvPicPr>
+          <p:cNvPr id="15" name="그림 14">
+            <a:extLst>
+              <a:ext uri="{FF2B5EF4-FFF2-40B4-BE49-F238E27FC236}">
+                <a16:creationId xmlns:a16="http://schemas.microsoft.com/office/drawing/2014/main" id="{5D74E6A2-AF40-45B3-BC4F-DB4A2883C0A5}"/>
+              </a:ext>
+            </a:extLst>
+          </p:cNvPr>
+          <p:cNvPicPr>
+            <a:picLocks noChangeAspect="1"/>
+          </p:cNvPicPr>
+          <p:nvPr/>
+        </p:nvPicPr>
+        <p:blipFill>
+          <a:blip r:embed="rId6"/>
+          <a:stretch>
+            <a:fillRect/>
+          </a:stretch>
+        </p:blipFill>
+        <p:spPr>
+          <a:xfrm>
+            <a:off x="755576" y="5791052"/>
+            <a:ext cx="3505358" cy="434549"/>
+          </a:xfrm>
+          <a:prstGeom prst="rect">
+            <a:avLst/>
+          </a:prstGeom>
+        </p:spPr>
+      </p:pic>
+      <p:pic>
+        <p:nvPicPr>
+          <p:cNvPr id="17" name="그림 16">
+            <a:extLst>
+              <a:ext uri="{FF2B5EF4-FFF2-40B4-BE49-F238E27FC236}">
+                <a16:creationId xmlns:a16="http://schemas.microsoft.com/office/drawing/2014/main" id="{17D6BA3A-083E-48C8-92C9-DF9431E57FCD}"/>
+              </a:ext>
+            </a:extLst>
+          </p:cNvPr>
+          <p:cNvPicPr>
+            <a:picLocks noChangeAspect="1"/>
+          </p:cNvPicPr>
+          <p:nvPr/>
+        </p:nvPicPr>
+        <p:blipFill>
+          <a:blip r:embed="rId7"/>
+          <a:stretch>
+            <a:fillRect/>
+          </a:stretch>
+        </p:blipFill>
+        <p:spPr>
+          <a:xfrm>
+            <a:off x="4656217" y="3612085"/>
+            <a:ext cx="3672016" cy="472029"/>
+          </a:xfrm>
+          <a:prstGeom prst="rect">
+            <a:avLst/>
+          </a:prstGeom>
+        </p:spPr>
+      </p:pic>
+      <p:pic>
+        <p:nvPicPr>
+          <p:cNvPr id="19" name="그림 18">
+            <a:extLst>
+              <a:ext uri="{FF2B5EF4-FFF2-40B4-BE49-F238E27FC236}">
+                <a16:creationId xmlns:a16="http://schemas.microsoft.com/office/drawing/2014/main" id="{02A4981B-724E-478F-B95F-8042DD20F89F}"/>
+              </a:ext>
+            </a:extLst>
+          </p:cNvPr>
+          <p:cNvPicPr>
+            <a:picLocks noChangeAspect="1"/>
+          </p:cNvPicPr>
+          <p:nvPr/>
+        </p:nvPicPr>
+        <p:blipFill>
+          <a:blip r:embed="rId8"/>
+          <a:stretch>
+            <a:fillRect/>
+          </a:stretch>
+        </p:blipFill>
+        <p:spPr>
+          <a:xfrm>
+            <a:off x="4656217" y="4262320"/>
+            <a:ext cx="3816424" cy="473110"/>
+          </a:xfrm>
+          <a:prstGeom prst="rect">
+            <a:avLst/>
+          </a:prstGeom>
+        </p:spPr>
+      </p:pic>
+      <p:pic>
+        <p:nvPicPr>
+          <p:cNvPr id="21" name="그림 20">
+            <a:extLst>
+              <a:ext uri="{FF2B5EF4-FFF2-40B4-BE49-F238E27FC236}">
+                <a16:creationId xmlns:a16="http://schemas.microsoft.com/office/drawing/2014/main" id="{8970690A-896C-43A0-866C-30A2557C18ED}"/>
+              </a:ext>
+            </a:extLst>
+          </p:cNvPr>
+          <p:cNvPicPr>
+            <a:picLocks noChangeAspect="1"/>
+          </p:cNvPicPr>
+          <p:nvPr/>
+        </p:nvPicPr>
+        <p:blipFill>
+          <a:blip r:embed="rId9"/>
+          <a:stretch>
+            <a:fillRect/>
+          </a:stretch>
+        </p:blipFill>
+        <p:spPr>
+          <a:xfrm>
+            <a:off x="4656217" y="5065896"/>
+            <a:ext cx="3866728" cy="470622"/>
+          </a:xfrm>
+          <a:prstGeom prst="rect">
+            <a:avLst/>
+          </a:prstGeom>
+        </p:spPr>
+      </p:pic>
+    </p:spTree>
+    <p:extLst>
+      <p:ext uri="{BB962C8B-B14F-4D97-AF65-F5344CB8AC3E}">
+        <p14:creationId xmlns:p14="http://schemas.microsoft.com/office/powerpoint/2010/main" val="40296663"/>
+      </p:ext>
+    </p:extLst>
+  </p:cSld>
+  <p:clrMapOvr>
+    <a:masterClrMapping/>
+  </p:clrMapOvr>
+  <p:transition>
+    <p:fade/>
+  </p:transition>
+</p:sld>
+</file>
+
+<file path=ppt/slides/slide12.xml><?xml version="1.0" encoding="utf-8"?>
+<p:sld xmlns:a="http://schemas.openxmlformats.org/drawingml/2006/main" xmlns:r="http://schemas.openxmlformats.org/officeDocument/2006/relationships" xmlns:p="http://schemas.openxmlformats.org/presentationml/2006/main">
+  <p:cSld>
+    <p:spTree>
+      <p:nvGrpSpPr>
+        <p:cNvPr id="1" name=""/>
+        <p:cNvGrpSpPr/>
+        <p:nvPr/>
+      </p:nvGrpSpPr>
+      <p:grpSpPr>
+        <a:xfrm>
+          <a:off x="0" y="0"/>
+          <a:ext cx="0" cy="0"/>
+          <a:chOff x="0" y="0"/>
+          <a:chExt cx="0" cy="0"/>
+        </a:xfrm>
+      </p:grpSpPr>
+      <p:sp>
+        <p:nvSpPr>
+          <p:cNvPr id="9" name="TextBox 8"/>
+          <p:cNvSpPr txBox="1"/>
+          <p:nvPr/>
+        </p:nvSpPr>
+        <p:spPr>
+          <a:xfrm>
+            <a:off x="357158" y="867191"/>
+            <a:ext cx="8429684" cy="574966"/>
+          </a:xfrm>
+          <a:prstGeom prst="rect">
+            <a:avLst/>
+          </a:prstGeom>
+          <a:noFill/>
+        </p:spPr>
+        <p:txBody>
+          <a:bodyPr wrap="square" rtlCol="0">
+            <a:spAutoFit/>
+          </a:bodyPr>
+          <a:lstStyle/>
+          <a:p>
+            <a:pPr>
+              <a:lnSpc>
+                <a:spcPct val="150000"/>
+              </a:lnSpc>
+              <a:buFont typeface="Wingdings" pitchFamily="2" charset="2"/>
+              <a:buChar char="§"/>
+            </a:pPr>
+            <a:r>
+              <a:rPr lang="en-US" altLang="ko-KR" sz="2400" b="1" dirty="0">
+                <a:latin typeface="+mj-ea"/>
+                <a:ea typeface="+mj-ea"/>
+              </a:rPr>
+              <a:t> </a:t>
+            </a:r>
+            <a:r>
+              <a:rPr lang="ko-KR" altLang="en-US" sz="2400" b="1" dirty="0">
+                <a:latin typeface="+mj-ea"/>
+                <a:ea typeface="+mj-ea"/>
+              </a:rPr>
+              <a:t>실험결과</a:t>
+            </a:r>
+            <a:endParaRPr lang="en-US" altLang="ko-KR" sz="2400" b="1" dirty="0">
+              <a:latin typeface="+mj-ea"/>
+              <a:ea typeface="+mj-ea"/>
+            </a:endParaRPr>
+          </a:p>
+        </p:txBody>
+      </p:sp>
+      <p:sp>
+        <p:nvSpPr>
+          <p:cNvPr id="1026" name="Rectangle 2"/>
+          <p:cNvSpPr>
+            <a:spLocks noChangeArrowheads="1"/>
+          </p:cNvSpPr>
+          <p:nvPr/>
+        </p:nvSpPr>
+        <p:spPr bwMode="auto">
+          <a:xfrm>
+            <a:off x="0" y="43934"/>
+            <a:ext cx="184731" cy="369332"/>
+          </a:xfrm>
+          <a:prstGeom prst="rect">
+            <a:avLst/>
+          </a:prstGeom>
+          <a:noFill/>
+          <a:ln w="9525">
+            <a:noFill/>
+            <a:miter lim="800000"/>
+            <a:headEnd/>
+            <a:tailEnd/>
+          </a:ln>
+          <a:effectLst/>
+        </p:spPr>
+        <p:txBody>
+          <a:bodyPr vert="horz" wrap="none" lIns="91440" tIns="45720" rIns="91440" bIns="45720" numCol="1" anchor="ctr" anchorCtr="0" compatLnSpc="1">
+            <a:prstTxWarp prst="textNoShape">
+              <a:avLst/>
+            </a:prstTxWarp>
+            <a:spAutoFit/>
+          </a:bodyPr>
+          <a:lstStyle/>
+          <a:p>
+            <a:endParaRPr lang="ko-KR" altLang="en-US">
+              <a:latin typeface="+mj-ea"/>
+              <a:ea typeface="+mj-ea"/>
+            </a:endParaRPr>
+          </a:p>
+        </p:txBody>
+      </p:sp>
+      <p:sp>
+        <p:nvSpPr>
+          <p:cNvPr id="6" name="슬라이드 번호 개체 틀 2">
+            <a:extLst>
+              <a:ext uri="{FF2B5EF4-FFF2-40B4-BE49-F238E27FC236}">
+                <a16:creationId xmlns:a16="http://schemas.microsoft.com/office/drawing/2014/main" id="{273CF472-7DAD-47FE-9571-09EA0EFB61E1}"/>
+              </a:ext>
+            </a:extLst>
+          </p:cNvPr>
+          <p:cNvSpPr>
+            <a:spLocks noGrp="1"/>
+          </p:cNvSpPr>
+          <p:nvPr>
+            <p:ph type="sldNum" sz="quarter" idx="12"/>
+          </p:nvPr>
+        </p:nvSpPr>
+        <p:spPr>
+          <a:xfrm>
+            <a:off x="6553200" y="6448251"/>
+            <a:ext cx="2133600" cy="365125"/>
+          </a:xfrm>
+        </p:spPr>
+        <p:txBody>
+          <a:bodyPr/>
+          <a:lstStyle/>
+          <a:p>
+            <a:fld id="{0CDDD91B-D59A-43E0-9831-FA9EFD7B6536}" type="slidenum">
+              <a:rPr lang="ko-KR" altLang="en-US" smtClean="0"/>
+              <a:pPr/>
+              <a:t>12</a:t>
             </a:fld>
             <a:endParaRPr lang="ko-KR" altLang="en-US" dirty="0"/>
           </a:p>
@@ -5730,6 +7275,3903 @@
 </p:sld>
 </file>
 
+<file path=ppt/slides/slide13.xml><?xml version="1.0" encoding="utf-8"?>
+<p:sld xmlns:a="http://schemas.openxmlformats.org/drawingml/2006/main" xmlns:r="http://schemas.openxmlformats.org/officeDocument/2006/relationships" xmlns:p="http://schemas.openxmlformats.org/presentationml/2006/main">
+  <p:cSld>
+    <p:spTree>
+      <p:nvGrpSpPr>
+        <p:cNvPr id="1" name=""/>
+        <p:cNvGrpSpPr/>
+        <p:nvPr/>
+      </p:nvGrpSpPr>
+      <p:grpSpPr>
+        <a:xfrm>
+          <a:off x="0" y="0"/>
+          <a:ext cx="0" cy="0"/>
+          <a:chOff x="0" y="0"/>
+          <a:chExt cx="0" cy="0"/>
+        </a:xfrm>
+      </p:grpSpPr>
+      <p:sp>
+        <p:nvSpPr>
+          <p:cNvPr id="9" name="TextBox 8"/>
+          <p:cNvSpPr txBox="1"/>
+          <p:nvPr/>
+        </p:nvSpPr>
+        <p:spPr>
+          <a:xfrm>
+            <a:off x="357158" y="867191"/>
+            <a:ext cx="8429684" cy="574966"/>
+          </a:xfrm>
+          <a:prstGeom prst="rect">
+            <a:avLst/>
+          </a:prstGeom>
+          <a:noFill/>
+        </p:spPr>
+        <p:txBody>
+          <a:bodyPr wrap="square" rtlCol="0">
+            <a:spAutoFit/>
+          </a:bodyPr>
+          <a:lstStyle/>
+          <a:p>
+            <a:pPr>
+              <a:lnSpc>
+                <a:spcPct val="150000"/>
+              </a:lnSpc>
+              <a:buFont typeface="Wingdings" pitchFamily="2" charset="2"/>
+              <a:buChar char="§"/>
+            </a:pPr>
+            <a:r>
+              <a:rPr lang="en-US" altLang="ko-KR" sz="2400" b="1" dirty="0">
+                <a:latin typeface="+mj-ea"/>
+                <a:ea typeface="+mj-ea"/>
+              </a:rPr>
+              <a:t> ROC</a:t>
+            </a:r>
+            <a:r>
+              <a:rPr lang="ko-KR" altLang="en-US" sz="2400" b="1" dirty="0">
+                <a:latin typeface="+mj-ea"/>
+                <a:ea typeface="+mj-ea"/>
+              </a:rPr>
+              <a:t>곡선</a:t>
+            </a:r>
+            <a:endParaRPr lang="en-US" altLang="ko-KR" sz="2400" b="1" dirty="0">
+              <a:latin typeface="+mj-ea"/>
+              <a:ea typeface="+mj-ea"/>
+            </a:endParaRPr>
+          </a:p>
+        </p:txBody>
+      </p:sp>
+      <p:sp>
+        <p:nvSpPr>
+          <p:cNvPr id="1026" name="Rectangle 2"/>
+          <p:cNvSpPr>
+            <a:spLocks noChangeArrowheads="1"/>
+          </p:cNvSpPr>
+          <p:nvPr/>
+        </p:nvSpPr>
+        <p:spPr bwMode="auto">
+          <a:xfrm>
+            <a:off x="0" y="43934"/>
+            <a:ext cx="184731" cy="369332"/>
+          </a:xfrm>
+          <a:prstGeom prst="rect">
+            <a:avLst/>
+          </a:prstGeom>
+          <a:noFill/>
+          <a:ln w="9525">
+            <a:noFill/>
+            <a:miter lim="800000"/>
+            <a:headEnd/>
+            <a:tailEnd/>
+          </a:ln>
+          <a:effectLst/>
+        </p:spPr>
+        <p:txBody>
+          <a:bodyPr vert="horz" wrap="none" lIns="91440" tIns="45720" rIns="91440" bIns="45720" numCol="1" anchor="ctr" anchorCtr="0" compatLnSpc="1">
+            <a:prstTxWarp prst="textNoShape">
+              <a:avLst/>
+            </a:prstTxWarp>
+            <a:spAutoFit/>
+          </a:bodyPr>
+          <a:lstStyle/>
+          <a:p>
+            <a:endParaRPr lang="ko-KR" altLang="en-US">
+              <a:latin typeface="+mj-ea"/>
+              <a:ea typeface="+mj-ea"/>
+            </a:endParaRPr>
+          </a:p>
+        </p:txBody>
+      </p:sp>
+      <p:sp>
+        <p:nvSpPr>
+          <p:cNvPr id="6" name="슬라이드 번호 개체 틀 2">
+            <a:extLst>
+              <a:ext uri="{FF2B5EF4-FFF2-40B4-BE49-F238E27FC236}">
+                <a16:creationId xmlns:a16="http://schemas.microsoft.com/office/drawing/2014/main" id="{273CF472-7DAD-47FE-9571-09EA0EFB61E1}"/>
+              </a:ext>
+            </a:extLst>
+          </p:cNvPr>
+          <p:cNvSpPr>
+            <a:spLocks noGrp="1"/>
+          </p:cNvSpPr>
+          <p:nvPr>
+            <p:ph type="sldNum" sz="quarter" idx="12"/>
+          </p:nvPr>
+        </p:nvSpPr>
+        <p:spPr>
+          <a:xfrm>
+            <a:off x="6553200" y="6448251"/>
+            <a:ext cx="2133600" cy="365125"/>
+          </a:xfrm>
+        </p:spPr>
+        <p:txBody>
+          <a:bodyPr/>
+          <a:lstStyle/>
+          <a:p>
+            <a:fld id="{0CDDD91B-D59A-43E0-9831-FA9EFD7B6536}" type="slidenum">
+              <a:rPr lang="ko-KR" altLang="en-US" smtClean="0"/>
+              <a:pPr/>
+              <a:t>13</a:t>
+            </a:fld>
+            <a:endParaRPr lang="ko-KR" altLang="en-US" dirty="0"/>
+          </a:p>
+        </p:txBody>
+      </p:sp>
+      <p:sp>
+        <p:nvSpPr>
+          <p:cNvPr id="11" name="Text Box 13">
+            <a:extLst>
+              <a:ext uri="{FF2B5EF4-FFF2-40B4-BE49-F238E27FC236}">
+                <a16:creationId xmlns:a16="http://schemas.microsoft.com/office/drawing/2014/main" id="{4C50B7D8-02C2-482D-A8BE-8EBED0CE98D0}"/>
+              </a:ext>
+            </a:extLst>
+          </p:cNvPr>
+          <p:cNvSpPr txBox="1">
+            <a:spLocks noChangeArrowheads="1"/>
+          </p:cNvSpPr>
+          <p:nvPr/>
+        </p:nvSpPr>
+        <p:spPr bwMode="auto">
+          <a:xfrm>
+            <a:off x="330200" y="92075"/>
+            <a:ext cx="7289800" cy="646331"/>
+          </a:xfrm>
+          <a:prstGeom prst="rect">
+            <a:avLst/>
+          </a:prstGeom>
+          <a:noFill/>
+          <a:ln w="9525">
+            <a:noFill/>
+            <a:miter lim="800000"/>
+            <a:headEnd/>
+            <a:tailEnd/>
+          </a:ln>
+        </p:spPr>
+        <p:txBody>
+          <a:bodyPr>
+            <a:spAutoFit/>
+          </a:bodyPr>
+          <a:lstStyle/>
+          <a:p>
+            <a:pPr eaLnBrk="0" fontAlgn="t" latinLnBrk="0" hangingPunct="0">
+              <a:spcBef>
+                <a:spcPct val="50000"/>
+              </a:spcBef>
+              <a:defRPr/>
+            </a:pPr>
+            <a:r>
+              <a:rPr lang="en-US" altLang="ko-KR" sz="3600" b="1" dirty="0">
+                <a:solidFill>
+                  <a:schemeClr val="bg1"/>
+                </a:solidFill>
+                <a:latin typeface="+mj-ea"/>
+              </a:rPr>
+              <a:t>ROC</a:t>
+            </a:r>
+            <a:r>
+              <a:rPr lang="ko-KR" altLang="en-US" sz="3600" b="1" dirty="0">
+                <a:solidFill>
+                  <a:schemeClr val="bg1"/>
+                </a:solidFill>
+                <a:latin typeface="+mj-ea"/>
+              </a:rPr>
+              <a:t>곡선 실험</a:t>
+            </a:r>
+          </a:p>
+        </p:txBody>
+      </p:sp>
+      <p:sp>
+        <p:nvSpPr>
+          <p:cNvPr id="2" name="직사각형 1">
+            <a:extLst>
+              <a:ext uri="{FF2B5EF4-FFF2-40B4-BE49-F238E27FC236}">
+                <a16:creationId xmlns:a16="http://schemas.microsoft.com/office/drawing/2014/main" id="{292BDCC0-31B2-4D56-A627-F5A1F7990CE7}"/>
+              </a:ext>
+            </a:extLst>
+          </p:cNvPr>
+          <p:cNvSpPr/>
+          <p:nvPr/>
+        </p:nvSpPr>
+        <p:spPr>
+          <a:xfrm>
+            <a:off x="827584" y="1563600"/>
+            <a:ext cx="7499865" cy="1862154"/>
+          </a:xfrm>
+          <a:prstGeom prst="rect">
+            <a:avLst/>
+          </a:prstGeom>
+          <a:solidFill>
+            <a:schemeClr val="bg1">
+              <a:lumMod val="85000"/>
+            </a:schemeClr>
+          </a:solidFill>
+          <a:ln>
+            <a:solidFill>
+              <a:schemeClr val="bg1">
+                <a:lumMod val="85000"/>
+              </a:schemeClr>
+            </a:solidFill>
+          </a:ln>
+        </p:spPr>
+        <p:style>
+          <a:lnRef idx="2">
+            <a:schemeClr val="accent1">
+              <a:shade val="50000"/>
+            </a:schemeClr>
+          </a:lnRef>
+          <a:fillRef idx="1">
+            <a:schemeClr val="accent1"/>
+          </a:fillRef>
+          <a:effectRef idx="0">
+            <a:schemeClr val="accent1"/>
+          </a:effectRef>
+          <a:fontRef idx="minor">
+            <a:schemeClr val="lt1"/>
+          </a:fontRef>
+        </p:style>
+        <p:txBody>
+          <a:bodyPr rtlCol="0" anchor="ctr"/>
+          <a:lstStyle/>
+          <a:p>
+            <a:pPr algn="ctr"/>
+            <a:endParaRPr lang="ko-KR" altLang="en-US"/>
+          </a:p>
+        </p:txBody>
+      </p:sp>
+      <p:sp>
+        <p:nvSpPr>
+          <p:cNvPr id="14" name="TextBox 13">
+            <a:extLst>
+              <a:ext uri="{FF2B5EF4-FFF2-40B4-BE49-F238E27FC236}">
+                <a16:creationId xmlns:a16="http://schemas.microsoft.com/office/drawing/2014/main" id="{732CFE51-7778-4965-AB44-54630EF29B1E}"/>
+              </a:ext>
+            </a:extLst>
+          </p:cNvPr>
+          <p:cNvSpPr txBox="1"/>
+          <p:nvPr/>
+        </p:nvSpPr>
+        <p:spPr>
+          <a:xfrm>
+            <a:off x="816551" y="1556792"/>
+            <a:ext cx="7510898" cy="1754326"/>
+          </a:xfrm>
+          <a:prstGeom prst="rect">
+            <a:avLst/>
+          </a:prstGeom>
+          <a:noFill/>
+        </p:spPr>
+        <p:txBody>
+          <a:bodyPr wrap="square" rtlCol="0">
+            <a:spAutoFit/>
+          </a:bodyPr>
+          <a:lstStyle/>
+          <a:p>
+            <a:pPr marL="285750" indent="-285750">
+              <a:buFont typeface="Wingdings" panose="05000000000000000000" pitchFamily="2" charset="2"/>
+              <a:buChar char="§"/>
+            </a:pPr>
+            <a:r>
+              <a:rPr lang="en-US" altLang="ko-KR" dirty="0"/>
+              <a:t>ROC </a:t>
+            </a:r>
+            <a:r>
+              <a:rPr lang="ko-KR" altLang="en-US" dirty="0"/>
+              <a:t>곡선은 이진 분류에 대한 성능 평가 기법</a:t>
+            </a:r>
+            <a:endParaRPr lang="en-US" altLang="ko-KR" dirty="0"/>
+          </a:p>
+          <a:p>
+            <a:pPr marL="285750" indent="-285750">
+              <a:buFont typeface="Wingdings" panose="05000000000000000000" pitchFamily="2" charset="2"/>
+              <a:buChar char="§"/>
+            </a:pPr>
+            <a:r>
+              <a:rPr lang="ko-KR" altLang="en-US" dirty="0"/>
+              <a:t>따라서 사용자</a:t>
+            </a:r>
+            <a:r>
+              <a:rPr lang="en-US" altLang="ko-KR" dirty="0"/>
+              <a:t>1, </a:t>
+            </a:r>
+            <a:r>
+              <a:rPr lang="ko-KR" altLang="en-US" dirty="0"/>
+              <a:t>사용자</a:t>
+            </a:r>
+            <a:r>
+              <a:rPr lang="en-US" altLang="ko-KR" dirty="0"/>
+              <a:t>2, </a:t>
+            </a:r>
+            <a:r>
+              <a:rPr lang="ko-KR" altLang="en-US" dirty="0" err="1"/>
+              <a:t>잡파</a:t>
+            </a:r>
+            <a:r>
+              <a:rPr lang="en-US" altLang="ko-KR" dirty="0"/>
+              <a:t>, </a:t>
+            </a:r>
+            <a:r>
+              <a:rPr lang="ko-KR" altLang="en-US" dirty="0"/>
+              <a:t>총 </a:t>
+            </a:r>
+            <a:r>
+              <a:rPr lang="en-US" altLang="ko-KR" dirty="0"/>
+              <a:t>3</a:t>
+            </a:r>
+            <a:r>
+              <a:rPr lang="ko-KR" altLang="en-US" dirty="0"/>
+              <a:t>개의 경우로 분류하는 안전도 필터링 모델에 적용하지 못함</a:t>
+            </a:r>
+            <a:endParaRPr lang="en-US" altLang="ko-KR" dirty="0"/>
+          </a:p>
+          <a:p>
+            <a:pPr marL="285750" indent="-285750">
+              <a:buFont typeface="Wingdings" panose="05000000000000000000" pitchFamily="2" charset="2"/>
+              <a:buChar char="§"/>
+            </a:pPr>
+            <a:r>
+              <a:rPr lang="ko-KR" altLang="en-US" dirty="0"/>
+              <a:t>따라서</a:t>
+            </a:r>
+            <a:r>
+              <a:rPr lang="en-US" altLang="ko-KR" dirty="0"/>
+              <a:t>, ROC</a:t>
+            </a:r>
+            <a:r>
+              <a:rPr lang="ko-KR" altLang="en-US" dirty="0"/>
+              <a:t>모델은 사용자</a:t>
+            </a:r>
+            <a:r>
+              <a:rPr lang="en-US" altLang="ko-KR" dirty="0"/>
+              <a:t>1</a:t>
+            </a:r>
+            <a:r>
+              <a:rPr lang="ko-KR" altLang="en-US" dirty="0"/>
+              <a:t>과 사용자</a:t>
+            </a:r>
+            <a:r>
+              <a:rPr lang="en-US" altLang="ko-KR" dirty="0"/>
+              <a:t>2</a:t>
+            </a:r>
+            <a:r>
+              <a:rPr lang="ko-KR" altLang="en-US" dirty="0"/>
+              <a:t>를 묶어 눈 깜빡임 데이터</a:t>
+            </a:r>
+            <a:r>
+              <a:rPr lang="en-US" altLang="ko-KR" dirty="0"/>
+              <a:t>, </a:t>
+            </a:r>
+            <a:r>
+              <a:rPr lang="ko-KR" altLang="en-US" dirty="0"/>
+              <a:t>그리고 </a:t>
+            </a:r>
+            <a:r>
+              <a:rPr lang="ko-KR" altLang="en-US" dirty="0" err="1"/>
+              <a:t>잡파</a:t>
+            </a:r>
+            <a:endParaRPr lang="en-US" altLang="ko-KR" dirty="0"/>
+          </a:p>
+          <a:p>
+            <a:pPr marL="285750" indent="-285750">
+              <a:buFont typeface="Wingdings" panose="05000000000000000000" pitchFamily="2" charset="2"/>
+              <a:buChar char="§"/>
+            </a:pPr>
+            <a:r>
+              <a:rPr lang="ko-KR" altLang="en-US" dirty="0"/>
+              <a:t>즉</a:t>
+            </a:r>
+            <a:r>
+              <a:rPr lang="en-US" altLang="ko-KR" dirty="0"/>
+              <a:t>, </a:t>
+            </a:r>
+            <a:r>
+              <a:rPr lang="ko-KR" altLang="en-US" dirty="0"/>
+              <a:t>눈 깜빡임과 </a:t>
+            </a:r>
+            <a:r>
+              <a:rPr lang="ko-KR" altLang="en-US" dirty="0" err="1"/>
+              <a:t>잡파를</a:t>
+            </a:r>
+            <a:r>
+              <a:rPr lang="ko-KR" altLang="en-US" dirty="0"/>
+              <a:t> 분류하는 이진 분류 성능을 평가</a:t>
+            </a:r>
+            <a:endParaRPr lang="en-US" altLang="ko-KR" dirty="0"/>
+          </a:p>
+        </p:txBody>
+      </p:sp>
+      <p:pic>
+        <p:nvPicPr>
+          <p:cNvPr id="12" name="그림 11">
+            <a:extLst>
+              <a:ext uri="{FF2B5EF4-FFF2-40B4-BE49-F238E27FC236}">
+                <a16:creationId xmlns:a16="http://schemas.microsoft.com/office/drawing/2014/main" id="{79EC74C3-3965-4C9A-B128-3EE33BDBE36A}"/>
+              </a:ext>
+            </a:extLst>
+          </p:cNvPr>
+          <p:cNvPicPr>
+            <a:picLocks noChangeAspect="1"/>
+          </p:cNvPicPr>
+          <p:nvPr/>
+        </p:nvPicPr>
+        <p:blipFill>
+          <a:blip r:embed="rId3"/>
+          <a:stretch>
+            <a:fillRect/>
+          </a:stretch>
+        </p:blipFill>
+        <p:spPr>
+          <a:xfrm>
+            <a:off x="2046982" y="4186917"/>
+            <a:ext cx="977826" cy="1655785"/>
+          </a:xfrm>
+          <a:prstGeom prst="rect">
+            <a:avLst/>
+          </a:prstGeom>
+        </p:spPr>
+      </p:pic>
+      <p:sp>
+        <p:nvSpPr>
+          <p:cNvPr id="13" name="TextBox 12">
+            <a:extLst>
+              <a:ext uri="{FF2B5EF4-FFF2-40B4-BE49-F238E27FC236}">
+                <a16:creationId xmlns:a16="http://schemas.microsoft.com/office/drawing/2014/main" id="{4B2080FA-292F-41A9-8478-FCA28A70A80E}"/>
+              </a:ext>
+            </a:extLst>
+          </p:cNvPr>
+          <p:cNvSpPr txBox="1"/>
+          <p:nvPr/>
+        </p:nvSpPr>
+        <p:spPr>
+          <a:xfrm>
+            <a:off x="1979712" y="3801425"/>
+            <a:ext cx="1080120" cy="307777"/>
+          </a:xfrm>
+          <a:prstGeom prst="rect">
+            <a:avLst/>
+          </a:prstGeom>
+          <a:noFill/>
+        </p:spPr>
+        <p:txBody>
+          <a:bodyPr wrap="square" rtlCol="0">
+            <a:spAutoFit/>
+          </a:bodyPr>
+          <a:lstStyle/>
+          <a:p>
+            <a:pPr algn="ctr"/>
+            <a:r>
+              <a:rPr lang="en-US" altLang="ko-KR" sz="1400" b="1" dirty="0"/>
+              <a:t>label</a:t>
+            </a:r>
+            <a:endParaRPr lang="ko-KR" altLang="en-US" sz="1400" b="1" dirty="0"/>
+          </a:p>
+        </p:txBody>
+      </p:sp>
+      <p:cxnSp>
+        <p:nvCxnSpPr>
+          <p:cNvPr id="15" name="직선 화살표 연결선 14">
+            <a:extLst>
+              <a:ext uri="{FF2B5EF4-FFF2-40B4-BE49-F238E27FC236}">
+                <a16:creationId xmlns:a16="http://schemas.microsoft.com/office/drawing/2014/main" id="{467C17C6-B7D4-4E5C-BEBB-7E44B617A31E}"/>
+              </a:ext>
+            </a:extLst>
+          </p:cNvPr>
+          <p:cNvCxnSpPr>
+            <a:cxnSpLocks/>
+            <a:endCxn id="16" idx="1"/>
+          </p:cNvCxnSpPr>
+          <p:nvPr/>
+        </p:nvCxnSpPr>
+        <p:spPr>
+          <a:xfrm flipV="1">
+            <a:off x="2969584" y="3790554"/>
+            <a:ext cx="1242376" cy="477572"/>
+          </a:xfrm>
+          <a:prstGeom prst="straightConnector1">
+            <a:avLst/>
+          </a:prstGeom>
+          <a:ln>
+            <a:solidFill>
+              <a:srgbClr val="FF0066"/>
+            </a:solidFill>
+            <a:tailEnd type="triangle"/>
+          </a:ln>
+        </p:spPr>
+        <p:style>
+          <a:lnRef idx="1">
+            <a:schemeClr val="accent1"/>
+          </a:lnRef>
+          <a:fillRef idx="0">
+            <a:schemeClr val="accent1"/>
+          </a:fillRef>
+          <a:effectRef idx="0">
+            <a:schemeClr val="accent1"/>
+          </a:effectRef>
+          <a:fontRef idx="minor">
+            <a:schemeClr val="tx1"/>
+          </a:fontRef>
+        </p:style>
+      </p:cxnSp>
+      <p:sp>
+        <p:nvSpPr>
+          <p:cNvPr id="16" name="TextBox 15">
+            <a:extLst>
+              <a:ext uri="{FF2B5EF4-FFF2-40B4-BE49-F238E27FC236}">
+                <a16:creationId xmlns:a16="http://schemas.microsoft.com/office/drawing/2014/main" id="{8DB830B1-5E3E-482E-BF30-34DBB849AAD7}"/>
+              </a:ext>
+            </a:extLst>
+          </p:cNvPr>
+          <p:cNvSpPr txBox="1"/>
+          <p:nvPr/>
+        </p:nvSpPr>
+        <p:spPr>
+          <a:xfrm>
+            <a:off x="4211960" y="3652054"/>
+            <a:ext cx="1080120" cy="276999"/>
+          </a:xfrm>
+          <a:prstGeom prst="rect">
+            <a:avLst/>
+          </a:prstGeom>
+          <a:noFill/>
+        </p:spPr>
+        <p:txBody>
+          <a:bodyPr wrap="square" rtlCol="0">
+            <a:spAutoFit/>
+          </a:bodyPr>
+          <a:lstStyle/>
+          <a:p>
+            <a:pPr algn="ctr"/>
+            <a:r>
+              <a:rPr lang="ko-KR" altLang="en-US" sz="1200" b="1" dirty="0">
+                <a:solidFill>
+                  <a:srgbClr val="FF0000"/>
+                </a:solidFill>
+              </a:rPr>
+              <a:t>사용자</a:t>
+            </a:r>
+            <a:r>
+              <a:rPr lang="en-US" altLang="ko-KR" sz="1200" b="1" dirty="0">
+                <a:solidFill>
+                  <a:srgbClr val="FF0000"/>
+                </a:solidFill>
+              </a:rPr>
+              <a:t>1</a:t>
+            </a:r>
+            <a:endParaRPr lang="ko-KR" altLang="en-US" sz="1200" b="1" dirty="0">
+              <a:solidFill>
+                <a:srgbClr val="FF0000"/>
+              </a:solidFill>
+            </a:endParaRPr>
+          </a:p>
+        </p:txBody>
+      </p:sp>
+      <p:cxnSp>
+        <p:nvCxnSpPr>
+          <p:cNvPr id="17" name="직선 화살표 연결선 16">
+            <a:extLst>
+              <a:ext uri="{FF2B5EF4-FFF2-40B4-BE49-F238E27FC236}">
+                <a16:creationId xmlns:a16="http://schemas.microsoft.com/office/drawing/2014/main" id="{5E49A961-14F3-4CC6-B087-0C396034BD20}"/>
+              </a:ext>
+            </a:extLst>
+          </p:cNvPr>
+          <p:cNvCxnSpPr>
+            <a:cxnSpLocks/>
+            <a:endCxn id="18" idx="1"/>
+          </p:cNvCxnSpPr>
+          <p:nvPr/>
+        </p:nvCxnSpPr>
+        <p:spPr>
+          <a:xfrm flipV="1">
+            <a:off x="2969584" y="4100633"/>
+            <a:ext cx="1242376" cy="384968"/>
+          </a:xfrm>
+          <a:prstGeom prst="straightConnector1">
+            <a:avLst/>
+          </a:prstGeom>
+          <a:ln>
+            <a:solidFill>
+              <a:srgbClr val="FF0066"/>
+            </a:solidFill>
+            <a:tailEnd type="triangle"/>
+          </a:ln>
+        </p:spPr>
+        <p:style>
+          <a:lnRef idx="1">
+            <a:schemeClr val="accent1"/>
+          </a:lnRef>
+          <a:fillRef idx="0">
+            <a:schemeClr val="accent1"/>
+          </a:fillRef>
+          <a:effectRef idx="0">
+            <a:schemeClr val="accent1"/>
+          </a:effectRef>
+          <a:fontRef idx="minor">
+            <a:schemeClr val="tx1"/>
+          </a:fontRef>
+        </p:style>
+      </p:cxnSp>
+      <p:sp>
+        <p:nvSpPr>
+          <p:cNvPr id="18" name="TextBox 17">
+            <a:extLst>
+              <a:ext uri="{FF2B5EF4-FFF2-40B4-BE49-F238E27FC236}">
+                <a16:creationId xmlns:a16="http://schemas.microsoft.com/office/drawing/2014/main" id="{3C60F682-53BC-4A6D-874C-D9082B971B26}"/>
+              </a:ext>
+            </a:extLst>
+          </p:cNvPr>
+          <p:cNvSpPr txBox="1"/>
+          <p:nvPr/>
+        </p:nvSpPr>
+        <p:spPr>
+          <a:xfrm>
+            <a:off x="4211960" y="3962133"/>
+            <a:ext cx="1080120" cy="276999"/>
+          </a:xfrm>
+          <a:prstGeom prst="rect">
+            <a:avLst/>
+          </a:prstGeom>
+          <a:noFill/>
+        </p:spPr>
+        <p:txBody>
+          <a:bodyPr wrap="square" rtlCol="0">
+            <a:spAutoFit/>
+          </a:bodyPr>
+          <a:lstStyle/>
+          <a:p>
+            <a:pPr algn="ctr"/>
+            <a:r>
+              <a:rPr lang="ko-KR" altLang="en-US" sz="1200" b="1" dirty="0" err="1">
+                <a:solidFill>
+                  <a:srgbClr val="FF0000"/>
+                </a:solidFill>
+              </a:rPr>
+              <a:t>잡파</a:t>
+            </a:r>
+            <a:endParaRPr lang="ko-KR" altLang="en-US" sz="1200" b="1" dirty="0">
+              <a:solidFill>
+                <a:srgbClr val="FF0000"/>
+              </a:solidFill>
+            </a:endParaRPr>
+          </a:p>
+        </p:txBody>
+      </p:sp>
+      <p:sp>
+        <p:nvSpPr>
+          <p:cNvPr id="19" name="TextBox 18">
+            <a:extLst>
+              <a:ext uri="{FF2B5EF4-FFF2-40B4-BE49-F238E27FC236}">
+                <a16:creationId xmlns:a16="http://schemas.microsoft.com/office/drawing/2014/main" id="{5F0D47F6-2277-4D76-8454-80CCF397834B}"/>
+              </a:ext>
+            </a:extLst>
+          </p:cNvPr>
+          <p:cNvSpPr txBox="1"/>
+          <p:nvPr/>
+        </p:nvSpPr>
+        <p:spPr>
+          <a:xfrm>
+            <a:off x="4211960" y="4238364"/>
+            <a:ext cx="1080120" cy="276999"/>
+          </a:xfrm>
+          <a:prstGeom prst="rect">
+            <a:avLst/>
+          </a:prstGeom>
+          <a:noFill/>
+        </p:spPr>
+        <p:txBody>
+          <a:bodyPr wrap="square" rtlCol="0">
+            <a:spAutoFit/>
+          </a:bodyPr>
+          <a:lstStyle/>
+          <a:p>
+            <a:pPr algn="ctr"/>
+            <a:r>
+              <a:rPr lang="ko-KR" altLang="en-US" sz="1200" b="1" dirty="0">
+                <a:solidFill>
+                  <a:srgbClr val="FF0000"/>
+                </a:solidFill>
+              </a:rPr>
+              <a:t>사용자</a:t>
+            </a:r>
+            <a:r>
+              <a:rPr lang="en-US" altLang="ko-KR" sz="1200" b="1" dirty="0">
+                <a:solidFill>
+                  <a:srgbClr val="FF0000"/>
+                </a:solidFill>
+              </a:rPr>
+              <a:t>2</a:t>
+            </a:r>
+            <a:endParaRPr lang="ko-KR" altLang="en-US" sz="1200" b="1" dirty="0">
+              <a:solidFill>
+                <a:srgbClr val="FF0000"/>
+              </a:solidFill>
+            </a:endParaRPr>
+          </a:p>
+        </p:txBody>
+      </p:sp>
+      <p:sp>
+        <p:nvSpPr>
+          <p:cNvPr id="20" name="TextBox 19">
+            <a:extLst>
+              <a:ext uri="{FF2B5EF4-FFF2-40B4-BE49-F238E27FC236}">
+                <a16:creationId xmlns:a16="http://schemas.microsoft.com/office/drawing/2014/main" id="{209B8485-E6D8-4FDF-9341-844507FC93FE}"/>
+              </a:ext>
+            </a:extLst>
+          </p:cNvPr>
+          <p:cNvSpPr txBox="1"/>
+          <p:nvPr/>
+        </p:nvSpPr>
+        <p:spPr>
+          <a:xfrm>
+            <a:off x="4211960" y="5167031"/>
+            <a:ext cx="1080120" cy="276999"/>
+          </a:xfrm>
+          <a:prstGeom prst="rect">
+            <a:avLst/>
+          </a:prstGeom>
+          <a:noFill/>
+        </p:spPr>
+        <p:txBody>
+          <a:bodyPr wrap="square" rtlCol="0">
+            <a:spAutoFit/>
+          </a:bodyPr>
+          <a:lstStyle/>
+          <a:p>
+            <a:pPr algn="ctr"/>
+            <a:r>
+              <a:rPr lang="ko-KR" altLang="en-US" sz="1200" b="1" dirty="0" err="1">
+                <a:solidFill>
+                  <a:srgbClr val="FF0000"/>
+                </a:solidFill>
+              </a:rPr>
+              <a:t>잡파</a:t>
+            </a:r>
+            <a:endParaRPr lang="ko-KR" altLang="en-US" sz="1200" b="1" dirty="0">
+              <a:solidFill>
+                <a:srgbClr val="FF0000"/>
+              </a:solidFill>
+            </a:endParaRPr>
+          </a:p>
+        </p:txBody>
+      </p:sp>
+      <p:sp>
+        <p:nvSpPr>
+          <p:cNvPr id="21" name="TextBox 20">
+            <a:extLst>
+              <a:ext uri="{FF2B5EF4-FFF2-40B4-BE49-F238E27FC236}">
+                <a16:creationId xmlns:a16="http://schemas.microsoft.com/office/drawing/2014/main" id="{524A8900-55BD-4CB6-8441-31EF2DE4A3AA}"/>
+              </a:ext>
+            </a:extLst>
+          </p:cNvPr>
+          <p:cNvSpPr txBox="1"/>
+          <p:nvPr/>
+        </p:nvSpPr>
+        <p:spPr>
+          <a:xfrm>
+            <a:off x="4211960" y="5470003"/>
+            <a:ext cx="1080120" cy="276999"/>
+          </a:xfrm>
+          <a:prstGeom prst="rect">
+            <a:avLst/>
+          </a:prstGeom>
+          <a:noFill/>
+        </p:spPr>
+        <p:txBody>
+          <a:bodyPr wrap="square" rtlCol="0">
+            <a:spAutoFit/>
+          </a:bodyPr>
+          <a:lstStyle/>
+          <a:p>
+            <a:pPr algn="ctr"/>
+            <a:r>
+              <a:rPr lang="ko-KR" altLang="en-US" sz="1200" b="1" dirty="0">
+                <a:solidFill>
+                  <a:srgbClr val="FF0000"/>
+                </a:solidFill>
+              </a:rPr>
+              <a:t>사용자</a:t>
+            </a:r>
+            <a:r>
+              <a:rPr lang="en-US" altLang="ko-KR" sz="1200" b="1" dirty="0">
+                <a:solidFill>
+                  <a:srgbClr val="FF0000"/>
+                </a:solidFill>
+              </a:rPr>
+              <a:t>2</a:t>
+            </a:r>
+            <a:endParaRPr lang="ko-KR" altLang="en-US" sz="1200" b="1" dirty="0">
+              <a:solidFill>
+                <a:srgbClr val="FF0000"/>
+              </a:solidFill>
+            </a:endParaRPr>
+          </a:p>
+        </p:txBody>
+      </p:sp>
+      <p:sp>
+        <p:nvSpPr>
+          <p:cNvPr id="22" name="TextBox 21">
+            <a:extLst>
+              <a:ext uri="{FF2B5EF4-FFF2-40B4-BE49-F238E27FC236}">
+                <a16:creationId xmlns:a16="http://schemas.microsoft.com/office/drawing/2014/main" id="{51C0B9A1-C694-4D91-95EA-B7ACF3D75D7E}"/>
+              </a:ext>
+            </a:extLst>
+          </p:cNvPr>
+          <p:cNvSpPr txBox="1"/>
+          <p:nvPr/>
+        </p:nvSpPr>
+        <p:spPr>
+          <a:xfrm>
+            <a:off x="4211960" y="5772975"/>
+            <a:ext cx="1080120" cy="276999"/>
+          </a:xfrm>
+          <a:prstGeom prst="rect">
+            <a:avLst/>
+          </a:prstGeom>
+          <a:noFill/>
+        </p:spPr>
+        <p:txBody>
+          <a:bodyPr wrap="square" rtlCol="0">
+            <a:spAutoFit/>
+          </a:bodyPr>
+          <a:lstStyle/>
+          <a:p>
+            <a:pPr algn="ctr"/>
+            <a:r>
+              <a:rPr lang="ko-KR" altLang="en-US" sz="1200" b="1" dirty="0">
+                <a:solidFill>
+                  <a:srgbClr val="FF0000"/>
+                </a:solidFill>
+              </a:rPr>
+              <a:t>사용자</a:t>
+            </a:r>
+            <a:r>
+              <a:rPr lang="en-US" altLang="ko-KR" sz="1200" b="1" dirty="0">
+                <a:solidFill>
+                  <a:srgbClr val="FF0000"/>
+                </a:solidFill>
+              </a:rPr>
+              <a:t>2</a:t>
+            </a:r>
+            <a:endParaRPr lang="ko-KR" altLang="en-US" sz="1200" b="1" dirty="0">
+              <a:solidFill>
+                <a:srgbClr val="FF0000"/>
+              </a:solidFill>
+            </a:endParaRPr>
+          </a:p>
+        </p:txBody>
+      </p:sp>
+      <p:cxnSp>
+        <p:nvCxnSpPr>
+          <p:cNvPr id="23" name="직선 화살표 연결선 22">
+            <a:extLst>
+              <a:ext uri="{FF2B5EF4-FFF2-40B4-BE49-F238E27FC236}">
+                <a16:creationId xmlns:a16="http://schemas.microsoft.com/office/drawing/2014/main" id="{3EEB3C6E-6F1C-45BC-95F9-A52C3DB36B48}"/>
+              </a:ext>
+            </a:extLst>
+          </p:cNvPr>
+          <p:cNvCxnSpPr>
+            <a:cxnSpLocks/>
+            <a:endCxn id="19" idx="1"/>
+          </p:cNvCxnSpPr>
+          <p:nvPr/>
+        </p:nvCxnSpPr>
+        <p:spPr>
+          <a:xfrm flipV="1">
+            <a:off x="2969584" y="4376864"/>
+            <a:ext cx="1242376" cy="371002"/>
+          </a:xfrm>
+          <a:prstGeom prst="straightConnector1">
+            <a:avLst/>
+          </a:prstGeom>
+          <a:ln>
+            <a:solidFill>
+              <a:srgbClr val="FF0066"/>
+            </a:solidFill>
+            <a:tailEnd type="triangle"/>
+          </a:ln>
+        </p:spPr>
+        <p:style>
+          <a:lnRef idx="1">
+            <a:schemeClr val="accent1"/>
+          </a:lnRef>
+          <a:fillRef idx="0">
+            <a:schemeClr val="accent1"/>
+          </a:fillRef>
+          <a:effectRef idx="0">
+            <a:schemeClr val="accent1"/>
+          </a:effectRef>
+          <a:fontRef idx="minor">
+            <a:schemeClr val="tx1"/>
+          </a:fontRef>
+        </p:style>
+      </p:cxnSp>
+      <p:cxnSp>
+        <p:nvCxnSpPr>
+          <p:cNvPr id="24" name="직선 화살표 연결선 23">
+            <a:extLst>
+              <a:ext uri="{FF2B5EF4-FFF2-40B4-BE49-F238E27FC236}">
+                <a16:creationId xmlns:a16="http://schemas.microsoft.com/office/drawing/2014/main" id="{8A0DB8E5-6E3F-4E32-9E92-9496040C524D}"/>
+              </a:ext>
+            </a:extLst>
+          </p:cNvPr>
+          <p:cNvCxnSpPr>
+            <a:cxnSpLocks/>
+            <a:endCxn id="20" idx="1"/>
+          </p:cNvCxnSpPr>
+          <p:nvPr/>
+        </p:nvCxnSpPr>
+        <p:spPr>
+          <a:xfrm>
+            <a:off x="3024808" y="5222899"/>
+            <a:ext cx="1187152" cy="82632"/>
+          </a:xfrm>
+          <a:prstGeom prst="straightConnector1">
+            <a:avLst/>
+          </a:prstGeom>
+          <a:ln>
+            <a:solidFill>
+              <a:srgbClr val="FF0066"/>
+            </a:solidFill>
+            <a:tailEnd type="triangle"/>
+          </a:ln>
+        </p:spPr>
+        <p:style>
+          <a:lnRef idx="1">
+            <a:schemeClr val="accent1"/>
+          </a:lnRef>
+          <a:fillRef idx="0">
+            <a:schemeClr val="accent1"/>
+          </a:fillRef>
+          <a:effectRef idx="0">
+            <a:schemeClr val="accent1"/>
+          </a:effectRef>
+          <a:fontRef idx="minor">
+            <a:schemeClr val="tx1"/>
+          </a:fontRef>
+        </p:style>
+      </p:cxnSp>
+      <p:cxnSp>
+        <p:nvCxnSpPr>
+          <p:cNvPr id="25" name="직선 화살표 연결선 24">
+            <a:extLst>
+              <a:ext uri="{FF2B5EF4-FFF2-40B4-BE49-F238E27FC236}">
+                <a16:creationId xmlns:a16="http://schemas.microsoft.com/office/drawing/2014/main" id="{67D4AC9B-726B-453E-B819-BCDF3B6BD53F}"/>
+              </a:ext>
+            </a:extLst>
+          </p:cNvPr>
+          <p:cNvCxnSpPr>
+            <a:cxnSpLocks/>
+            <a:endCxn id="21" idx="1"/>
+          </p:cNvCxnSpPr>
+          <p:nvPr/>
+        </p:nvCxnSpPr>
+        <p:spPr>
+          <a:xfrm>
+            <a:off x="3024808" y="5455401"/>
+            <a:ext cx="1187152" cy="153102"/>
+          </a:xfrm>
+          <a:prstGeom prst="straightConnector1">
+            <a:avLst/>
+          </a:prstGeom>
+          <a:ln>
+            <a:solidFill>
+              <a:srgbClr val="FF0066"/>
+            </a:solidFill>
+            <a:tailEnd type="triangle"/>
+          </a:ln>
+        </p:spPr>
+        <p:style>
+          <a:lnRef idx="1">
+            <a:schemeClr val="accent1"/>
+          </a:lnRef>
+          <a:fillRef idx="0">
+            <a:schemeClr val="accent1"/>
+          </a:fillRef>
+          <a:effectRef idx="0">
+            <a:schemeClr val="accent1"/>
+          </a:effectRef>
+          <a:fontRef idx="minor">
+            <a:schemeClr val="tx1"/>
+          </a:fontRef>
+        </p:style>
+      </p:cxnSp>
+      <p:cxnSp>
+        <p:nvCxnSpPr>
+          <p:cNvPr id="26" name="직선 화살표 연결선 25">
+            <a:extLst>
+              <a:ext uri="{FF2B5EF4-FFF2-40B4-BE49-F238E27FC236}">
+                <a16:creationId xmlns:a16="http://schemas.microsoft.com/office/drawing/2014/main" id="{7F2A9124-2970-410F-94D9-AB02FE5FC6FB}"/>
+              </a:ext>
+            </a:extLst>
+          </p:cNvPr>
+          <p:cNvCxnSpPr>
+            <a:cxnSpLocks/>
+            <a:endCxn id="22" idx="1"/>
+          </p:cNvCxnSpPr>
+          <p:nvPr/>
+        </p:nvCxnSpPr>
+        <p:spPr>
+          <a:xfrm>
+            <a:off x="3024808" y="5662487"/>
+            <a:ext cx="1187152" cy="248988"/>
+          </a:xfrm>
+          <a:prstGeom prst="straightConnector1">
+            <a:avLst/>
+          </a:prstGeom>
+          <a:ln>
+            <a:solidFill>
+              <a:srgbClr val="FF0066"/>
+            </a:solidFill>
+            <a:tailEnd type="triangle"/>
+          </a:ln>
+        </p:spPr>
+        <p:style>
+          <a:lnRef idx="1">
+            <a:schemeClr val="accent1"/>
+          </a:lnRef>
+          <a:fillRef idx="0">
+            <a:schemeClr val="accent1"/>
+          </a:fillRef>
+          <a:effectRef idx="0">
+            <a:schemeClr val="accent1"/>
+          </a:effectRef>
+          <a:fontRef idx="minor">
+            <a:schemeClr val="tx1"/>
+          </a:fontRef>
+        </p:style>
+      </p:cxnSp>
+      <p:cxnSp>
+        <p:nvCxnSpPr>
+          <p:cNvPr id="31" name="직선 화살표 연결선 30">
+            <a:extLst>
+              <a:ext uri="{FF2B5EF4-FFF2-40B4-BE49-F238E27FC236}">
+                <a16:creationId xmlns:a16="http://schemas.microsoft.com/office/drawing/2014/main" id="{12CB61F5-5795-4C5A-8272-D0C08CFCC88F}"/>
+              </a:ext>
+            </a:extLst>
+          </p:cNvPr>
+          <p:cNvCxnSpPr>
+            <a:cxnSpLocks/>
+          </p:cNvCxnSpPr>
+          <p:nvPr/>
+        </p:nvCxnSpPr>
+        <p:spPr>
+          <a:xfrm>
+            <a:off x="5134562" y="3788037"/>
+            <a:ext cx="949606" cy="0"/>
+          </a:xfrm>
+          <a:prstGeom prst="straightConnector1">
+            <a:avLst/>
+          </a:prstGeom>
+          <a:ln>
+            <a:solidFill>
+              <a:srgbClr val="FF0066"/>
+            </a:solidFill>
+            <a:tailEnd type="triangle"/>
+          </a:ln>
+        </p:spPr>
+        <p:style>
+          <a:lnRef idx="1">
+            <a:schemeClr val="accent1"/>
+          </a:lnRef>
+          <a:fillRef idx="0">
+            <a:schemeClr val="accent1"/>
+          </a:fillRef>
+          <a:effectRef idx="0">
+            <a:schemeClr val="accent1"/>
+          </a:effectRef>
+          <a:fontRef idx="minor">
+            <a:schemeClr val="tx1"/>
+          </a:fontRef>
+        </p:style>
+      </p:cxnSp>
+      <p:cxnSp>
+        <p:nvCxnSpPr>
+          <p:cNvPr id="33" name="직선 화살표 연결선 32">
+            <a:extLst>
+              <a:ext uri="{FF2B5EF4-FFF2-40B4-BE49-F238E27FC236}">
+                <a16:creationId xmlns:a16="http://schemas.microsoft.com/office/drawing/2014/main" id="{FC7CB1B7-3F18-4757-ADB1-AD1510B79EF3}"/>
+              </a:ext>
+            </a:extLst>
+          </p:cNvPr>
+          <p:cNvCxnSpPr>
+            <a:cxnSpLocks/>
+          </p:cNvCxnSpPr>
+          <p:nvPr/>
+        </p:nvCxnSpPr>
+        <p:spPr>
+          <a:xfrm>
+            <a:off x="5134562" y="4109202"/>
+            <a:ext cx="949606" cy="0"/>
+          </a:xfrm>
+          <a:prstGeom prst="straightConnector1">
+            <a:avLst/>
+          </a:prstGeom>
+          <a:ln>
+            <a:solidFill>
+              <a:srgbClr val="FF0066"/>
+            </a:solidFill>
+            <a:tailEnd type="triangle"/>
+          </a:ln>
+        </p:spPr>
+        <p:style>
+          <a:lnRef idx="1">
+            <a:schemeClr val="accent1"/>
+          </a:lnRef>
+          <a:fillRef idx="0">
+            <a:schemeClr val="accent1"/>
+          </a:fillRef>
+          <a:effectRef idx="0">
+            <a:schemeClr val="accent1"/>
+          </a:effectRef>
+          <a:fontRef idx="minor">
+            <a:schemeClr val="tx1"/>
+          </a:fontRef>
+        </p:style>
+      </p:cxnSp>
+      <p:cxnSp>
+        <p:nvCxnSpPr>
+          <p:cNvPr id="34" name="직선 화살표 연결선 33">
+            <a:extLst>
+              <a:ext uri="{FF2B5EF4-FFF2-40B4-BE49-F238E27FC236}">
+                <a16:creationId xmlns:a16="http://schemas.microsoft.com/office/drawing/2014/main" id="{628A871C-15F4-441E-94EC-42A8BE59DF99}"/>
+              </a:ext>
+            </a:extLst>
+          </p:cNvPr>
+          <p:cNvCxnSpPr>
+            <a:cxnSpLocks/>
+          </p:cNvCxnSpPr>
+          <p:nvPr/>
+        </p:nvCxnSpPr>
+        <p:spPr>
+          <a:xfrm>
+            <a:off x="5148064" y="4360111"/>
+            <a:ext cx="949606" cy="0"/>
+          </a:xfrm>
+          <a:prstGeom prst="straightConnector1">
+            <a:avLst/>
+          </a:prstGeom>
+          <a:ln>
+            <a:solidFill>
+              <a:srgbClr val="FF0066"/>
+            </a:solidFill>
+            <a:tailEnd type="triangle"/>
+          </a:ln>
+        </p:spPr>
+        <p:style>
+          <a:lnRef idx="1">
+            <a:schemeClr val="accent1"/>
+          </a:lnRef>
+          <a:fillRef idx="0">
+            <a:schemeClr val="accent1"/>
+          </a:fillRef>
+          <a:effectRef idx="0">
+            <a:schemeClr val="accent1"/>
+          </a:effectRef>
+          <a:fontRef idx="minor">
+            <a:schemeClr val="tx1"/>
+          </a:fontRef>
+        </p:style>
+      </p:cxnSp>
+      <p:cxnSp>
+        <p:nvCxnSpPr>
+          <p:cNvPr id="35" name="직선 화살표 연결선 34">
+            <a:extLst>
+              <a:ext uri="{FF2B5EF4-FFF2-40B4-BE49-F238E27FC236}">
+                <a16:creationId xmlns:a16="http://schemas.microsoft.com/office/drawing/2014/main" id="{DD19D53D-C280-4A78-BD4F-2109ED864AEB}"/>
+              </a:ext>
+            </a:extLst>
+          </p:cNvPr>
+          <p:cNvCxnSpPr>
+            <a:cxnSpLocks/>
+          </p:cNvCxnSpPr>
+          <p:nvPr/>
+        </p:nvCxnSpPr>
+        <p:spPr>
+          <a:xfrm>
+            <a:off x="5148064" y="5305530"/>
+            <a:ext cx="949606" cy="0"/>
+          </a:xfrm>
+          <a:prstGeom prst="straightConnector1">
+            <a:avLst/>
+          </a:prstGeom>
+          <a:ln>
+            <a:solidFill>
+              <a:srgbClr val="FF0066"/>
+            </a:solidFill>
+            <a:tailEnd type="triangle"/>
+          </a:ln>
+        </p:spPr>
+        <p:style>
+          <a:lnRef idx="1">
+            <a:schemeClr val="accent1"/>
+          </a:lnRef>
+          <a:fillRef idx="0">
+            <a:schemeClr val="accent1"/>
+          </a:fillRef>
+          <a:effectRef idx="0">
+            <a:schemeClr val="accent1"/>
+          </a:effectRef>
+          <a:fontRef idx="minor">
+            <a:schemeClr val="tx1"/>
+          </a:fontRef>
+        </p:style>
+      </p:cxnSp>
+      <p:cxnSp>
+        <p:nvCxnSpPr>
+          <p:cNvPr id="36" name="직선 화살표 연결선 35">
+            <a:extLst>
+              <a:ext uri="{FF2B5EF4-FFF2-40B4-BE49-F238E27FC236}">
+                <a16:creationId xmlns:a16="http://schemas.microsoft.com/office/drawing/2014/main" id="{8FF5EEE9-DEAC-4DE8-AD4F-D6C5193E1D7E}"/>
+              </a:ext>
+            </a:extLst>
+          </p:cNvPr>
+          <p:cNvCxnSpPr>
+            <a:cxnSpLocks/>
+          </p:cNvCxnSpPr>
+          <p:nvPr/>
+        </p:nvCxnSpPr>
+        <p:spPr>
+          <a:xfrm>
+            <a:off x="5148064" y="5608502"/>
+            <a:ext cx="949606" cy="0"/>
+          </a:xfrm>
+          <a:prstGeom prst="straightConnector1">
+            <a:avLst/>
+          </a:prstGeom>
+          <a:ln>
+            <a:solidFill>
+              <a:srgbClr val="FF0066"/>
+            </a:solidFill>
+            <a:tailEnd type="triangle"/>
+          </a:ln>
+        </p:spPr>
+        <p:style>
+          <a:lnRef idx="1">
+            <a:schemeClr val="accent1"/>
+          </a:lnRef>
+          <a:fillRef idx="0">
+            <a:schemeClr val="accent1"/>
+          </a:fillRef>
+          <a:effectRef idx="0">
+            <a:schemeClr val="accent1"/>
+          </a:effectRef>
+          <a:fontRef idx="minor">
+            <a:schemeClr val="tx1"/>
+          </a:fontRef>
+        </p:style>
+      </p:cxnSp>
+      <p:cxnSp>
+        <p:nvCxnSpPr>
+          <p:cNvPr id="37" name="직선 화살표 연결선 36">
+            <a:extLst>
+              <a:ext uri="{FF2B5EF4-FFF2-40B4-BE49-F238E27FC236}">
+                <a16:creationId xmlns:a16="http://schemas.microsoft.com/office/drawing/2014/main" id="{DD370153-5065-494C-81D3-5116C24AD2F4}"/>
+              </a:ext>
+            </a:extLst>
+          </p:cNvPr>
+          <p:cNvCxnSpPr>
+            <a:cxnSpLocks/>
+          </p:cNvCxnSpPr>
+          <p:nvPr/>
+        </p:nvCxnSpPr>
+        <p:spPr>
+          <a:xfrm>
+            <a:off x="5148064" y="5870338"/>
+            <a:ext cx="949606" cy="0"/>
+          </a:xfrm>
+          <a:prstGeom prst="straightConnector1">
+            <a:avLst/>
+          </a:prstGeom>
+          <a:ln>
+            <a:solidFill>
+              <a:srgbClr val="FF0066"/>
+            </a:solidFill>
+            <a:tailEnd type="triangle"/>
+          </a:ln>
+        </p:spPr>
+        <p:style>
+          <a:lnRef idx="1">
+            <a:schemeClr val="accent1"/>
+          </a:lnRef>
+          <a:fillRef idx="0">
+            <a:schemeClr val="accent1"/>
+          </a:fillRef>
+          <a:effectRef idx="0">
+            <a:schemeClr val="accent1"/>
+          </a:effectRef>
+          <a:fontRef idx="minor">
+            <a:schemeClr val="tx1"/>
+          </a:fontRef>
+        </p:style>
+      </p:cxnSp>
+      <p:sp>
+        <p:nvSpPr>
+          <p:cNvPr id="38" name="TextBox 37">
+            <a:extLst>
+              <a:ext uri="{FF2B5EF4-FFF2-40B4-BE49-F238E27FC236}">
+                <a16:creationId xmlns:a16="http://schemas.microsoft.com/office/drawing/2014/main" id="{675E9560-EE75-46D2-A2B3-871D0B271448}"/>
+              </a:ext>
+            </a:extLst>
+          </p:cNvPr>
+          <p:cNvSpPr txBox="1"/>
+          <p:nvPr/>
+        </p:nvSpPr>
+        <p:spPr>
+          <a:xfrm>
+            <a:off x="5994396" y="3645024"/>
+            <a:ext cx="1080120" cy="276999"/>
+          </a:xfrm>
+          <a:prstGeom prst="rect">
+            <a:avLst/>
+          </a:prstGeom>
+          <a:noFill/>
+        </p:spPr>
+        <p:txBody>
+          <a:bodyPr wrap="square" rtlCol="0">
+            <a:spAutoFit/>
+          </a:bodyPr>
+          <a:lstStyle/>
+          <a:p>
+            <a:pPr algn="ctr"/>
+            <a:r>
+              <a:rPr lang="en-US" altLang="ko-KR" sz="1200" b="1" dirty="0">
+                <a:solidFill>
+                  <a:srgbClr val="FF0000"/>
+                </a:solidFill>
+              </a:rPr>
+              <a:t>0</a:t>
+            </a:r>
+            <a:endParaRPr lang="ko-KR" altLang="en-US" sz="1200" b="1" dirty="0">
+              <a:solidFill>
+                <a:srgbClr val="FF0000"/>
+              </a:solidFill>
+            </a:endParaRPr>
+          </a:p>
+        </p:txBody>
+      </p:sp>
+      <p:sp>
+        <p:nvSpPr>
+          <p:cNvPr id="39" name="TextBox 38">
+            <a:extLst>
+              <a:ext uri="{FF2B5EF4-FFF2-40B4-BE49-F238E27FC236}">
+                <a16:creationId xmlns:a16="http://schemas.microsoft.com/office/drawing/2014/main" id="{F80823F8-DAFD-49CC-AFC1-729523B85300}"/>
+              </a:ext>
+            </a:extLst>
+          </p:cNvPr>
+          <p:cNvSpPr txBox="1"/>
+          <p:nvPr/>
+        </p:nvSpPr>
+        <p:spPr>
+          <a:xfrm>
+            <a:off x="5994396" y="3957658"/>
+            <a:ext cx="1080120" cy="276999"/>
+          </a:xfrm>
+          <a:prstGeom prst="rect">
+            <a:avLst/>
+          </a:prstGeom>
+          <a:noFill/>
+        </p:spPr>
+        <p:txBody>
+          <a:bodyPr wrap="square" rtlCol="0">
+            <a:spAutoFit/>
+          </a:bodyPr>
+          <a:lstStyle/>
+          <a:p>
+            <a:pPr algn="ctr"/>
+            <a:r>
+              <a:rPr lang="en-US" altLang="ko-KR" sz="1200" b="1" dirty="0">
+                <a:solidFill>
+                  <a:srgbClr val="FF0000"/>
+                </a:solidFill>
+              </a:rPr>
+              <a:t>1</a:t>
+            </a:r>
+            <a:endParaRPr lang="ko-KR" altLang="en-US" sz="1200" b="1" dirty="0">
+              <a:solidFill>
+                <a:srgbClr val="FF0000"/>
+              </a:solidFill>
+            </a:endParaRPr>
+          </a:p>
+        </p:txBody>
+      </p:sp>
+      <p:sp>
+        <p:nvSpPr>
+          <p:cNvPr id="40" name="TextBox 39">
+            <a:extLst>
+              <a:ext uri="{FF2B5EF4-FFF2-40B4-BE49-F238E27FC236}">
+                <a16:creationId xmlns:a16="http://schemas.microsoft.com/office/drawing/2014/main" id="{E60C1A3B-DF00-4E7C-81B1-5A3560B34295}"/>
+              </a:ext>
+            </a:extLst>
+          </p:cNvPr>
+          <p:cNvSpPr txBox="1"/>
+          <p:nvPr/>
+        </p:nvSpPr>
+        <p:spPr>
+          <a:xfrm>
+            <a:off x="5994396" y="4227075"/>
+            <a:ext cx="1080120" cy="276999"/>
+          </a:xfrm>
+          <a:prstGeom prst="rect">
+            <a:avLst/>
+          </a:prstGeom>
+          <a:noFill/>
+        </p:spPr>
+        <p:txBody>
+          <a:bodyPr wrap="square" rtlCol="0">
+            <a:spAutoFit/>
+          </a:bodyPr>
+          <a:lstStyle/>
+          <a:p>
+            <a:pPr algn="ctr"/>
+            <a:r>
+              <a:rPr lang="en-US" altLang="ko-KR" sz="1200" b="1" dirty="0">
+                <a:solidFill>
+                  <a:srgbClr val="FF0000"/>
+                </a:solidFill>
+              </a:rPr>
+              <a:t>0</a:t>
+            </a:r>
+            <a:endParaRPr lang="ko-KR" altLang="en-US" sz="1200" b="1" dirty="0">
+              <a:solidFill>
+                <a:srgbClr val="FF0000"/>
+              </a:solidFill>
+            </a:endParaRPr>
+          </a:p>
+        </p:txBody>
+      </p:sp>
+      <p:sp>
+        <p:nvSpPr>
+          <p:cNvPr id="41" name="TextBox 40">
+            <a:extLst>
+              <a:ext uri="{FF2B5EF4-FFF2-40B4-BE49-F238E27FC236}">
+                <a16:creationId xmlns:a16="http://schemas.microsoft.com/office/drawing/2014/main" id="{6EDDB900-693C-4CC9-A748-278A263641D3}"/>
+              </a:ext>
+            </a:extLst>
+          </p:cNvPr>
+          <p:cNvSpPr txBox="1"/>
+          <p:nvPr/>
+        </p:nvSpPr>
+        <p:spPr>
+          <a:xfrm>
+            <a:off x="5994396" y="5175424"/>
+            <a:ext cx="1080120" cy="276999"/>
+          </a:xfrm>
+          <a:prstGeom prst="rect">
+            <a:avLst/>
+          </a:prstGeom>
+          <a:noFill/>
+        </p:spPr>
+        <p:txBody>
+          <a:bodyPr wrap="square" rtlCol="0">
+            <a:spAutoFit/>
+          </a:bodyPr>
+          <a:lstStyle/>
+          <a:p>
+            <a:pPr algn="ctr"/>
+            <a:r>
+              <a:rPr lang="en-US" altLang="ko-KR" sz="1200" b="1" dirty="0">
+                <a:solidFill>
+                  <a:srgbClr val="FF0000"/>
+                </a:solidFill>
+              </a:rPr>
+              <a:t>1</a:t>
+            </a:r>
+            <a:endParaRPr lang="ko-KR" altLang="en-US" sz="1200" b="1" dirty="0">
+              <a:solidFill>
+                <a:srgbClr val="FF0000"/>
+              </a:solidFill>
+            </a:endParaRPr>
+          </a:p>
+        </p:txBody>
+      </p:sp>
+      <p:sp>
+        <p:nvSpPr>
+          <p:cNvPr id="42" name="TextBox 41">
+            <a:extLst>
+              <a:ext uri="{FF2B5EF4-FFF2-40B4-BE49-F238E27FC236}">
+                <a16:creationId xmlns:a16="http://schemas.microsoft.com/office/drawing/2014/main" id="{34DE0174-F702-4ABC-BF89-DD4B6399A139}"/>
+              </a:ext>
+            </a:extLst>
+          </p:cNvPr>
+          <p:cNvSpPr txBox="1"/>
+          <p:nvPr/>
+        </p:nvSpPr>
+        <p:spPr>
+          <a:xfrm>
+            <a:off x="5994396" y="5474301"/>
+            <a:ext cx="1080120" cy="276999"/>
+          </a:xfrm>
+          <a:prstGeom prst="rect">
+            <a:avLst/>
+          </a:prstGeom>
+          <a:noFill/>
+        </p:spPr>
+        <p:txBody>
+          <a:bodyPr wrap="square" rtlCol="0">
+            <a:spAutoFit/>
+          </a:bodyPr>
+          <a:lstStyle/>
+          <a:p>
+            <a:pPr algn="ctr"/>
+            <a:r>
+              <a:rPr lang="en-US" altLang="ko-KR" sz="1200" b="1" dirty="0">
+                <a:solidFill>
+                  <a:srgbClr val="FF0000"/>
+                </a:solidFill>
+              </a:rPr>
+              <a:t>0</a:t>
+            </a:r>
+            <a:endParaRPr lang="ko-KR" altLang="en-US" sz="1200" b="1" dirty="0">
+              <a:solidFill>
+                <a:srgbClr val="FF0000"/>
+              </a:solidFill>
+            </a:endParaRPr>
+          </a:p>
+        </p:txBody>
+      </p:sp>
+      <p:sp>
+        <p:nvSpPr>
+          <p:cNvPr id="43" name="TextBox 42">
+            <a:extLst>
+              <a:ext uri="{FF2B5EF4-FFF2-40B4-BE49-F238E27FC236}">
+                <a16:creationId xmlns:a16="http://schemas.microsoft.com/office/drawing/2014/main" id="{C65EBA0D-6844-488B-AE98-D45B289DE981}"/>
+              </a:ext>
+            </a:extLst>
+          </p:cNvPr>
+          <p:cNvSpPr txBox="1"/>
+          <p:nvPr/>
+        </p:nvSpPr>
+        <p:spPr>
+          <a:xfrm>
+            <a:off x="5994396" y="5761318"/>
+            <a:ext cx="1080120" cy="276999"/>
+          </a:xfrm>
+          <a:prstGeom prst="rect">
+            <a:avLst/>
+          </a:prstGeom>
+          <a:noFill/>
+        </p:spPr>
+        <p:txBody>
+          <a:bodyPr wrap="square" rtlCol="0">
+            <a:spAutoFit/>
+          </a:bodyPr>
+          <a:lstStyle/>
+          <a:p>
+            <a:pPr algn="ctr"/>
+            <a:r>
+              <a:rPr lang="en-US" altLang="ko-KR" sz="1200" b="1" dirty="0">
+                <a:solidFill>
+                  <a:srgbClr val="FF0000"/>
+                </a:solidFill>
+              </a:rPr>
+              <a:t>0</a:t>
+            </a:r>
+            <a:endParaRPr lang="ko-KR" altLang="en-US" sz="1200" b="1" dirty="0">
+              <a:solidFill>
+                <a:srgbClr val="FF0000"/>
+              </a:solidFill>
+            </a:endParaRPr>
+          </a:p>
+        </p:txBody>
+      </p:sp>
+      <p:sp>
+        <p:nvSpPr>
+          <p:cNvPr id="44" name="TextBox 43">
+            <a:extLst>
+              <a:ext uri="{FF2B5EF4-FFF2-40B4-BE49-F238E27FC236}">
+                <a16:creationId xmlns:a16="http://schemas.microsoft.com/office/drawing/2014/main" id="{8D837976-46EF-4B0C-9A61-20B38E8EE6A6}"/>
+              </a:ext>
+            </a:extLst>
+          </p:cNvPr>
+          <p:cNvSpPr txBox="1"/>
+          <p:nvPr/>
+        </p:nvSpPr>
+        <p:spPr>
+          <a:xfrm>
+            <a:off x="5308032" y="6095698"/>
+            <a:ext cx="2286016" cy="276999"/>
+          </a:xfrm>
+          <a:prstGeom prst="rect">
+            <a:avLst/>
+          </a:prstGeom>
+          <a:noFill/>
+        </p:spPr>
+        <p:txBody>
+          <a:bodyPr wrap="square" rtlCol="0">
+            <a:spAutoFit/>
+          </a:bodyPr>
+          <a:lstStyle/>
+          <a:p>
+            <a:pPr algn="ctr"/>
+            <a:r>
+              <a:rPr lang="en-US" altLang="ko-KR" sz="1200" b="1" dirty="0">
+                <a:solidFill>
+                  <a:srgbClr val="FF0000"/>
+                </a:solidFill>
+              </a:rPr>
+              <a:t>0 : </a:t>
+            </a:r>
+            <a:r>
+              <a:rPr lang="ko-KR" altLang="en-US" sz="1200" b="1" dirty="0">
+                <a:solidFill>
+                  <a:srgbClr val="FF0000"/>
+                </a:solidFill>
+              </a:rPr>
+              <a:t>눈 깜박임 데이터</a:t>
+            </a:r>
+            <a:r>
+              <a:rPr lang="en-US" altLang="ko-KR" sz="1200" b="1" dirty="0">
+                <a:solidFill>
+                  <a:srgbClr val="FF0000"/>
+                </a:solidFill>
+              </a:rPr>
+              <a:t>,  1: </a:t>
+            </a:r>
+            <a:r>
+              <a:rPr lang="ko-KR" altLang="en-US" sz="1200" b="1" dirty="0" err="1">
+                <a:solidFill>
+                  <a:srgbClr val="FF0000"/>
+                </a:solidFill>
+              </a:rPr>
+              <a:t>잡파</a:t>
+            </a:r>
+            <a:endParaRPr lang="ko-KR" altLang="en-US" sz="1200" b="1" dirty="0">
+              <a:solidFill>
+                <a:srgbClr val="FF0000"/>
+              </a:solidFill>
+            </a:endParaRPr>
+          </a:p>
+        </p:txBody>
+      </p:sp>
+    </p:spTree>
+    <p:extLst>
+      <p:ext uri="{BB962C8B-B14F-4D97-AF65-F5344CB8AC3E}">
+        <p14:creationId xmlns:p14="http://schemas.microsoft.com/office/powerpoint/2010/main" val="1890591298"/>
+      </p:ext>
+    </p:extLst>
+  </p:cSld>
+  <p:clrMapOvr>
+    <a:masterClrMapping/>
+  </p:clrMapOvr>
+  <p:transition>
+    <p:fade/>
+  </p:transition>
+</p:sld>
+</file>
+
+<file path=ppt/slides/slide14.xml><?xml version="1.0" encoding="utf-8"?>
+<p:sld xmlns:a="http://schemas.openxmlformats.org/drawingml/2006/main" xmlns:r="http://schemas.openxmlformats.org/officeDocument/2006/relationships" xmlns:p="http://schemas.openxmlformats.org/presentationml/2006/main">
+  <p:cSld>
+    <p:spTree>
+      <p:nvGrpSpPr>
+        <p:cNvPr id="1" name=""/>
+        <p:cNvGrpSpPr/>
+        <p:nvPr/>
+      </p:nvGrpSpPr>
+      <p:grpSpPr>
+        <a:xfrm>
+          <a:off x="0" y="0"/>
+          <a:ext cx="0" cy="0"/>
+          <a:chOff x="0" y="0"/>
+          <a:chExt cx="0" cy="0"/>
+        </a:xfrm>
+      </p:grpSpPr>
+      <p:sp>
+        <p:nvSpPr>
+          <p:cNvPr id="9" name="TextBox 8"/>
+          <p:cNvSpPr txBox="1"/>
+          <p:nvPr/>
+        </p:nvSpPr>
+        <p:spPr>
+          <a:xfrm>
+            <a:off x="357158" y="867191"/>
+            <a:ext cx="8429684" cy="574966"/>
+          </a:xfrm>
+          <a:prstGeom prst="rect">
+            <a:avLst/>
+          </a:prstGeom>
+          <a:noFill/>
+        </p:spPr>
+        <p:txBody>
+          <a:bodyPr wrap="square" rtlCol="0">
+            <a:spAutoFit/>
+          </a:bodyPr>
+          <a:lstStyle/>
+          <a:p>
+            <a:pPr>
+              <a:lnSpc>
+                <a:spcPct val="150000"/>
+              </a:lnSpc>
+              <a:buFont typeface="Wingdings" pitchFamily="2" charset="2"/>
+              <a:buChar char="§"/>
+            </a:pPr>
+            <a:r>
+              <a:rPr lang="en-US" altLang="ko-KR" sz="2400" b="1" dirty="0">
+                <a:latin typeface="+mj-ea"/>
+                <a:ea typeface="+mj-ea"/>
+              </a:rPr>
+              <a:t> ROC</a:t>
+            </a:r>
+            <a:r>
+              <a:rPr lang="ko-KR" altLang="en-US" sz="2400" b="1" dirty="0">
+                <a:latin typeface="+mj-ea"/>
+                <a:ea typeface="+mj-ea"/>
+              </a:rPr>
+              <a:t>곡선 실험 코드</a:t>
+            </a:r>
+            <a:endParaRPr lang="en-US" altLang="ko-KR" sz="2400" b="1" dirty="0">
+              <a:latin typeface="+mj-ea"/>
+              <a:ea typeface="+mj-ea"/>
+            </a:endParaRPr>
+          </a:p>
+        </p:txBody>
+      </p:sp>
+      <p:sp>
+        <p:nvSpPr>
+          <p:cNvPr id="1026" name="Rectangle 2"/>
+          <p:cNvSpPr>
+            <a:spLocks noChangeArrowheads="1"/>
+          </p:cNvSpPr>
+          <p:nvPr/>
+        </p:nvSpPr>
+        <p:spPr bwMode="auto">
+          <a:xfrm>
+            <a:off x="0" y="43934"/>
+            <a:ext cx="184731" cy="369332"/>
+          </a:xfrm>
+          <a:prstGeom prst="rect">
+            <a:avLst/>
+          </a:prstGeom>
+          <a:noFill/>
+          <a:ln w="9525">
+            <a:noFill/>
+            <a:miter lim="800000"/>
+            <a:headEnd/>
+            <a:tailEnd/>
+          </a:ln>
+          <a:effectLst/>
+        </p:spPr>
+        <p:txBody>
+          <a:bodyPr vert="horz" wrap="none" lIns="91440" tIns="45720" rIns="91440" bIns="45720" numCol="1" anchor="ctr" anchorCtr="0" compatLnSpc="1">
+            <a:prstTxWarp prst="textNoShape">
+              <a:avLst/>
+            </a:prstTxWarp>
+            <a:spAutoFit/>
+          </a:bodyPr>
+          <a:lstStyle/>
+          <a:p>
+            <a:endParaRPr lang="ko-KR" altLang="en-US">
+              <a:latin typeface="+mj-ea"/>
+              <a:ea typeface="+mj-ea"/>
+            </a:endParaRPr>
+          </a:p>
+        </p:txBody>
+      </p:sp>
+      <p:sp>
+        <p:nvSpPr>
+          <p:cNvPr id="6" name="슬라이드 번호 개체 틀 2">
+            <a:extLst>
+              <a:ext uri="{FF2B5EF4-FFF2-40B4-BE49-F238E27FC236}">
+                <a16:creationId xmlns:a16="http://schemas.microsoft.com/office/drawing/2014/main" id="{273CF472-7DAD-47FE-9571-09EA0EFB61E1}"/>
+              </a:ext>
+            </a:extLst>
+          </p:cNvPr>
+          <p:cNvSpPr>
+            <a:spLocks noGrp="1"/>
+          </p:cNvSpPr>
+          <p:nvPr>
+            <p:ph type="sldNum" sz="quarter" idx="12"/>
+          </p:nvPr>
+        </p:nvSpPr>
+        <p:spPr>
+          <a:xfrm>
+            <a:off x="6553200" y="6448251"/>
+            <a:ext cx="2133600" cy="365125"/>
+          </a:xfrm>
+        </p:spPr>
+        <p:txBody>
+          <a:bodyPr/>
+          <a:lstStyle/>
+          <a:p>
+            <a:fld id="{0CDDD91B-D59A-43E0-9831-FA9EFD7B6536}" type="slidenum">
+              <a:rPr lang="ko-KR" altLang="en-US" smtClean="0"/>
+              <a:pPr/>
+              <a:t>14</a:t>
+            </a:fld>
+            <a:endParaRPr lang="ko-KR" altLang="en-US" dirty="0"/>
+          </a:p>
+        </p:txBody>
+      </p:sp>
+      <p:sp>
+        <p:nvSpPr>
+          <p:cNvPr id="11" name="Text Box 13">
+            <a:extLst>
+              <a:ext uri="{FF2B5EF4-FFF2-40B4-BE49-F238E27FC236}">
+                <a16:creationId xmlns:a16="http://schemas.microsoft.com/office/drawing/2014/main" id="{4C50B7D8-02C2-482D-A8BE-8EBED0CE98D0}"/>
+              </a:ext>
+            </a:extLst>
+          </p:cNvPr>
+          <p:cNvSpPr txBox="1">
+            <a:spLocks noChangeArrowheads="1"/>
+          </p:cNvSpPr>
+          <p:nvPr/>
+        </p:nvSpPr>
+        <p:spPr bwMode="auto">
+          <a:xfrm>
+            <a:off x="330200" y="92075"/>
+            <a:ext cx="7289800" cy="646331"/>
+          </a:xfrm>
+          <a:prstGeom prst="rect">
+            <a:avLst/>
+          </a:prstGeom>
+          <a:noFill/>
+          <a:ln w="9525">
+            <a:noFill/>
+            <a:miter lim="800000"/>
+            <a:headEnd/>
+            <a:tailEnd/>
+          </a:ln>
+        </p:spPr>
+        <p:txBody>
+          <a:bodyPr>
+            <a:spAutoFit/>
+          </a:bodyPr>
+          <a:lstStyle/>
+          <a:p>
+            <a:pPr eaLnBrk="0" fontAlgn="t" latinLnBrk="0" hangingPunct="0">
+              <a:spcBef>
+                <a:spcPct val="50000"/>
+              </a:spcBef>
+              <a:defRPr/>
+            </a:pPr>
+            <a:r>
+              <a:rPr lang="en-US" altLang="ko-KR" sz="3600" b="1" dirty="0">
+                <a:solidFill>
+                  <a:schemeClr val="bg1"/>
+                </a:solidFill>
+                <a:latin typeface="+mj-ea"/>
+              </a:rPr>
+              <a:t>ROC</a:t>
+            </a:r>
+            <a:r>
+              <a:rPr lang="ko-KR" altLang="en-US" sz="3600" b="1" dirty="0">
+                <a:solidFill>
+                  <a:schemeClr val="bg1"/>
+                </a:solidFill>
+                <a:latin typeface="+mj-ea"/>
+              </a:rPr>
+              <a:t>곡선 실험</a:t>
+            </a:r>
+          </a:p>
+        </p:txBody>
+      </p:sp>
+      <p:sp>
+        <p:nvSpPr>
+          <p:cNvPr id="2" name="직사각형 1">
+            <a:extLst>
+              <a:ext uri="{FF2B5EF4-FFF2-40B4-BE49-F238E27FC236}">
+                <a16:creationId xmlns:a16="http://schemas.microsoft.com/office/drawing/2014/main" id="{292BDCC0-31B2-4D56-A627-F5A1F7990CE7}"/>
+              </a:ext>
+            </a:extLst>
+          </p:cNvPr>
+          <p:cNvSpPr/>
+          <p:nvPr/>
+        </p:nvSpPr>
+        <p:spPr>
+          <a:xfrm>
+            <a:off x="827584" y="1563599"/>
+            <a:ext cx="7499865" cy="1747519"/>
+          </a:xfrm>
+          <a:prstGeom prst="rect">
+            <a:avLst/>
+          </a:prstGeom>
+          <a:solidFill>
+            <a:schemeClr val="bg1">
+              <a:lumMod val="85000"/>
+            </a:schemeClr>
+          </a:solidFill>
+          <a:ln>
+            <a:solidFill>
+              <a:schemeClr val="bg1">
+                <a:lumMod val="85000"/>
+              </a:schemeClr>
+            </a:solidFill>
+          </a:ln>
+        </p:spPr>
+        <p:style>
+          <a:lnRef idx="2">
+            <a:schemeClr val="accent1">
+              <a:shade val="50000"/>
+            </a:schemeClr>
+          </a:lnRef>
+          <a:fillRef idx="1">
+            <a:schemeClr val="accent1"/>
+          </a:fillRef>
+          <a:effectRef idx="0">
+            <a:schemeClr val="accent1"/>
+          </a:effectRef>
+          <a:fontRef idx="minor">
+            <a:schemeClr val="lt1"/>
+          </a:fontRef>
+        </p:style>
+        <p:txBody>
+          <a:bodyPr rtlCol="0" anchor="ctr"/>
+          <a:lstStyle/>
+          <a:p>
+            <a:pPr algn="ctr"/>
+            <a:endParaRPr lang="ko-KR" altLang="en-US"/>
+          </a:p>
+        </p:txBody>
+      </p:sp>
+      <p:sp>
+        <p:nvSpPr>
+          <p:cNvPr id="14" name="TextBox 13">
+            <a:extLst>
+              <a:ext uri="{FF2B5EF4-FFF2-40B4-BE49-F238E27FC236}">
+                <a16:creationId xmlns:a16="http://schemas.microsoft.com/office/drawing/2014/main" id="{732CFE51-7778-4965-AB44-54630EF29B1E}"/>
+              </a:ext>
+            </a:extLst>
+          </p:cNvPr>
+          <p:cNvSpPr txBox="1"/>
+          <p:nvPr/>
+        </p:nvSpPr>
+        <p:spPr>
+          <a:xfrm>
+            <a:off x="816551" y="1556792"/>
+            <a:ext cx="7510898" cy="1477328"/>
+          </a:xfrm>
+          <a:prstGeom prst="rect">
+            <a:avLst/>
+          </a:prstGeom>
+          <a:noFill/>
+        </p:spPr>
+        <p:txBody>
+          <a:bodyPr wrap="square" rtlCol="0">
+            <a:spAutoFit/>
+          </a:bodyPr>
+          <a:lstStyle/>
+          <a:p>
+            <a:pPr marL="285750" indent="-285750">
+              <a:buFont typeface="Wingdings" panose="05000000000000000000" pitchFamily="2" charset="2"/>
+              <a:buChar char="§"/>
+            </a:pPr>
+            <a:r>
+              <a:rPr lang="ko-KR" altLang="en-US" dirty="0"/>
+              <a:t>총 </a:t>
+            </a:r>
+            <a:r>
+              <a:rPr lang="en-US" altLang="ko-KR" dirty="0"/>
+              <a:t>3239</a:t>
+            </a:r>
+            <a:r>
+              <a:rPr lang="ko-KR" altLang="en-US" dirty="0"/>
+              <a:t>개의 데이터</a:t>
+            </a:r>
+            <a:r>
+              <a:rPr lang="en-US" altLang="ko-KR" dirty="0"/>
+              <a:t>(</a:t>
+            </a:r>
+            <a:r>
+              <a:rPr lang="ko-KR" altLang="en-US" dirty="0"/>
+              <a:t>사용자</a:t>
+            </a:r>
+            <a:r>
+              <a:rPr lang="en-US" altLang="ko-KR" dirty="0"/>
+              <a:t>1, </a:t>
+            </a:r>
+            <a:r>
+              <a:rPr lang="ko-KR" altLang="en-US" dirty="0"/>
+              <a:t>사용자</a:t>
+            </a:r>
+            <a:r>
+              <a:rPr lang="en-US" altLang="ko-KR" dirty="0"/>
+              <a:t>2, </a:t>
+            </a:r>
+            <a:r>
+              <a:rPr lang="ko-KR" altLang="en-US" dirty="0" err="1"/>
+              <a:t>잡파</a:t>
+            </a:r>
+            <a:r>
+              <a:rPr lang="en-US" altLang="ko-KR" dirty="0"/>
+              <a:t>)</a:t>
+            </a:r>
+            <a:r>
+              <a:rPr lang="ko-KR" altLang="en-US" dirty="0"/>
+              <a:t>를 </a:t>
+            </a:r>
+            <a:r>
+              <a:rPr lang="en-US" altLang="ko-KR" dirty="0"/>
+              <a:t>training data 2000</a:t>
+            </a:r>
+            <a:r>
+              <a:rPr lang="ko-KR" altLang="en-US" dirty="0"/>
+              <a:t>개</a:t>
+            </a:r>
+            <a:r>
+              <a:rPr lang="en-US" altLang="ko-KR" dirty="0"/>
+              <a:t>, validation data 600</a:t>
+            </a:r>
+            <a:r>
+              <a:rPr lang="ko-KR" altLang="en-US" dirty="0"/>
+              <a:t>개</a:t>
+            </a:r>
+            <a:r>
+              <a:rPr lang="en-US" altLang="ko-KR" dirty="0"/>
+              <a:t>, </a:t>
+            </a:r>
+            <a:r>
+              <a:rPr lang="ko-KR" altLang="en-US" dirty="0"/>
+              <a:t>나머지를 </a:t>
+            </a:r>
+            <a:r>
+              <a:rPr lang="en-US" altLang="ko-KR" dirty="0"/>
+              <a:t>test data</a:t>
+            </a:r>
+            <a:r>
+              <a:rPr lang="ko-KR" altLang="en-US" dirty="0"/>
+              <a:t>로 </a:t>
+            </a:r>
+            <a:r>
+              <a:rPr lang="ko-KR" altLang="en-US" dirty="0" err="1"/>
+              <a:t>슬라이싱</a:t>
+            </a:r>
+            <a:endParaRPr lang="en-US" altLang="ko-KR" dirty="0"/>
+          </a:p>
+          <a:p>
+            <a:pPr marL="285750" indent="-285750">
+              <a:buFont typeface="Wingdings" panose="05000000000000000000" pitchFamily="2" charset="2"/>
+              <a:buChar char="§"/>
+            </a:pPr>
+            <a:r>
+              <a:rPr lang="en-US" altLang="ko-KR" dirty="0" err="1"/>
+              <a:t>Traning</a:t>
+            </a:r>
+            <a:r>
+              <a:rPr lang="ko-KR" altLang="en-US" dirty="0"/>
+              <a:t> </a:t>
+            </a:r>
+            <a:r>
+              <a:rPr lang="en-US" altLang="ko-KR" dirty="0"/>
+              <a:t>data,</a:t>
+            </a:r>
+            <a:r>
+              <a:rPr lang="ko-KR" altLang="en-US" dirty="0"/>
+              <a:t> </a:t>
+            </a:r>
+            <a:r>
+              <a:rPr lang="en-US" altLang="ko-KR" dirty="0"/>
+              <a:t>validation</a:t>
+            </a:r>
+            <a:r>
+              <a:rPr lang="ko-KR" altLang="en-US" dirty="0"/>
+              <a:t> </a:t>
+            </a:r>
+            <a:r>
+              <a:rPr lang="en-US" altLang="ko-KR" dirty="0"/>
+              <a:t>data</a:t>
+            </a:r>
+            <a:r>
+              <a:rPr lang="ko-KR" altLang="en-US" dirty="0"/>
+              <a:t>로 신경망 모델을 학습하며 </a:t>
+            </a:r>
+            <a:r>
+              <a:rPr lang="en-US" altLang="ko-KR" dirty="0"/>
+              <a:t>test data</a:t>
+            </a:r>
+            <a:r>
+              <a:rPr lang="ko-KR" altLang="en-US" dirty="0"/>
+              <a:t>로 </a:t>
+            </a:r>
+            <a:r>
+              <a:rPr lang="en-US" altLang="ko-KR" dirty="0"/>
+              <a:t>ROC</a:t>
+            </a:r>
+            <a:r>
+              <a:rPr lang="ko-KR" altLang="en-US" dirty="0"/>
+              <a:t> 곡선을 그림</a:t>
+            </a:r>
+            <a:endParaRPr lang="en-US" altLang="ko-KR" dirty="0"/>
+          </a:p>
+          <a:p>
+            <a:pPr marL="285750" indent="-285750">
+              <a:buFont typeface="Wingdings" panose="05000000000000000000" pitchFamily="2" charset="2"/>
+              <a:buChar char="§"/>
+            </a:pPr>
+            <a:r>
+              <a:rPr lang="ko-KR" altLang="en-US" dirty="0"/>
+              <a:t>다중 분류 모델로 </a:t>
+            </a:r>
+            <a:r>
+              <a:rPr lang="en-US" altLang="ko-KR" dirty="0"/>
+              <a:t>ROC </a:t>
+            </a:r>
+            <a:r>
+              <a:rPr lang="ko-KR" altLang="en-US" dirty="0"/>
+              <a:t>곡선을 그리기 위해 데이터 </a:t>
+            </a:r>
+            <a:r>
+              <a:rPr lang="ko-KR" altLang="en-US" dirty="0" err="1"/>
+              <a:t>전처리</a:t>
+            </a:r>
+            <a:endParaRPr lang="en-US" altLang="ko-KR" dirty="0"/>
+          </a:p>
+        </p:txBody>
+      </p:sp>
+      <p:pic>
+        <p:nvPicPr>
+          <p:cNvPr id="4" name="그림 3">
+            <a:extLst>
+              <a:ext uri="{FF2B5EF4-FFF2-40B4-BE49-F238E27FC236}">
+                <a16:creationId xmlns:a16="http://schemas.microsoft.com/office/drawing/2014/main" id="{F6D0128C-E91A-4469-88CB-AE455DFDDA3F}"/>
+              </a:ext>
+            </a:extLst>
+          </p:cNvPr>
+          <p:cNvPicPr>
+            <a:picLocks noChangeAspect="1"/>
+          </p:cNvPicPr>
+          <p:nvPr/>
+        </p:nvPicPr>
+        <p:blipFill>
+          <a:blip r:embed="rId3"/>
+          <a:stretch>
+            <a:fillRect/>
+          </a:stretch>
+        </p:blipFill>
+        <p:spPr>
+          <a:xfrm>
+            <a:off x="835200" y="3489088"/>
+            <a:ext cx="4538918" cy="1908286"/>
+          </a:xfrm>
+          <a:prstGeom prst="rect">
+            <a:avLst/>
+          </a:prstGeom>
+        </p:spPr>
+      </p:pic>
+      <p:cxnSp>
+        <p:nvCxnSpPr>
+          <p:cNvPr id="10" name="직선 화살표 연결선 9">
+            <a:extLst>
+              <a:ext uri="{FF2B5EF4-FFF2-40B4-BE49-F238E27FC236}">
+                <a16:creationId xmlns:a16="http://schemas.microsoft.com/office/drawing/2014/main" id="{2DE77CC2-AA7B-47C8-B97B-6CB878B24303}"/>
+              </a:ext>
+            </a:extLst>
+          </p:cNvPr>
+          <p:cNvCxnSpPr>
+            <a:cxnSpLocks/>
+          </p:cNvCxnSpPr>
+          <p:nvPr/>
+        </p:nvCxnSpPr>
+        <p:spPr>
+          <a:xfrm flipV="1">
+            <a:off x="4131742" y="3489088"/>
+            <a:ext cx="1520378" cy="289807"/>
+          </a:xfrm>
+          <a:prstGeom prst="straightConnector1">
+            <a:avLst/>
+          </a:prstGeom>
+          <a:ln>
+            <a:solidFill>
+              <a:srgbClr val="FF0066"/>
+            </a:solidFill>
+            <a:tailEnd type="triangle"/>
+          </a:ln>
+        </p:spPr>
+        <p:style>
+          <a:lnRef idx="1">
+            <a:schemeClr val="accent1"/>
+          </a:lnRef>
+          <a:fillRef idx="0">
+            <a:schemeClr val="accent1"/>
+          </a:fillRef>
+          <a:effectRef idx="0">
+            <a:schemeClr val="accent1"/>
+          </a:effectRef>
+          <a:fontRef idx="minor">
+            <a:schemeClr val="tx1"/>
+          </a:fontRef>
+        </p:style>
+      </p:cxnSp>
+      <p:sp>
+        <p:nvSpPr>
+          <p:cNvPr id="12" name="TextBox 11">
+            <a:extLst>
+              <a:ext uri="{FF2B5EF4-FFF2-40B4-BE49-F238E27FC236}">
+                <a16:creationId xmlns:a16="http://schemas.microsoft.com/office/drawing/2014/main" id="{4EB4FEB4-1785-4D5D-A06D-3EAB4F0EAF72}"/>
+              </a:ext>
+            </a:extLst>
+          </p:cNvPr>
+          <p:cNvSpPr txBox="1"/>
+          <p:nvPr/>
+        </p:nvSpPr>
+        <p:spPr>
+          <a:xfrm>
+            <a:off x="5580111" y="3356992"/>
+            <a:ext cx="3024337" cy="1569660"/>
+          </a:xfrm>
+          <a:prstGeom prst="rect">
+            <a:avLst/>
+          </a:prstGeom>
+          <a:noFill/>
+        </p:spPr>
+        <p:txBody>
+          <a:bodyPr wrap="square" rtlCol="0">
+            <a:spAutoFit/>
+          </a:bodyPr>
+          <a:lstStyle/>
+          <a:p>
+            <a:r>
+              <a:rPr lang="en-US" altLang="ko-KR" sz="1200" b="1" dirty="0">
+                <a:solidFill>
+                  <a:srgbClr val="FF0000"/>
+                </a:solidFill>
+              </a:rPr>
+              <a:t>Test</a:t>
+            </a:r>
+            <a:r>
+              <a:rPr lang="ko-KR" altLang="en-US" sz="1200" b="1" dirty="0">
+                <a:solidFill>
+                  <a:srgbClr val="FF0000"/>
+                </a:solidFill>
+              </a:rPr>
+              <a:t> </a:t>
+            </a:r>
+            <a:r>
+              <a:rPr lang="en-US" altLang="ko-KR" sz="1200" b="1" dirty="0">
+                <a:solidFill>
+                  <a:srgbClr val="FF0000"/>
+                </a:solidFill>
+              </a:rPr>
+              <a:t>data</a:t>
+            </a:r>
+            <a:r>
+              <a:rPr lang="ko-KR" altLang="en-US" sz="1200" b="1" dirty="0">
+                <a:solidFill>
+                  <a:srgbClr val="FF0000"/>
+                </a:solidFill>
+              </a:rPr>
+              <a:t> </a:t>
+            </a:r>
+            <a:r>
+              <a:rPr lang="ko-KR" altLang="en-US" sz="1200" b="1" dirty="0" err="1">
+                <a:solidFill>
+                  <a:srgbClr val="FF0000"/>
+                </a:solidFill>
+              </a:rPr>
+              <a:t>전처리</a:t>
+            </a:r>
+            <a:endParaRPr lang="en-US" altLang="ko-KR" sz="1200" b="1" dirty="0">
+              <a:solidFill>
+                <a:srgbClr val="FF0000"/>
+              </a:solidFill>
+            </a:endParaRPr>
+          </a:p>
+          <a:p>
+            <a:r>
+              <a:rPr lang="ko-KR" altLang="en-US" sz="1200" b="1" dirty="0">
+                <a:solidFill>
+                  <a:srgbClr val="FF0000"/>
+                </a:solidFill>
+              </a:rPr>
+              <a:t>다중 분류 모델의 결과는 </a:t>
+            </a:r>
+            <a:r>
+              <a:rPr lang="en-US" altLang="ko-KR" sz="1200" b="1" dirty="0">
+                <a:solidFill>
+                  <a:srgbClr val="FF0000"/>
+                </a:solidFill>
+              </a:rPr>
+              <a:t>[0.xxx, 0.yyy, 0.zzz]</a:t>
+            </a:r>
+            <a:r>
+              <a:rPr lang="ko-KR" altLang="en-US" sz="1200" b="1" dirty="0">
+                <a:solidFill>
+                  <a:srgbClr val="FF0000"/>
+                </a:solidFill>
+              </a:rPr>
+              <a:t>이다</a:t>
+            </a:r>
+            <a:r>
+              <a:rPr lang="en-US" altLang="ko-KR" sz="1200" b="1" dirty="0">
+                <a:solidFill>
+                  <a:srgbClr val="FF0000"/>
+                </a:solidFill>
+              </a:rPr>
+              <a:t>. </a:t>
+            </a:r>
+            <a:r>
+              <a:rPr lang="ko-KR" altLang="en-US" sz="1200" b="1" dirty="0">
+                <a:solidFill>
+                  <a:srgbClr val="FF0000"/>
+                </a:solidFill>
+              </a:rPr>
+              <a:t>이 </a:t>
+            </a:r>
+            <a:r>
+              <a:rPr lang="en-US" altLang="ko-KR" sz="1200" b="1" dirty="0">
+                <a:solidFill>
+                  <a:srgbClr val="FF0000"/>
+                </a:solidFill>
+              </a:rPr>
+              <a:t>3</a:t>
+            </a:r>
+            <a:r>
+              <a:rPr lang="ko-KR" altLang="en-US" sz="1200" b="1" dirty="0">
+                <a:solidFill>
+                  <a:srgbClr val="FF0000"/>
+                </a:solidFill>
+              </a:rPr>
+              <a:t>개의 값 중 가장 큰 값이 결과로 출력된다</a:t>
+            </a:r>
+            <a:r>
+              <a:rPr lang="en-US" altLang="ko-KR" sz="1200" b="1" dirty="0">
+                <a:solidFill>
+                  <a:srgbClr val="FF0000"/>
+                </a:solidFill>
+              </a:rPr>
+              <a:t>. </a:t>
+            </a:r>
+            <a:r>
+              <a:rPr lang="ko-KR" altLang="en-US" sz="1200" b="1" dirty="0">
+                <a:solidFill>
+                  <a:srgbClr val="FF0000"/>
+                </a:solidFill>
+              </a:rPr>
+              <a:t>만약 가장 큰 값이 </a:t>
+            </a:r>
+            <a:r>
+              <a:rPr lang="en-US" altLang="ko-KR" sz="1200" b="1" dirty="0">
+                <a:solidFill>
+                  <a:srgbClr val="FF0000"/>
+                </a:solidFill>
+              </a:rPr>
+              <a:t>0.zzz</a:t>
+            </a:r>
+            <a:r>
+              <a:rPr lang="ko-KR" altLang="en-US" sz="1200" b="1" dirty="0">
+                <a:solidFill>
+                  <a:srgbClr val="FF0000"/>
+                </a:solidFill>
+              </a:rPr>
+              <a:t>라면 </a:t>
+            </a:r>
+            <a:r>
+              <a:rPr lang="ko-KR" altLang="en-US" sz="1200" b="1" dirty="0" err="1">
+                <a:solidFill>
+                  <a:srgbClr val="FF0000"/>
+                </a:solidFill>
+              </a:rPr>
+              <a:t>잡파로</a:t>
+            </a:r>
+            <a:r>
+              <a:rPr lang="ko-KR" altLang="en-US" sz="1200" b="1" dirty="0">
+                <a:solidFill>
+                  <a:srgbClr val="FF0000"/>
+                </a:solidFill>
+              </a:rPr>
+              <a:t> 분류한 것이므로 </a:t>
+            </a:r>
+            <a:r>
+              <a:rPr lang="en-US" altLang="ko-KR" sz="1200" b="1" dirty="0">
+                <a:solidFill>
+                  <a:srgbClr val="FF0000"/>
+                </a:solidFill>
+              </a:rPr>
+              <a:t>max()</a:t>
+            </a:r>
+            <a:r>
+              <a:rPr lang="ko-KR" altLang="en-US" sz="1200" b="1" dirty="0">
+                <a:solidFill>
+                  <a:srgbClr val="FF0000"/>
+                </a:solidFill>
+              </a:rPr>
+              <a:t>를 통하여 가장 큰 값을 </a:t>
+            </a:r>
+            <a:r>
+              <a:rPr lang="en-US" altLang="ko-KR" sz="1200" b="1" dirty="0">
+                <a:solidFill>
+                  <a:srgbClr val="FF0000"/>
+                </a:solidFill>
+              </a:rPr>
+              <a:t>ROC</a:t>
+            </a:r>
+            <a:r>
+              <a:rPr lang="ko-KR" altLang="en-US" sz="1200" b="1" dirty="0">
+                <a:solidFill>
+                  <a:srgbClr val="FF0000"/>
+                </a:solidFill>
+              </a:rPr>
+              <a:t>곡선에 적용</a:t>
+            </a:r>
+            <a:endParaRPr lang="en-US" altLang="ko-KR" sz="1200" b="1" dirty="0">
+              <a:solidFill>
+                <a:srgbClr val="FF0000"/>
+              </a:solidFill>
+            </a:endParaRPr>
+          </a:p>
+          <a:p>
+            <a:r>
+              <a:rPr lang="ko-KR" altLang="en-US" sz="1200" b="1" dirty="0">
+                <a:solidFill>
+                  <a:srgbClr val="FF0000"/>
+                </a:solidFill>
+              </a:rPr>
+              <a:t>그 외의 경우는 눈 깜빡임 데이터이므로 </a:t>
+            </a:r>
+            <a:r>
+              <a:rPr lang="en-US" altLang="ko-KR" sz="1200" b="1" dirty="0">
+                <a:solidFill>
+                  <a:srgbClr val="FF0000"/>
+                </a:solidFill>
+              </a:rPr>
+              <a:t>1 – max()</a:t>
+            </a:r>
+            <a:r>
+              <a:rPr lang="ko-KR" altLang="en-US" sz="1200" b="1" dirty="0">
+                <a:solidFill>
+                  <a:srgbClr val="FF0000"/>
+                </a:solidFill>
+              </a:rPr>
+              <a:t>를 주어 </a:t>
+            </a:r>
+            <a:r>
+              <a:rPr lang="en-US" altLang="ko-KR" sz="1200" b="1" dirty="0">
+                <a:solidFill>
+                  <a:srgbClr val="FF0000"/>
+                </a:solidFill>
+              </a:rPr>
+              <a:t>0</a:t>
+            </a:r>
+            <a:r>
+              <a:rPr lang="ko-KR" altLang="en-US" sz="1200" b="1" dirty="0">
+                <a:solidFill>
+                  <a:srgbClr val="FF0000"/>
+                </a:solidFill>
+              </a:rPr>
+              <a:t>에 가깝게 만든다</a:t>
+            </a:r>
+          </a:p>
+        </p:txBody>
+      </p:sp>
+      <p:cxnSp>
+        <p:nvCxnSpPr>
+          <p:cNvPr id="13" name="직선 화살표 연결선 12">
+            <a:extLst>
+              <a:ext uri="{FF2B5EF4-FFF2-40B4-BE49-F238E27FC236}">
+                <a16:creationId xmlns:a16="http://schemas.microsoft.com/office/drawing/2014/main" id="{5558B5E2-1575-4CFE-9D09-2244A5C1D734}"/>
+              </a:ext>
+            </a:extLst>
+          </p:cNvPr>
+          <p:cNvCxnSpPr>
+            <a:cxnSpLocks/>
+          </p:cNvCxnSpPr>
+          <p:nvPr/>
+        </p:nvCxnSpPr>
+        <p:spPr>
+          <a:xfrm>
+            <a:off x="2915816" y="4733039"/>
+            <a:ext cx="1362635" cy="280137"/>
+          </a:xfrm>
+          <a:prstGeom prst="straightConnector1">
+            <a:avLst/>
+          </a:prstGeom>
+          <a:ln>
+            <a:solidFill>
+              <a:srgbClr val="FF0066"/>
+            </a:solidFill>
+            <a:tailEnd type="triangle"/>
+          </a:ln>
+        </p:spPr>
+        <p:style>
+          <a:lnRef idx="1">
+            <a:schemeClr val="accent1"/>
+          </a:lnRef>
+          <a:fillRef idx="0">
+            <a:schemeClr val="accent1"/>
+          </a:fillRef>
+          <a:effectRef idx="0">
+            <a:schemeClr val="accent1"/>
+          </a:effectRef>
+          <a:fontRef idx="minor">
+            <a:schemeClr val="tx1"/>
+          </a:fontRef>
+        </p:style>
+      </p:cxnSp>
+      <p:sp>
+        <p:nvSpPr>
+          <p:cNvPr id="15" name="TextBox 14">
+            <a:extLst>
+              <a:ext uri="{FF2B5EF4-FFF2-40B4-BE49-F238E27FC236}">
+                <a16:creationId xmlns:a16="http://schemas.microsoft.com/office/drawing/2014/main" id="{FD44FB22-C236-43C0-B043-A62D1E4F9386}"/>
+              </a:ext>
+            </a:extLst>
+          </p:cNvPr>
+          <p:cNvSpPr txBox="1"/>
+          <p:nvPr/>
+        </p:nvSpPr>
+        <p:spPr>
+          <a:xfrm>
+            <a:off x="4278451" y="4929839"/>
+            <a:ext cx="4325997" cy="1015663"/>
+          </a:xfrm>
+          <a:prstGeom prst="rect">
+            <a:avLst/>
+          </a:prstGeom>
+          <a:noFill/>
+        </p:spPr>
+        <p:txBody>
+          <a:bodyPr wrap="square" rtlCol="0">
+            <a:spAutoFit/>
+          </a:bodyPr>
+          <a:lstStyle/>
+          <a:p>
+            <a:r>
+              <a:rPr lang="en-US" altLang="ko-KR" sz="1200" b="1" dirty="0">
+                <a:solidFill>
+                  <a:srgbClr val="FF0000"/>
+                </a:solidFill>
+              </a:rPr>
+              <a:t>Test</a:t>
+            </a:r>
+            <a:r>
+              <a:rPr lang="ko-KR" altLang="en-US" sz="1200" b="1" dirty="0">
+                <a:solidFill>
+                  <a:srgbClr val="FF0000"/>
+                </a:solidFill>
+              </a:rPr>
+              <a:t> </a:t>
+            </a:r>
+            <a:r>
+              <a:rPr lang="en-US" altLang="ko-KR" sz="1200" b="1" dirty="0">
+                <a:solidFill>
+                  <a:srgbClr val="FF0000"/>
+                </a:solidFill>
+              </a:rPr>
+              <a:t>label</a:t>
+            </a:r>
+            <a:r>
+              <a:rPr lang="ko-KR" altLang="en-US" sz="1200" b="1" dirty="0">
+                <a:solidFill>
+                  <a:srgbClr val="FF0000"/>
+                </a:solidFill>
+              </a:rPr>
+              <a:t> </a:t>
+            </a:r>
+            <a:r>
+              <a:rPr lang="ko-KR" altLang="en-US" sz="1200" b="1" dirty="0" err="1">
+                <a:solidFill>
+                  <a:srgbClr val="FF0000"/>
+                </a:solidFill>
+              </a:rPr>
+              <a:t>전처리</a:t>
+            </a:r>
+            <a:endParaRPr lang="en-US" altLang="ko-KR" sz="1200" b="1" dirty="0">
+              <a:solidFill>
+                <a:srgbClr val="FF0000"/>
+              </a:solidFill>
+            </a:endParaRPr>
+          </a:p>
+          <a:p>
+            <a:r>
+              <a:rPr lang="ko-KR" altLang="en-US" sz="1200" b="1" dirty="0">
+                <a:solidFill>
+                  <a:srgbClr val="FF0000"/>
+                </a:solidFill>
+              </a:rPr>
+              <a:t>다중 분류 모델의 결과는 </a:t>
+            </a:r>
+            <a:r>
+              <a:rPr lang="en-US" altLang="ko-KR" sz="1200" b="1" dirty="0">
+                <a:solidFill>
+                  <a:srgbClr val="FF0000"/>
+                </a:solidFill>
+              </a:rPr>
+              <a:t>[1, 0, 0], [0, 1, 0], [0, 0, 1] </a:t>
+            </a:r>
+            <a:r>
+              <a:rPr lang="ko-KR" altLang="en-US" sz="1200" b="1" dirty="0">
+                <a:solidFill>
+                  <a:srgbClr val="FF0000"/>
+                </a:solidFill>
+              </a:rPr>
+              <a:t>중 하나와 비교된다</a:t>
+            </a:r>
+            <a:r>
+              <a:rPr lang="en-US" altLang="ko-KR" sz="1200" b="1" dirty="0">
+                <a:solidFill>
+                  <a:srgbClr val="FF0000"/>
+                </a:solidFill>
+              </a:rPr>
+              <a:t>. </a:t>
+            </a:r>
+            <a:r>
+              <a:rPr lang="ko-KR" altLang="en-US" sz="1200" b="1" dirty="0">
+                <a:solidFill>
+                  <a:srgbClr val="FF0000"/>
+                </a:solidFill>
+              </a:rPr>
+              <a:t>이를 </a:t>
+            </a:r>
+            <a:r>
+              <a:rPr lang="en-US" altLang="ko-KR" sz="1200" b="1" dirty="0">
+                <a:solidFill>
+                  <a:srgbClr val="FF0000"/>
+                </a:solidFill>
+              </a:rPr>
+              <a:t>ROC</a:t>
+            </a:r>
+            <a:r>
+              <a:rPr lang="ko-KR" altLang="en-US" sz="1200" b="1" dirty="0">
+                <a:solidFill>
+                  <a:srgbClr val="FF0000"/>
+                </a:solidFill>
+              </a:rPr>
+              <a:t>곡선에 적용하기 위해 </a:t>
+            </a:r>
+            <a:r>
+              <a:rPr lang="en-US" altLang="ko-KR" sz="1200" b="1" dirty="0">
+                <a:solidFill>
+                  <a:srgbClr val="FF0000"/>
+                </a:solidFill>
+              </a:rPr>
+              <a:t>0, 1</a:t>
+            </a:r>
+            <a:r>
+              <a:rPr lang="ko-KR" altLang="en-US" sz="1200" b="1" dirty="0">
+                <a:solidFill>
+                  <a:srgbClr val="FF0000"/>
+                </a:solidFill>
+              </a:rPr>
+              <a:t>의 이진 데이터로 </a:t>
+            </a:r>
+            <a:r>
+              <a:rPr lang="ko-KR" altLang="en-US" sz="1200" b="1" dirty="0" err="1">
+                <a:solidFill>
+                  <a:srgbClr val="FF0000"/>
+                </a:solidFill>
+              </a:rPr>
+              <a:t>전처리</a:t>
+            </a:r>
+            <a:r>
+              <a:rPr lang="ko-KR" altLang="en-US" sz="1200" b="1" dirty="0">
+                <a:solidFill>
+                  <a:srgbClr val="FF0000"/>
+                </a:solidFill>
+              </a:rPr>
+              <a:t> 한다</a:t>
+            </a:r>
+            <a:r>
+              <a:rPr lang="en-US" altLang="ko-KR" sz="1200" b="1" dirty="0">
+                <a:solidFill>
+                  <a:srgbClr val="FF0000"/>
+                </a:solidFill>
+              </a:rPr>
+              <a:t>. 0</a:t>
+            </a:r>
+            <a:r>
+              <a:rPr lang="ko-KR" altLang="en-US" sz="1200" b="1" dirty="0">
+                <a:solidFill>
+                  <a:srgbClr val="FF0000"/>
+                </a:solidFill>
+              </a:rPr>
+              <a:t>은 눈 깜빡임 데이터이며</a:t>
+            </a:r>
+            <a:r>
+              <a:rPr lang="en-US" altLang="ko-KR" sz="1200" b="1" dirty="0">
+                <a:solidFill>
+                  <a:srgbClr val="FF0000"/>
+                </a:solidFill>
+              </a:rPr>
+              <a:t>, 1</a:t>
+            </a:r>
+            <a:r>
+              <a:rPr lang="ko-KR" altLang="en-US" sz="1200" b="1" dirty="0">
+                <a:solidFill>
+                  <a:srgbClr val="FF0000"/>
+                </a:solidFill>
+              </a:rPr>
+              <a:t>은 </a:t>
+            </a:r>
+            <a:r>
+              <a:rPr lang="ko-KR" altLang="en-US" sz="1200" b="1" dirty="0" err="1">
+                <a:solidFill>
+                  <a:srgbClr val="FF0000"/>
+                </a:solidFill>
+              </a:rPr>
+              <a:t>잡파이다</a:t>
+            </a:r>
+            <a:r>
+              <a:rPr lang="en-US" altLang="ko-KR" sz="1200" b="1" dirty="0">
+                <a:solidFill>
+                  <a:srgbClr val="FF0000"/>
+                </a:solidFill>
+              </a:rPr>
+              <a:t>.</a:t>
+            </a:r>
+            <a:endParaRPr lang="ko-KR" altLang="en-US" sz="1200" b="1" dirty="0">
+              <a:solidFill>
+                <a:srgbClr val="FF0000"/>
+              </a:solidFill>
+            </a:endParaRPr>
+          </a:p>
+        </p:txBody>
+      </p:sp>
+      <p:sp>
+        <p:nvSpPr>
+          <p:cNvPr id="19" name="TextBox 18">
+            <a:extLst>
+              <a:ext uri="{FF2B5EF4-FFF2-40B4-BE49-F238E27FC236}">
+                <a16:creationId xmlns:a16="http://schemas.microsoft.com/office/drawing/2014/main" id="{279E27A4-2F15-46C8-BFC7-3CCAC3233902}"/>
+              </a:ext>
+            </a:extLst>
+          </p:cNvPr>
+          <p:cNvSpPr txBox="1"/>
+          <p:nvPr/>
+        </p:nvSpPr>
+        <p:spPr>
+          <a:xfrm>
+            <a:off x="1439652" y="5966044"/>
+            <a:ext cx="6264696" cy="461665"/>
+          </a:xfrm>
+          <a:prstGeom prst="rect">
+            <a:avLst/>
+          </a:prstGeom>
+          <a:noFill/>
+        </p:spPr>
+        <p:txBody>
+          <a:bodyPr wrap="square" rtlCol="0">
+            <a:spAutoFit/>
+          </a:bodyPr>
+          <a:lstStyle/>
+          <a:p>
+            <a:r>
+              <a:rPr lang="ko-KR" altLang="en-US" sz="1200" b="1" dirty="0">
+                <a:solidFill>
+                  <a:srgbClr val="FF0000"/>
+                </a:solidFill>
+              </a:rPr>
+              <a:t>결과적으로 눈 깜빡임 데이터의 신경망 결과는 </a:t>
+            </a:r>
+            <a:r>
+              <a:rPr lang="en-US" altLang="ko-KR" sz="1200" b="1" dirty="0">
+                <a:solidFill>
+                  <a:srgbClr val="FF0000"/>
+                </a:solidFill>
+              </a:rPr>
+              <a:t>0</a:t>
+            </a:r>
+            <a:r>
+              <a:rPr lang="ko-KR" altLang="en-US" sz="1200" b="1" dirty="0">
+                <a:solidFill>
+                  <a:srgbClr val="FF0000"/>
+                </a:solidFill>
+              </a:rPr>
+              <a:t>에 가깝고</a:t>
+            </a:r>
+            <a:r>
+              <a:rPr lang="en-US" altLang="ko-KR" sz="1200" b="1" dirty="0">
+                <a:solidFill>
+                  <a:srgbClr val="FF0000"/>
+                </a:solidFill>
+              </a:rPr>
+              <a:t>, </a:t>
+            </a:r>
+            <a:r>
+              <a:rPr lang="ko-KR" altLang="en-US" sz="1200" b="1" dirty="0" err="1">
+                <a:solidFill>
+                  <a:srgbClr val="FF0000"/>
+                </a:solidFill>
+              </a:rPr>
+              <a:t>잡파는</a:t>
+            </a:r>
+            <a:r>
+              <a:rPr lang="ko-KR" altLang="en-US" sz="1200" b="1" dirty="0">
+                <a:solidFill>
+                  <a:srgbClr val="FF0000"/>
+                </a:solidFill>
+              </a:rPr>
+              <a:t> </a:t>
+            </a:r>
+            <a:r>
+              <a:rPr lang="en-US" altLang="ko-KR" sz="1200" b="1" dirty="0">
+                <a:solidFill>
+                  <a:srgbClr val="FF0000"/>
+                </a:solidFill>
+              </a:rPr>
+              <a:t>1</a:t>
+            </a:r>
+            <a:r>
+              <a:rPr lang="ko-KR" altLang="en-US" sz="1200" b="1" dirty="0">
+                <a:solidFill>
+                  <a:srgbClr val="FF0000"/>
+                </a:solidFill>
+              </a:rPr>
+              <a:t>에 가까운 값을 가지며</a:t>
+            </a:r>
+            <a:r>
+              <a:rPr lang="en-US" altLang="ko-KR" sz="1200" b="1" dirty="0">
+                <a:solidFill>
+                  <a:srgbClr val="FF0000"/>
+                </a:solidFill>
+              </a:rPr>
+              <a:t>, </a:t>
+            </a:r>
+            <a:r>
+              <a:rPr lang="ko-KR" altLang="en-US" sz="1200" b="1" dirty="0">
+                <a:solidFill>
+                  <a:srgbClr val="FF0000"/>
+                </a:solidFill>
+              </a:rPr>
+              <a:t>이는 </a:t>
+            </a:r>
+            <a:r>
+              <a:rPr lang="ko-KR" altLang="en-US" sz="1200" b="1" dirty="0" err="1">
+                <a:solidFill>
+                  <a:srgbClr val="FF0000"/>
+                </a:solidFill>
+              </a:rPr>
+              <a:t>잡파일</a:t>
+            </a:r>
+            <a:r>
+              <a:rPr lang="ko-KR" altLang="en-US" sz="1200" b="1" dirty="0">
+                <a:solidFill>
+                  <a:srgbClr val="FF0000"/>
+                </a:solidFill>
+              </a:rPr>
+              <a:t> 확률</a:t>
+            </a:r>
+            <a:r>
+              <a:rPr lang="en-US" altLang="ko-KR" sz="1200" b="1" dirty="0">
+                <a:solidFill>
+                  <a:srgbClr val="FF0000"/>
+                </a:solidFill>
+              </a:rPr>
+              <a:t>(0 ~ 1)</a:t>
+            </a:r>
+            <a:r>
+              <a:rPr lang="ko-KR" altLang="en-US" sz="1200" b="1" dirty="0">
+                <a:solidFill>
+                  <a:srgbClr val="FF0000"/>
+                </a:solidFill>
+              </a:rPr>
+              <a:t>을 구하는 이진 분류 모델의 결과가 된다</a:t>
+            </a:r>
+            <a:r>
+              <a:rPr lang="en-US" altLang="ko-KR" sz="1200" b="1" dirty="0">
+                <a:solidFill>
+                  <a:srgbClr val="FF0000"/>
+                </a:solidFill>
+              </a:rPr>
+              <a:t>.</a:t>
+            </a:r>
+            <a:endParaRPr lang="ko-KR" altLang="en-US" sz="1200" b="1" dirty="0">
+              <a:solidFill>
+                <a:srgbClr val="FF0000"/>
+              </a:solidFill>
+            </a:endParaRPr>
+          </a:p>
+        </p:txBody>
+      </p:sp>
+    </p:spTree>
+    <p:extLst>
+      <p:ext uri="{BB962C8B-B14F-4D97-AF65-F5344CB8AC3E}">
+        <p14:creationId xmlns:p14="http://schemas.microsoft.com/office/powerpoint/2010/main" val="2956925642"/>
+      </p:ext>
+    </p:extLst>
+  </p:cSld>
+  <p:clrMapOvr>
+    <a:masterClrMapping/>
+  </p:clrMapOvr>
+  <p:transition>
+    <p:fade/>
+  </p:transition>
+</p:sld>
+</file>
+
+<file path=ppt/slides/slide15.xml><?xml version="1.0" encoding="utf-8"?>
+<p:sld xmlns:a="http://schemas.openxmlformats.org/drawingml/2006/main" xmlns:r="http://schemas.openxmlformats.org/officeDocument/2006/relationships" xmlns:p="http://schemas.openxmlformats.org/presentationml/2006/main">
+  <p:cSld>
+    <p:spTree>
+      <p:nvGrpSpPr>
+        <p:cNvPr id="1" name=""/>
+        <p:cNvGrpSpPr/>
+        <p:nvPr/>
+      </p:nvGrpSpPr>
+      <p:grpSpPr>
+        <a:xfrm>
+          <a:off x="0" y="0"/>
+          <a:ext cx="0" cy="0"/>
+          <a:chOff x="0" y="0"/>
+          <a:chExt cx="0" cy="0"/>
+        </a:xfrm>
+      </p:grpSpPr>
+      <p:sp>
+        <p:nvSpPr>
+          <p:cNvPr id="9" name="TextBox 8"/>
+          <p:cNvSpPr txBox="1"/>
+          <p:nvPr/>
+        </p:nvSpPr>
+        <p:spPr>
+          <a:xfrm>
+            <a:off x="357158" y="867191"/>
+            <a:ext cx="8429684" cy="574966"/>
+          </a:xfrm>
+          <a:prstGeom prst="rect">
+            <a:avLst/>
+          </a:prstGeom>
+          <a:noFill/>
+        </p:spPr>
+        <p:txBody>
+          <a:bodyPr wrap="square" rtlCol="0">
+            <a:spAutoFit/>
+          </a:bodyPr>
+          <a:lstStyle/>
+          <a:p>
+            <a:pPr>
+              <a:lnSpc>
+                <a:spcPct val="150000"/>
+              </a:lnSpc>
+              <a:buFont typeface="Wingdings" pitchFamily="2" charset="2"/>
+              <a:buChar char="§"/>
+            </a:pPr>
+            <a:r>
+              <a:rPr lang="en-US" altLang="ko-KR" sz="2400" b="1" dirty="0">
+                <a:latin typeface="+mj-ea"/>
+                <a:ea typeface="+mj-ea"/>
+              </a:rPr>
+              <a:t> ROC</a:t>
+            </a:r>
+            <a:r>
+              <a:rPr lang="ko-KR" altLang="en-US" sz="2400" b="1" dirty="0">
+                <a:latin typeface="+mj-ea"/>
+                <a:ea typeface="+mj-ea"/>
+              </a:rPr>
+              <a:t>곡선 실험 코드</a:t>
+            </a:r>
+            <a:endParaRPr lang="en-US" altLang="ko-KR" sz="2400" b="1" dirty="0">
+              <a:latin typeface="+mj-ea"/>
+              <a:ea typeface="+mj-ea"/>
+            </a:endParaRPr>
+          </a:p>
+        </p:txBody>
+      </p:sp>
+      <p:sp>
+        <p:nvSpPr>
+          <p:cNvPr id="1026" name="Rectangle 2"/>
+          <p:cNvSpPr>
+            <a:spLocks noChangeArrowheads="1"/>
+          </p:cNvSpPr>
+          <p:nvPr/>
+        </p:nvSpPr>
+        <p:spPr bwMode="auto">
+          <a:xfrm>
+            <a:off x="0" y="43934"/>
+            <a:ext cx="184731" cy="369332"/>
+          </a:xfrm>
+          <a:prstGeom prst="rect">
+            <a:avLst/>
+          </a:prstGeom>
+          <a:noFill/>
+          <a:ln w="9525">
+            <a:noFill/>
+            <a:miter lim="800000"/>
+            <a:headEnd/>
+            <a:tailEnd/>
+          </a:ln>
+          <a:effectLst/>
+        </p:spPr>
+        <p:txBody>
+          <a:bodyPr vert="horz" wrap="none" lIns="91440" tIns="45720" rIns="91440" bIns="45720" numCol="1" anchor="ctr" anchorCtr="0" compatLnSpc="1">
+            <a:prstTxWarp prst="textNoShape">
+              <a:avLst/>
+            </a:prstTxWarp>
+            <a:spAutoFit/>
+          </a:bodyPr>
+          <a:lstStyle/>
+          <a:p>
+            <a:endParaRPr lang="ko-KR" altLang="en-US">
+              <a:latin typeface="+mj-ea"/>
+              <a:ea typeface="+mj-ea"/>
+            </a:endParaRPr>
+          </a:p>
+        </p:txBody>
+      </p:sp>
+      <p:sp>
+        <p:nvSpPr>
+          <p:cNvPr id="6" name="슬라이드 번호 개체 틀 2">
+            <a:extLst>
+              <a:ext uri="{FF2B5EF4-FFF2-40B4-BE49-F238E27FC236}">
+                <a16:creationId xmlns:a16="http://schemas.microsoft.com/office/drawing/2014/main" id="{273CF472-7DAD-47FE-9571-09EA0EFB61E1}"/>
+              </a:ext>
+            </a:extLst>
+          </p:cNvPr>
+          <p:cNvSpPr>
+            <a:spLocks noGrp="1"/>
+          </p:cNvSpPr>
+          <p:nvPr>
+            <p:ph type="sldNum" sz="quarter" idx="12"/>
+          </p:nvPr>
+        </p:nvSpPr>
+        <p:spPr>
+          <a:xfrm>
+            <a:off x="6553200" y="6448251"/>
+            <a:ext cx="2133600" cy="365125"/>
+          </a:xfrm>
+        </p:spPr>
+        <p:txBody>
+          <a:bodyPr/>
+          <a:lstStyle/>
+          <a:p>
+            <a:fld id="{0CDDD91B-D59A-43E0-9831-FA9EFD7B6536}" type="slidenum">
+              <a:rPr lang="ko-KR" altLang="en-US" smtClean="0"/>
+              <a:pPr/>
+              <a:t>15</a:t>
+            </a:fld>
+            <a:endParaRPr lang="ko-KR" altLang="en-US" dirty="0"/>
+          </a:p>
+        </p:txBody>
+      </p:sp>
+      <p:sp>
+        <p:nvSpPr>
+          <p:cNvPr id="11" name="Text Box 13">
+            <a:extLst>
+              <a:ext uri="{FF2B5EF4-FFF2-40B4-BE49-F238E27FC236}">
+                <a16:creationId xmlns:a16="http://schemas.microsoft.com/office/drawing/2014/main" id="{4C50B7D8-02C2-482D-A8BE-8EBED0CE98D0}"/>
+              </a:ext>
+            </a:extLst>
+          </p:cNvPr>
+          <p:cNvSpPr txBox="1">
+            <a:spLocks noChangeArrowheads="1"/>
+          </p:cNvSpPr>
+          <p:nvPr/>
+        </p:nvSpPr>
+        <p:spPr bwMode="auto">
+          <a:xfrm>
+            <a:off x="330200" y="92075"/>
+            <a:ext cx="7289800" cy="646331"/>
+          </a:xfrm>
+          <a:prstGeom prst="rect">
+            <a:avLst/>
+          </a:prstGeom>
+          <a:noFill/>
+          <a:ln w="9525">
+            <a:noFill/>
+            <a:miter lim="800000"/>
+            <a:headEnd/>
+            <a:tailEnd/>
+          </a:ln>
+        </p:spPr>
+        <p:txBody>
+          <a:bodyPr>
+            <a:spAutoFit/>
+          </a:bodyPr>
+          <a:lstStyle/>
+          <a:p>
+            <a:pPr eaLnBrk="0" fontAlgn="t" latinLnBrk="0" hangingPunct="0">
+              <a:spcBef>
+                <a:spcPct val="50000"/>
+              </a:spcBef>
+              <a:defRPr/>
+            </a:pPr>
+            <a:r>
+              <a:rPr lang="en-US" altLang="ko-KR" sz="3600" b="1" dirty="0">
+                <a:solidFill>
+                  <a:schemeClr val="bg1"/>
+                </a:solidFill>
+                <a:latin typeface="+mj-ea"/>
+              </a:rPr>
+              <a:t>ROC</a:t>
+            </a:r>
+            <a:r>
+              <a:rPr lang="ko-KR" altLang="en-US" sz="3600" b="1" dirty="0">
+                <a:solidFill>
+                  <a:schemeClr val="bg1"/>
+                </a:solidFill>
+                <a:latin typeface="+mj-ea"/>
+              </a:rPr>
+              <a:t>곡선 실험</a:t>
+            </a:r>
+          </a:p>
+        </p:txBody>
+      </p:sp>
+      <p:sp>
+        <p:nvSpPr>
+          <p:cNvPr id="2" name="직사각형 1">
+            <a:extLst>
+              <a:ext uri="{FF2B5EF4-FFF2-40B4-BE49-F238E27FC236}">
+                <a16:creationId xmlns:a16="http://schemas.microsoft.com/office/drawing/2014/main" id="{292BDCC0-31B2-4D56-A627-F5A1F7990CE7}"/>
+              </a:ext>
+            </a:extLst>
+          </p:cNvPr>
+          <p:cNvSpPr/>
+          <p:nvPr/>
+        </p:nvSpPr>
+        <p:spPr>
+          <a:xfrm>
+            <a:off x="827584" y="1563599"/>
+            <a:ext cx="7499865" cy="1289337"/>
+          </a:xfrm>
+          <a:prstGeom prst="rect">
+            <a:avLst/>
+          </a:prstGeom>
+          <a:solidFill>
+            <a:schemeClr val="bg1">
+              <a:lumMod val="85000"/>
+            </a:schemeClr>
+          </a:solidFill>
+          <a:ln>
+            <a:solidFill>
+              <a:schemeClr val="bg1">
+                <a:lumMod val="85000"/>
+              </a:schemeClr>
+            </a:solidFill>
+          </a:ln>
+        </p:spPr>
+        <p:style>
+          <a:lnRef idx="2">
+            <a:schemeClr val="accent1">
+              <a:shade val="50000"/>
+            </a:schemeClr>
+          </a:lnRef>
+          <a:fillRef idx="1">
+            <a:schemeClr val="accent1"/>
+          </a:fillRef>
+          <a:effectRef idx="0">
+            <a:schemeClr val="accent1"/>
+          </a:effectRef>
+          <a:fontRef idx="minor">
+            <a:schemeClr val="lt1"/>
+          </a:fontRef>
+        </p:style>
+        <p:txBody>
+          <a:bodyPr rtlCol="0" anchor="ctr"/>
+          <a:lstStyle/>
+          <a:p>
+            <a:pPr algn="ctr"/>
+            <a:endParaRPr lang="ko-KR" altLang="en-US"/>
+          </a:p>
+        </p:txBody>
+      </p:sp>
+      <p:sp>
+        <p:nvSpPr>
+          <p:cNvPr id="14" name="TextBox 13">
+            <a:extLst>
+              <a:ext uri="{FF2B5EF4-FFF2-40B4-BE49-F238E27FC236}">
+                <a16:creationId xmlns:a16="http://schemas.microsoft.com/office/drawing/2014/main" id="{732CFE51-7778-4965-AB44-54630EF29B1E}"/>
+              </a:ext>
+            </a:extLst>
+          </p:cNvPr>
+          <p:cNvSpPr txBox="1"/>
+          <p:nvPr/>
+        </p:nvSpPr>
+        <p:spPr>
+          <a:xfrm>
+            <a:off x="816551" y="1556792"/>
+            <a:ext cx="7510898" cy="1200329"/>
+          </a:xfrm>
+          <a:prstGeom prst="rect">
+            <a:avLst/>
+          </a:prstGeom>
+          <a:noFill/>
+        </p:spPr>
+        <p:txBody>
+          <a:bodyPr wrap="square" rtlCol="0">
+            <a:spAutoFit/>
+          </a:bodyPr>
+          <a:lstStyle/>
+          <a:p>
+            <a:pPr marL="285750" indent="-285750">
+              <a:buFont typeface="Wingdings" panose="05000000000000000000" pitchFamily="2" charset="2"/>
+              <a:buChar char="§"/>
+            </a:pPr>
+            <a:r>
+              <a:rPr lang="en-US" altLang="ko-KR" dirty="0"/>
+              <a:t>ROC</a:t>
+            </a:r>
+            <a:r>
+              <a:rPr lang="ko-KR" altLang="en-US" dirty="0"/>
+              <a:t>곡선을 그리기 위한 전체적인 코드</a:t>
+            </a:r>
+            <a:endParaRPr lang="en-US" altLang="ko-KR" dirty="0"/>
+          </a:p>
+          <a:p>
+            <a:pPr marL="285750" indent="-285750">
+              <a:buFont typeface="Wingdings" panose="05000000000000000000" pitchFamily="2" charset="2"/>
+              <a:buChar char="§"/>
+            </a:pPr>
+            <a:r>
+              <a:rPr lang="ko-KR" altLang="en-US" dirty="0"/>
+              <a:t>모델에 </a:t>
+            </a:r>
+            <a:r>
+              <a:rPr lang="en-US" altLang="ko-KR" dirty="0"/>
+              <a:t>test data</a:t>
+            </a:r>
+            <a:r>
+              <a:rPr lang="ko-KR" altLang="en-US" dirty="0"/>
+              <a:t>를 입력하여 신경망 모델의 결과를 얻음</a:t>
+            </a:r>
+            <a:endParaRPr lang="en-US" altLang="ko-KR" dirty="0"/>
+          </a:p>
+          <a:p>
+            <a:pPr marL="285750" indent="-285750">
+              <a:buFont typeface="Wingdings" panose="05000000000000000000" pitchFamily="2" charset="2"/>
+              <a:buChar char="§"/>
+            </a:pPr>
+            <a:r>
+              <a:rPr lang="en-US" altLang="ko-KR" dirty="0"/>
+              <a:t>ROC</a:t>
+            </a:r>
+            <a:r>
+              <a:rPr lang="ko-KR" altLang="en-US" dirty="0"/>
+              <a:t>곡선을 그리기 위해 데이터 </a:t>
+            </a:r>
+            <a:r>
+              <a:rPr lang="ko-KR" altLang="en-US" dirty="0" err="1"/>
+              <a:t>전처리</a:t>
+            </a:r>
+            <a:endParaRPr lang="en-US" altLang="ko-KR" dirty="0"/>
+          </a:p>
+          <a:p>
+            <a:pPr marL="285750" indent="-285750">
+              <a:buFont typeface="Wingdings" panose="05000000000000000000" pitchFamily="2" charset="2"/>
+              <a:buChar char="§"/>
+            </a:pPr>
+            <a:r>
+              <a:rPr lang="ko-KR" altLang="en-US" dirty="0"/>
+              <a:t>전처리한 </a:t>
+            </a:r>
+            <a:r>
+              <a:rPr lang="en-US" altLang="ko-KR" dirty="0"/>
+              <a:t>test data</a:t>
+            </a:r>
+            <a:r>
+              <a:rPr lang="ko-KR" altLang="en-US" dirty="0"/>
+              <a:t>와 </a:t>
+            </a:r>
+            <a:r>
+              <a:rPr lang="en-US" altLang="ko-KR" dirty="0"/>
+              <a:t>test label</a:t>
+            </a:r>
+            <a:r>
+              <a:rPr lang="ko-KR" altLang="en-US" dirty="0"/>
+              <a:t>을 이용하여 </a:t>
+            </a:r>
+            <a:r>
+              <a:rPr lang="en-US" altLang="ko-KR" dirty="0"/>
+              <a:t>ROC</a:t>
+            </a:r>
+            <a:r>
+              <a:rPr lang="ko-KR" altLang="en-US" dirty="0"/>
+              <a:t>곡선을 그림</a:t>
+            </a:r>
+            <a:endParaRPr lang="en-US" altLang="ko-KR" dirty="0"/>
+          </a:p>
+        </p:txBody>
+      </p:sp>
+      <p:pic>
+        <p:nvPicPr>
+          <p:cNvPr id="4" name="그림 3">
+            <a:extLst>
+              <a:ext uri="{FF2B5EF4-FFF2-40B4-BE49-F238E27FC236}">
+                <a16:creationId xmlns:a16="http://schemas.microsoft.com/office/drawing/2014/main" id="{8087AD0A-C552-4E88-85AE-9B1FED43002A}"/>
+              </a:ext>
+            </a:extLst>
+          </p:cNvPr>
+          <p:cNvPicPr>
+            <a:picLocks noChangeAspect="1"/>
+          </p:cNvPicPr>
+          <p:nvPr/>
+        </p:nvPicPr>
+        <p:blipFill>
+          <a:blip r:embed="rId3"/>
+          <a:stretch>
+            <a:fillRect/>
+          </a:stretch>
+        </p:blipFill>
+        <p:spPr>
+          <a:xfrm>
+            <a:off x="3095836" y="2924944"/>
+            <a:ext cx="2952328" cy="3434980"/>
+          </a:xfrm>
+          <a:prstGeom prst="rect">
+            <a:avLst/>
+          </a:prstGeom>
+        </p:spPr>
+      </p:pic>
+    </p:spTree>
+    <p:extLst>
+      <p:ext uri="{BB962C8B-B14F-4D97-AF65-F5344CB8AC3E}">
+        <p14:creationId xmlns:p14="http://schemas.microsoft.com/office/powerpoint/2010/main" val="931952981"/>
+      </p:ext>
+    </p:extLst>
+  </p:cSld>
+  <p:clrMapOvr>
+    <a:masterClrMapping/>
+  </p:clrMapOvr>
+  <p:transition>
+    <p:fade/>
+  </p:transition>
+</p:sld>
+</file>
+
+<file path=ppt/slides/slide16.xml><?xml version="1.0" encoding="utf-8"?>
+<p:sld xmlns:a="http://schemas.openxmlformats.org/drawingml/2006/main" xmlns:r="http://schemas.openxmlformats.org/officeDocument/2006/relationships" xmlns:p="http://schemas.openxmlformats.org/presentationml/2006/main">
+  <p:cSld>
+    <p:spTree>
+      <p:nvGrpSpPr>
+        <p:cNvPr id="1" name=""/>
+        <p:cNvGrpSpPr/>
+        <p:nvPr/>
+      </p:nvGrpSpPr>
+      <p:grpSpPr>
+        <a:xfrm>
+          <a:off x="0" y="0"/>
+          <a:ext cx="0" cy="0"/>
+          <a:chOff x="0" y="0"/>
+          <a:chExt cx="0" cy="0"/>
+        </a:xfrm>
+      </p:grpSpPr>
+      <p:sp>
+        <p:nvSpPr>
+          <p:cNvPr id="9" name="TextBox 8"/>
+          <p:cNvSpPr txBox="1"/>
+          <p:nvPr/>
+        </p:nvSpPr>
+        <p:spPr>
+          <a:xfrm>
+            <a:off x="357158" y="867191"/>
+            <a:ext cx="8429684" cy="574966"/>
+          </a:xfrm>
+          <a:prstGeom prst="rect">
+            <a:avLst/>
+          </a:prstGeom>
+          <a:noFill/>
+        </p:spPr>
+        <p:txBody>
+          <a:bodyPr wrap="square" rtlCol="0">
+            <a:spAutoFit/>
+          </a:bodyPr>
+          <a:lstStyle/>
+          <a:p>
+            <a:pPr>
+              <a:lnSpc>
+                <a:spcPct val="150000"/>
+              </a:lnSpc>
+              <a:buFont typeface="Wingdings" pitchFamily="2" charset="2"/>
+              <a:buChar char="§"/>
+            </a:pPr>
+            <a:r>
+              <a:rPr lang="en-US" altLang="ko-KR" sz="2400" b="1" dirty="0">
+                <a:latin typeface="+mj-ea"/>
+                <a:ea typeface="+mj-ea"/>
+              </a:rPr>
+              <a:t> ROC</a:t>
+            </a:r>
+            <a:r>
+              <a:rPr lang="ko-KR" altLang="en-US" sz="2400" b="1" dirty="0">
+                <a:latin typeface="+mj-ea"/>
+                <a:ea typeface="+mj-ea"/>
+              </a:rPr>
+              <a:t>곡선</a:t>
+            </a:r>
+            <a:endParaRPr lang="en-US" altLang="ko-KR" sz="2400" b="1" dirty="0">
+              <a:latin typeface="+mj-ea"/>
+              <a:ea typeface="+mj-ea"/>
+            </a:endParaRPr>
+          </a:p>
+        </p:txBody>
+      </p:sp>
+      <p:sp>
+        <p:nvSpPr>
+          <p:cNvPr id="1026" name="Rectangle 2"/>
+          <p:cNvSpPr>
+            <a:spLocks noChangeArrowheads="1"/>
+          </p:cNvSpPr>
+          <p:nvPr/>
+        </p:nvSpPr>
+        <p:spPr bwMode="auto">
+          <a:xfrm>
+            <a:off x="0" y="43934"/>
+            <a:ext cx="184731" cy="369332"/>
+          </a:xfrm>
+          <a:prstGeom prst="rect">
+            <a:avLst/>
+          </a:prstGeom>
+          <a:noFill/>
+          <a:ln w="9525">
+            <a:noFill/>
+            <a:miter lim="800000"/>
+            <a:headEnd/>
+            <a:tailEnd/>
+          </a:ln>
+          <a:effectLst/>
+        </p:spPr>
+        <p:txBody>
+          <a:bodyPr vert="horz" wrap="none" lIns="91440" tIns="45720" rIns="91440" bIns="45720" numCol="1" anchor="ctr" anchorCtr="0" compatLnSpc="1">
+            <a:prstTxWarp prst="textNoShape">
+              <a:avLst/>
+            </a:prstTxWarp>
+            <a:spAutoFit/>
+          </a:bodyPr>
+          <a:lstStyle/>
+          <a:p>
+            <a:endParaRPr lang="ko-KR" altLang="en-US">
+              <a:latin typeface="+mj-ea"/>
+              <a:ea typeface="+mj-ea"/>
+            </a:endParaRPr>
+          </a:p>
+        </p:txBody>
+      </p:sp>
+      <p:sp>
+        <p:nvSpPr>
+          <p:cNvPr id="6" name="슬라이드 번호 개체 틀 2">
+            <a:extLst>
+              <a:ext uri="{FF2B5EF4-FFF2-40B4-BE49-F238E27FC236}">
+                <a16:creationId xmlns:a16="http://schemas.microsoft.com/office/drawing/2014/main" id="{273CF472-7DAD-47FE-9571-09EA0EFB61E1}"/>
+              </a:ext>
+            </a:extLst>
+          </p:cNvPr>
+          <p:cNvSpPr>
+            <a:spLocks noGrp="1"/>
+          </p:cNvSpPr>
+          <p:nvPr>
+            <p:ph type="sldNum" sz="quarter" idx="12"/>
+          </p:nvPr>
+        </p:nvSpPr>
+        <p:spPr>
+          <a:xfrm>
+            <a:off x="6553200" y="6448251"/>
+            <a:ext cx="2133600" cy="365125"/>
+          </a:xfrm>
+        </p:spPr>
+        <p:txBody>
+          <a:bodyPr/>
+          <a:lstStyle/>
+          <a:p>
+            <a:fld id="{0CDDD91B-D59A-43E0-9831-FA9EFD7B6536}" type="slidenum">
+              <a:rPr lang="ko-KR" altLang="en-US" smtClean="0"/>
+              <a:pPr/>
+              <a:t>16</a:t>
+            </a:fld>
+            <a:endParaRPr lang="ko-KR" altLang="en-US" dirty="0"/>
+          </a:p>
+        </p:txBody>
+      </p:sp>
+      <p:sp>
+        <p:nvSpPr>
+          <p:cNvPr id="11" name="Text Box 13">
+            <a:extLst>
+              <a:ext uri="{FF2B5EF4-FFF2-40B4-BE49-F238E27FC236}">
+                <a16:creationId xmlns:a16="http://schemas.microsoft.com/office/drawing/2014/main" id="{4C50B7D8-02C2-482D-A8BE-8EBED0CE98D0}"/>
+              </a:ext>
+            </a:extLst>
+          </p:cNvPr>
+          <p:cNvSpPr txBox="1">
+            <a:spLocks noChangeArrowheads="1"/>
+          </p:cNvSpPr>
+          <p:nvPr/>
+        </p:nvSpPr>
+        <p:spPr bwMode="auto">
+          <a:xfrm>
+            <a:off x="330200" y="92075"/>
+            <a:ext cx="7289800" cy="646331"/>
+          </a:xfrm>
+          <a:prstGeom prst="rect">
+            <a:avLst/>
+          </a:prstGeom>
+          <a:noFill/>
+          <a:ln w="9525">
+            <a:noFill/>
+            <a:miter lim="800000"/>
+            <a:headEnd/>
+            <a:tailEnd/>
+          </a:ln>
+        </p:spPr>
+        <p:txBody>
+          <a:bodyPr>
+            <a:spAutoFit/>
+          </a:bodyPr>
+          <a:lstStyle/>
+          <a:p>
+            <a:pPr eaLnBrk="0" fontAlgn="t" latinLnBrk="0" hangingPunct="0">
+              <a:spcBef>
+                <a:spcPct val="50000"/>
+              </a:spcBef>
+              <a:defRPr/>
+            </a:pPr>
+            <a:r>
+              <a:rPr lang="en-US" altLang="ko-KR" sz="3600" b="1" dirty="0">
+                <a:solidFill>
+                  <a:schemeClr val="bg1"/>
+                </a:solidFill>
+                <a:latin typeface="+mj-ea"/>
+              </a:rPr>
+              <a:t>ROC</a:t>
+            </a:r>
+            <a:r>
+              <a:rPr lang="ko-KR" altLang="en-US" sz="3600" b="1" dirty="0">
+                <a:solidFill>
+                  <a:schemeClr val="bg1"/>
+                </a:solidFill>
+                <a:latin typeface="+mj-ea"/>
+              </a:rPr>
+              <a:t>곡선 실험</a:t>
+            </a:r>
+          </a:p>
+        </p:txBody>
+      </p:sp>
+      <p:sp>
+        <p:nvSpPr>
+          <p:cNvPr id="2" name="직사각형 1">
+            <a:extLst>
+              <a:ext uri="{FF2B5EF4-FFF2-40B4-BE49-F238E27FC236}">
+                <a16:creationId xmlns:a16="http://schemas.microsoft.com/office/drawing/2014/main" id="{292BDCC0-31B2-4D56-A627-F5A1F7990CE7}"/>
+              </a:ext>
+            </a:extLst>
+          </p:cNvPr>
+          <p:cNvSpPr/>
+          <p:nvPr/>
+        </p:nvSpPr>
+        <p:spPr>
+          <a:xfrm>
+            <a:off x="827584" y="1563600"/>
+            <a:ext cx="7499865" cy="1218588"/>
+          </a:xfrm>
+          <a:prstGeom prst="rect">
+            <a:avLst/>
+          </a:prstGeom>
+          <a:solidFill>
+            <a:schemeClr val="bg1">
+              <a:lumMod val="85000"/>
+            </a:schemeClr>
+          </a:solidFill>
+          <a:ln>
+            <a:solidFill>
+              <a:schemeClr val="bg1">
+                <a:lumMod val="85000"/>
+              </a:schemeClr>
+            </a:solidFill>
+          </a:ln>
+        </p:spPr>
+        <p:style>
+          <a:lnRef idx="2">
+            <a:schemeClr val="accent1">
+              <a:shade val="50000"/>
+            </a:schemeClr>
+          </a:lnRef>
+          <a:fillRef idx="1">
+            <a:schemeClr val="accent1"/>
+          </a:fillRef>
+          <a:effectRef idx="0">
+            <a:schemeClr val="accent1"/>
+          </a:effectRef>
+          <a:fontRef idx="minor">
+            <a:schemeClr val="lt1"/>
+          </a:fontRef>
+        </p:style>
+        <p:txBody>
+          <a:bodyPr rtlCol="0" anchor="ctr"/>
+          <a:lstStyle/>
+          <a:p>
+            <a:pPr algn="ctr"/>
+            <a:endParaRPr lang="ko-KR" altLang="en-US"/>
+          </a:p>
+        </p:txBody>
+      </p:sp>
+      <p:sp>
+        <p:nvSpPr>
+          <p:cNvPr id="14" name="TextBox 13">
+            <a:extLst>
+              <a:ext uri="{FF2B5EF4-FFF2-40B4-BE49-F238E27FC236}">
+                <a16:creationId xmlns:a16="http://schemas.microsoft.com/office/drawing/2014/main" id="{732CFE51-7778-4965-AB44-54630EF29B1E}"/>
+              </a:ext>
+            </a:extLst>
+          </p:cNvPr>
+          <p:cNvSpPr txBox="1"/>
+          <p:nvPr/>
+        </p:nvSpPr>
+        <p:spPr>
+          <a:xfrm>
+            <a:off x="816551" y="1556792"/>
+            <a:ext cx="7510898" cy="923330"/>
+          </a:xfrm>
+          <a:prstGeom prst="rect">
+            <a:avLst/>
+          </a:prstGeom>
+          <a:noFill/>
+        </p:spPr>
+        <p:txBody>
+          <a:bodyPr wrap="square" rtlCol="0">
+            <a:spAutoFit/>
+          </a:bodyPr>
+          <a:lstStyle/>
+          <a:p>
+            <a:pPr marL="285750" indent="-285750">
+              <a:buFont typeface="Wingdings" panose="05000000000000000000" pitchFamily="2" charset="2"/>
+              <a:buChar char="§"/>
+            </a:pPr>
+            <a:r>
+              <a:rPr lang="en-US" altLang="ko-KR" dirty="0"/>
+              <a:t>Training</a:t>
+            </a:r>
+            <a:r>
+              <a:rPr lang="ko-KR" altLang="en-US" dirty="0"/>
+              <a:t> 과정에서 가장 높은 정확도를 보인 모델의 학습과 검증 데이터의 손실 및 정확도와 모델의 구조</a:t>
+            </a:r>
+            <a:r>
+              <a:rPr lang="en-US" altLang="ko-KR" dirty="0"/>
+              <a:t>(summary), ROC</a:t>
+            </a:r>
+            <a:r>
+              <a:rPr lang="ko-KR" altLang="en-US" dirty="0"/>
+              <a:t>곡선</a:t>
+            </a:r>
+            <a:endParaRPr lang="en-US" altLang="ko-KR" dirty="0"/>
+          </a:p>
+          <a:p>
+            <a:pPr marL="285750" indent="-285750">
+              <a:buFont typeface="Wingdings" panose="05000000000000000000" pitchFamily="2" charset="2"/>
+              <a:buChar char="§"/>
+            </a:pPr>
+            <a:r>
+              <a:rPr lang="ko-KR" altLang="en-US" dirty="0"/>
+              <a:t>높은 수준으로 눈 깜빡임 데이터와 </a:t>
+            </a:r>
+            <a:r>
+              <a:rPr lang="ko-KR" altLang="en-US" dirty="0" err="1"/>
+              <a:t>잡파를</a:t>
+            </a:r>
+            <a:r>
+              <a:rPr lang="ko-KR" altLang="en-US" dirty="0"/>
+              <a:t> 분리하는 것을 볼 수 있음</a:t>
+            </a:r>
+            <a:endParaRPr lang="en-US" altLang="ko-KR" dirty="0"/>
+          </a:p>
+        </p:txBody>
+      </p:sp>
+      <p:pic>
+        <p:nvPicPr>
+          <p:cNvPr id="4" name="그림 3">
+            <a:extLst>
+              <a:ext uri="{FF2B5EF4-FFF2-40B4-BE49-F238E27FC236}">
+                <a16:creationId xmlns:a16="http://schemas.microsoft.com/office/drawing/2014/main" id="{E57872D3-A09A-413D-B676-4A2B1882AF4D}"/>
+              </a:ext>
+            </a:extLst>
+          </p:cNvPr>
+          <p:cNvPicPr>
+            <a:picLocks noChangeAspect="1"/>
+          </p:cNvPicPr>
+          <p:nvPr/>
+        </p:nvPicPr>
+        <p:blipFill>
+          <a:blip r:embed="rId3"/>
+          <a:stretch>
+            <a:fillRect/>
+          </a:stretch>
+        </p:blipFill>
+        <p:spPr>
+          <a:xfrm>
+            <a:off x="816551" y="3429000"/>
+            <a:ext cx="4208160" cy="2025606"/>
+          </a:xfrm>
+          <a:prstGeom prst="rect">
+            <a:avLst/>
+          </a:prstGeom>
+        </p:spPr>
+      </p:pic>
+      <p:pic>
+        <p:nvPicPr>
+          <p:cNvPr id="7" name="그림 6">
+            <a:extLst>
+              <a:ext uri="{FF2B5EF4-FFF2-40B4-BE49-F238E27FC236}">
+                <a16:creationId xmlns:a16="http://schemas.microsoft.com/office/drawing/2014/main" id="{046BCEC7-642A-49C3-8D5B-381F8E7358EC}"/>
+              </a:ext>
+            </a:extLst>
+          </p:cNvPr>
+          <p:cNvPicPr>
+            <a:picLocks noChangeAspect="1"/>
+          </p:cNvPicPr>
+          <p:nvPr/>
+        </p:nvPicPr>
+        <p:blipFill>
+          <a:blip r:embed="rId4"/>
+          <a:stretch>
+            <a:fillRect/>
+          </a:stretch>
+        </p:blipFill>
+        <p:spPr>
+          <a:xfrm>
+            <a:off x="3267028" y="3813739"/>
+            <a:ext cx="2609943" cy="1584175"/>
+          </a:xfrm>
+          <a:prstGeom prst="rect">
+            <a:avLst/>
+          </a:prstGeom>
+        </p:spPr>
+      </p:pic>
+      <p:pic>
+        <p:nvPicPr>
+          <p:cNvPr id="10" name="그림 9">
+            <a:extLst>
+              <a:ext uri="{FF2B5EF4-FFF2-40B4-BE49-F238E27FC236}">
+                <a16:creationId xmlns:a16="http://schemas.microsoft.com/office/drawing/2014/main" id="{1ABD90C3-EC3E-41C5-BDEB-CF4D301C7819}"/>
+              </a:ext>
+            </a:extLst>
+          </p:cNvPr>
+          <p:cNvPicPr>
+            <a:picLocks noChangeAspect="1"/>
+          </p:cNvPicPr>
+          <p:nvPr/>
+        </p:nvPicPr>
+        <p:blipFill>
+          <a:blip r:embed="rId5"/>
+          <a:stretch>
+            <a:fillRect/>
+          </a:stretch>
+        </p:blipFill>
+        <p:spPr>
+          <a:xfrm>
+            <a:off x="6012160" y="3669723"/>
+            <a:ext cx="2609944" cy="1834192"/>
+          </a:xfrm>
+          <a:prstGeom prst="rect">
+            <a:avLst/>
+          </a:prstGeom>
+        </p:spPr>
+      </p:pic>
+      <p:sp>
+        <p:nvSpPr>
+          <p:cNvPr id="15" name="TextBox 14">
+            <a:extLst>
+              <a:ext uri="{FF2B5EF4-FFF2-40B4-BE49-F238E27FC236}">
+                <a16:creationId xmlns:a16="http://schemas.microsoft.com/office/drawing/2014/main" id="{E51EA0BB-5E37-488F-92FF-26BE5110FADE}"/>
+              </a:ext>
+            </a:extLst>
+          </p:cNvPr>
+          <p:cNvSpPr txBox="1"/>
+          <p:nvPr/>
+        </p:nvSpPr>
+        <p:spPr>
+          <a:xfrm>
+            <a:off x="1126935" y="5645595"/>
+            <a:ext cx="1800200" cy="307777"/>
+          </a:xfrm>
+          <a:prstGeom prst="rect">
+            <a:avLst/>
+          </a:prstGeom>
+          <a:noFill/>
+        </p:spPr>
+        <p:txBody>
+          <a:bodyPr wrap="square" rtlCol="0">
+            <a:spAutoFit/>
+          </a:bodyPr>
+          <a:lstStyle/>
+          <a:p>
+            <a:pPr algn="ctr"/>
+            <a:r>
+              <a:rPr lang="en-US" altLang="ko-KR" sz="1400" b="1" dirty="0" err="1"/>
+              <a:t>Model.summary</a:t>
+            </a:r>
+            <a:r>
+              <a:rPr lang="en-US" altLang="ko-KR" sz="1400" b="1" dirty="0"/>
+              <a:t>()</a:t>
+            </a:r>
+            <a:endParaRPr lang="ko-KR" altLang="en-US" sz="1400" b="1" dirty="0"/>
+          </a:p>
+        </p:txBody>
+      </p:sp>
+      <p:sp>
+        <p:nvSpPr>
+          <p:cNvPr id="16" name="TextBox 15">
+            <a:extLst>
+              <a:ext uri="{FF2B5EF4-FFF2-40B4-BE49-F238E27FC236}">
+                <a16:creationId xmlns:a16="http://schemas.microsoft.com/office/drawing/2014/main" id="{CF909ADE-6870-411D-B5FA-7AD88B528A03}"/>
+              </a:ext>
+            </a:extLst>
+          </p:cNvPr>
+          <p:cNvSpPr txBox="1"/>
+          <p:nvPr/>
+        </p:nvSpPr>
+        <p:spPr>
+          <a:xfrm>
+            <a:off x="3635896" y="5645595"/>
+            <a:ext cx="1800200" cy="307777"/>
+          </a:xfrm>
+          <a:prstGeom prst="rect">
+            <a:avLst/>
+          </a:prstGeom>
+          <a:noFill/>
+        </p:spPr>
+        <p:txBody>
+          <a:bodyPr wrap="square" rtlCol="0">
+            <a:spAutoFit/>
+          </a:bodyPr>
+          <a:lstStyle/>
+          <a:p>
+            <a:pPr algn="ctr"/>
+            <a:r>
+              <a:rPr lang="en-US" altLang="ko-KR" sz="1400" b="1" dirty="0"/>
+              <a:t>Model overfitting</a:t>
+            </a:r>
+            <a:endParaRPr lang="ko-KR" altLang="en-US" sz="1400" b="1" dirty="0"/>
+          </a:p>
+        </p:txBody>
+      </p:sp>
+      <p:sp>
+        <p:nvSpPr>
+          <p:cNvPr id="17" name="TextBox 16">
+            <a:extLst>
+              <a:ext uri="{FF2B5EF4-FFF2-40B4-BE49-F238E27FC236}">
+                <a16:creationId xmlns:a16="http://schemas.microsoft.com/office/drawing/2014/main" id="{38DF826E-F409-4F51-B34D-9F4136F131A3}"/>
+              </a:ext>
+            </a:extLst>
+          </p:cNvPr>
+          <p:cNvSpPr txBox="1"/>
+          <p:nvPr/>
+        </p:nvSpPr>
+        <p:spPr>
+          <a:xfrm>
+            <a:off x="6520840" y="5647083"/>
+            <a:ext cx="1800200" cy="307777"/>
+          </a:xfrm>
+          <a:prstGeom prst="rect">
+            <a:avLst/>
+          </a:prstGeom>
+          <a:noFill/>
+        </p:spPr>
+        <p:txBody>
+          <a:bodyPr wrap="square" rtlCol="0">
+            <a:spAutoFit/>
+          </a:bodyPr>
+          <a:lstStyle/>
+          <a:p>
+            <a:pPr algn="ctr"/>
+            <a:r>
+              <a:rPr lang="en-US" altLang="ko-KR" sz="1400" b="1" dirty="0"/>
+              <a:t>ROC </a:t>
+            </a:r>
+            <a:r>
+              <a:rPr lang="ko-KR" altLang="en-US" sz="1400" b="1" dirty="0"/>
+              <a:t>곡선</a:t>
+            </a:r>
+          </a:p>
+        </p:txBody>
+      </p:sp>
+    </p:spTree>
+    <p:extLst>
+      <p:ext uri="{BB962C8B-B14F-4D97-AF65-F5344CB8AC3E}">
+        <p14:creationId xmlns:p14="http://schemas.microsoft.com/office/powerpoint/2010/main" val="256283085"/>
+      </p:ext>
+    </p:extLst>
+  </p:cSld>
+  <p:clrMapOvr>
+    <a:masterClrMapping/>
+  </p:clrMapOvr>
+  <p:transition>
+    <p:fade/>
+  </p:transition>
+</p:sld>
+</file>
+
 <file path=ppt/slides/slide2.xml><?xml version="1.0" encoding="utf-8"?>
 <p:sld xmlns:a="http://schemas.openxmlformats.org/drawingml/2006/main" xmlns:r="http://schemas.openxmlformats.org/officeDocument/2006/relationships" xmlns:p="http://schemas.openxmlformats.org/presentationml/2006/main">
   <p:cSld>
@@ -6204,6 +11646,141 @@
               <a:extLst>
                 <a:ext uri="{FF2B5EF4-FFF2-40B4-BE49-F238E27FC236}">
                   <a16:creationId xmlns:a16="http://schemas.microsoft.com/office/drawing/2014/main" id="{FD23A468-AAB2-4735-9485-E3EDECE155F9}"/>
+                </a:ext>
+              </a:extLst>
+            </p:cNvPr>
+            <p:cNvPicPr>
+              <a:picLocks noChangeAspect="1" noChangeArrowheads="1"/>
+            </p:cNvPicPr>
+            <p:nvPr/>
+          </p:nvPicPr>
+          <p:blipFill>
+            <a:blip r:embed="rId2"/>
+            <a:srcRect/>
+            <a:stretch>
+              <a:fillRect/>
+            </a:stretch>
+          </p:blipFill>
+          <p:spPr bwMode="auto">
+            <a:xfrm>
+              <a:off x="1403040" y="3084029"/>
+              <a:ext cx="301625" cy="307975"/>
+            </a:xfrm>
+            <a:prstGeom prst="rect">
+              <a:avLst/>
+            </a:prstGeom>
+            <a:noFill/>
+            <a:ln w="9525">
+              <a:noFill/>
+              <a:miter lim="800000"/>
+              <a:headEnd/>
+              <a:tailEnd/>
+            </a:ln>
+          </p:spPr>
+        </p:pic>
+      </p:grpSp>
+      <p:grpSp>
+        <p:nvGrpSpPr>
+          <p:cNvPr id="13" name="그룹 12">
+            <a:extLst>
+              <a:ext uri="{FF2B5EF4-FFF2-40B4-BE49-F238E27FC236}">
+                <a16:creationId xmlns:a16="http://schemas.microsoft.com/office/drawing/2014/main" id="{297FAA5C-899F-48DE-B8BA-36B78BEE2ECE}"/>
+              </a:ext>
+            </a:extLst>
+          </p:cNvPr>
+          <p:cNvGrpSpPr/>
+          <p:nvPr/>
+        </p:nvGrpSpPr>
+        <p:grpSpPr>
+          <a:xfrm>
+            <a:off x="1115616" y="3656572"/>
+            <a:ext cx="6697352" cy="503237"/>
+            <a:chOff x="1403040" y="2968655"/>
+            <a:chExt cx="6697352" cy="503237"/>
+          </a:xfrm>
+        </p:grpSpPr>
+        <p:sp>
+          <p:nvSpPr>
+            <p:cNvPr id="16" name="Rectangle 11">
+              <a:extLst>
+                <a:ext uri="{FF2B5EF4-FFF2-40B4-BE49-F238E27FC236}">
+                  <a16:creationId xmlns:a16="http://schemas.microsoft.com/office/drawing/2014/main" id="{E954603C-DA04-42B3-B2B7-4666D8B9BFC0}"/>
+                </a:ext>
+              </a:extLst>
+            </p:cNvPr>
+            <p:cNvSpPr>
+              <a:spLocks noChangeArrowheads="1"/>
+            </p:cNvSpPr>
+            <p:nvPr/>
+          </p:nvSpPr>
+          <p:spPr bwMode="auto">
+            <a:xfrm>
+              <a:off x="1815424" y="2968655"/>
+              <a:ext cx="6284968" cy="503237"/>
+            </a:xfrm>
+            <a:prstGeom prst="rect">
+              <a:avLst/>
+            </a:prstGeom>
+            <a:solidFill>
+              <a:srgbClr val="000066"/>
+            </a:solidFill>
+            <a:ln w="12700">
+              <a:solidFill>
+                <a:schemeClr val="bg1"/>
+              </a:solidFill>
+              <a:miter lim="800000"/>
+              <a:headEnd/>
+              <a:tailEnd/>
+            </a:ln>
+            <a:effectLst>
+              <a:outerShdw dist="35921" dir="2700000" algn="ctr" rotWithShape="0">
+                <a:schemeClr val="bg2"/>
+              </a:outerShdw>
+            </a:effectLst>
+          </p:spPr>
+          <p:txBody>
+            <a:bodyPr wrap="none" anchor="ctr"/>
+            <a:lstStyle/>
+            <a:p>
+              <a:pPr eaLnBrk="0" fontAlgn="t" latinLnBrk="0" hangingPunct="0">
+                <a:spcBef>
+                  <a:spcPct val="50000"/>
+                </a:spcBef>
+                <a:defRPr/>
+              </a:pPr>
+              <a:r>
+                <a:rPr lang="en-US" altLang="ko-KR" b="1" dirty="0">
+                  <a:solidFill>
+                    <a:schemeClr val="bg1"/>
+                  </a:solidFill>
+                  <a:latin typeface="+mj-ea"/>
+                </a:rPr>
+                <a:t> ROC</a:t>
+              </a:r>
+              <a:r>
+                <a:rPr lang="ko-KR" altLang="en-US" b="1" dirty="0">
+                  <a:solidFill>
+                    <a:schemeClr val="bg1"/>
+                  </a:solidFill>
+                  <a:latin typeface="+mj-ea"/>
+                </a:rPr>
+                <a:t>곡선 실험</a:t>
+              </a:r>
+              <a:endParaRPr lang="en-US" altLang="ko-KR" b="1" dirty="0">
+                <a:solidFill>
+                  <a:schemeClr val="bg1"/>
+                </a:solidFill>
+                <a:latin typeface="+mj-ea"/>
+              </a:endParaRPr>
+            </a:p>
+          </p:txBody>
+        </p:sp>
+        <p:pic>
+          <p:nvPicPr>
+            <p:cNvPr id="17" name="Picture 12" descr="a11">
+              <a:extLst>
+                <a:ext uri="{FF2B5EF4-FFF2-40B4-BE49-F238E27FC236}">
+                  <a16:creationId xmlns:a16="http://schemas.microsoft.com/office/drawing/2014/main" id="{722F1188-BA9A-4AF2-9072-4040240826A2}"/>
                 </a:ext>
               </a:extLst>
             </p:cNvPr>
@@ -9428,66 +15005,70 @@
               <a:buChar char="§"/>
             </a:pPr>
             <a:r>
-              <a:rPr lang="ko-KR" altLang="en-US"/>
+              <a:rPr lang="ko-KR" altLang="en-US" dirty="0"/>
               <a:t>학습 데이터는 </a:t>
             </a:r>
             <a:r>
-              <a:rPr lang="en-US" altLang="ko-KR"/>
+              <a:rPr lang="en-US" altLang="ko-KR" dirty="0"/>
               <a:t>2</a:t>
             </a:r>
             <a:r>
-              <a:rPr lang="ko-KR" altLang="en-US"/>
+              <a:rPr lang="ko-KR" altLang="en-US" dirty="0"/>
               <a:t>명의 사용자의 눈 깜빡임 데이터 </a:t>
             </a:r>
             <a:r>
-              <a:rPr lang="en-US" altLang="ko-KR"/>
+              <a:rPr lang="en-US" altLang="ko-KR" dirty="0"/>
               <a:t>2500</a:t>
             </a:r>
             <a:r>
-              <a:rPr lang="ko-KR" altLang="en-US"/>
+              <a:rPr lang="ko-KR" altLang="en-US" dirty="0"/>
               <a:t>여개</a:t>
             </a:r>
             <a:r>
-              <a:rPr lang="en-US" altLang="ko-KR"/>
+              <a:rPr lang="en-US" altLang="ko-KR" dirty="0"/>
               <a:t>(850</a:t>
             </a:r>
             <a:r>
-              <a:rPr lang="ko-KR" altLang="en-US"/>
+              <a:rPr lang="ko-KR" altLang="en-US" dirty="0"/>
               <a:t>여개</a:t>
             </a:r>
             <a:r>
-              <a:rPr lang="en-US" altLang="ko-KR"/>
+              <a:rPr lang="en-US" altLang="ko-KR" dirty="0"/>
               <a:t>, 1550</a:t>
             </a:r>
             <a:r>
-              <a:rPr lang="ko-KR" altLang="en-US"/>
+              <a:rPr lang="ko-KR" altLang="en-US" dirty="0"/>
               <a:t>여개</a:t>
             </a:r>
             <a:r>
-              <a:rPr lang="en-US" altLang="ko-KR"/>
+              <a:rPr lang="en-US" altLang="ko-KR" dirty="0"/>
               <a:t>), </a:t>
             </a:r>
             <a:r>
-              <a:rPr lang="ko-KR" altLang="en-US"/>
-              <a:t>잡파 </a:t>
-            </a:r>
-            <a:r>
-              <a:rPr lang="en-US" altLang="ko-KR"/>
+              <a:rPr lang="ko-KR" altLang="en-US" dirty="0" err="1"/>
+              <a:t>잡파</a:t>
+            </a:r>
+            <a:r>
+              <a:rPr lang="ko-KR" altLang="en-US" dirty="0"/>
+              <a:t> </a:t>
+            </a:r>
+            <a:r>
+              <a:rPr lang="en-US" altLang="ko-KR" dirty="0"/>
               <a:t>900</a:t>
             </a:r>
             <a:r>
-              <a:rPr lang="ko-KR" altLang="en-US"/>
+              <a:rPr lang="ko-KR" altLang="en-US" dirty="0"/>
               <a:t>여개 총 </a:t>
             </a:r>
             <a:r>
-              <a:rPr lang="en-US" altLang="ko-KR"/>
+              <a:rPr lang="en-US" altLang="ko-KR" dirty="0"/>
               <a:t>3239</a:t>
             </a:r>
             <a:r>
-              <a:rPr lang="ko-KR" altLang="en-US"/>
+              <a:rPr lang="ko-KR" altLang="en-US" dirty="0"/>
               <a:t>개의 데이터 이용</a:t>
             </a:r>
-            <a:endParaRPr lang="en-US" altLang="ko-KR"/>
+            <a:endParaRPr lang="en-US" altLang="ko-KR" dirty="0"/>
           </a:p>
           <a:p>
             <a:pPr marL="285750" indent="-285750">
@@ -9495,14 +15076,14 @@
               <a:buChar char="§"/>
             </a:pPr>
             <a:r>
-              <a:rPr lang="en-US" altLang="ko-KR"/>
+              <a:rPr lang="en-US" altLang="ko-KR" dirty="0"/>
               <a:t>Fp1, Fp2</a:t>
             </a:r>
             <a:r>
-              <a:rPr lang="ko-KR" altLang="en-US"/>
+              <a:rPr lang="ko-KR" altLang="en-US" dirty="0"/>
               <a:t>에서 측정한 각각의 눈 깜빡임 데이터를 병합</a:t>
             </a:r>
-            <a:endParaRPr lang="en-US" altLang="ko-KR"/>
+            <a:endParaRPr lang="en-US" altLang="ko-KR" dirty="0"/>
           </a:p>
           <a:p>
             <a:pPr marL="285750" indent="-285750">
@@ -9510,43 +15091,43 @@
               <a:buChar char="§"/>
             </a:pPr>
             <a:r>
-              <a:rPr lang="ko-KR" altLang="en-US"/>
+              <a:rPr lang="ko-KR" altLang="en-US" dirty="0"/>
               <a:t>학습에 사용된 특징은 눈 깜박임에서 나타나는 </a:t>
             </a:r>
             <a:r>
-              <a:rPr lang="en-US" altLang="ko-KR"/>
+              <a:rPr lang="en-US" altLang="ko-KR" dirty="0"/>
               <a:t>10</a:t>
             </a:r>
             <a:r>
-              <a:rPr lang="ko-KR" altLang="en-US"/>
+              <a:rPr lang="ko-KR" altLang="en-US" dirty="0"/>
               <a:t>개의 특징과 눈 깜빡임 지속시간</a:t>
             </a:r>
             <a:r>
-              <a:rPr lang="en-US" altLang="ko-KR"/>
+              <a:rPr lang="en-US" altLang="ko-KR" dirty="0"/>
               <a:t>, </a:t>
             </a:r>
             <a:r>
-              <a:rPr lang="ko-KR" altLang="en-US"/>
+              <a:rPr lang="ko-KR" altLang="en-US" dirty="0"/>
               <a:t>눈 깜빡임 간의 시간 </a:t>
             </a:r>
             <a:r>
-              <a:rPr lang="en-US" altLang="ko-KR"/>
+              <a:rPr lang="en-US" altLang="ko-KR" dirty="0"/>
               <a:t>(</a:t>
             </a:r>
             <a:r>
-              <a:rPr lang="ko-KR" altLang="en-US"/>
+              <a:rPr lang="ko-KR" altLang="en-US" dirty="0"/>
               <a:t>총 </a:t>
             </a:r>
             <a:r>
-              <a:rPr lang="en-US" altLang="ko-KR"/>
+              <a:rPr lang="en-US" altLang="ko-KR" dirty="0"/>
               <a:t>12</a:t>
             </a:r>
             <a:r>
-              <a:rPr lang="ko-KR" altLang="en-US"/>
+              <a:rPr lang="ko-KR" altLang="en-US" dirty="0"/>
               <a:t>개의 특징</a:t>
             </a:r>
             <a:r>
-              <a:rPr lang="en-US" altLang="ko-KR"/>
+              <a:rPr lang="en-US" altLang="ko-KR" dirty="0"/>
               <a:t>)</a:t>
             </a:r>
           </a:p>
@@ -9556,39 +15137,39 @@
               <a:buChar char="§"/>
             </a:pPr>
             <a:r>
-              <a:rPr lang="en-US" altLang="ko-KR"/>
+              <a:rPr lang="en-US" altLang="ko-KR" dirty="0"/>
               <a:t>Label</a:t>
             </a:r>
             <a:r>
-              <a:rPr lang="ko-KR" altLang="en-US"/>
+              <a:rPr lang="ko-KR" altLang="en-US" dirty="0"/>
               <a:t>은 사용자</a:t>
             </a:r>
             <a:r>
-              <a:rPr lang="en-US" altLang="ko-KR"/>
+              <a:rPr lang="en-US" altLang="ko-KR" dirty="0"/>
               <a:t>1([1, 0, 0]), </a:t>
             </a:r>
             <a:r>
-              <a:rPr lang="ko-KR" altLang="en-US"/>
+              <a:rPr lang="ko-KR" altLang="en-US" dirty="0"/>
               <a:t>사용자</a:t>
             </a:r>
             <a:r>
-              <a:rPr lang="en-US" altLang="ko-KR"/>
+              <a:rPr lang="en-US" altLang="ko-KR" dirty="0"/>
               <a:t>2([0, 1, 0]), </a:t>
             </a:r>
             <a:r>
-              <a:rPr lang="ko-KR" altLang="en-US"/>
+              <a:rPr lang="ko-KR" altLang="en-US" dirty="0" err="1"/>
               <a:t>잡파</a:t>
             </a:r>
             <a:r>
-              <a:rPr lang="en-US" altLang="ko-KR"/>
+              <a:rPr lang="en-US" altLang="ko-KR" dirty="0"/>
               <a:t>([0, 0, 1])</a:t>
             </a:r>
             <a:r>
-              <a:rPr lang="ko-KR" altLang="en-US"/>
+              <a:rPr lang="ko-KR" altLang="en-US" dirty="0"/>
               <a:t>로 </a:t>
             </a:r>
             <a:r>
-              <a:rPr lang="en-US" altLang="ko-KR"/>
+              <a:rPr lang="en-US" altLang="ko-KR" dirty="0"/>
               <a:t>labeling</a:t>
             </a:r>
           </a:p>
@@ -9734,18 +15315,11 @@
               <a:buChar char="§"/>
             </a:pPr>
             <a:r>
-              <a:rPr lang="en-US" altLang="ko-KR" sz="2400" b="1">
+              <a:rPr lang="ko-KR" altLang="en-US" sz="2400" b="1" dirty="0">
                 <a:latin typeface="+mj-ea"/>
                 <a:ea typeface="+mj-ea"/>
               </a:rPr>
-              <a:t> </a:t>
-            </a:r>
-            <a:r>
-              <a:rPr lang="ko-KR" altLang="en-US" sz="2400" b="1">
-                <a:latin typeface="+mj-ea"/>
-                <a:ea typeface="+mj-ea"/>
-              </a:rPr>
-              <a:t>안전도 필터링 모델 구축 코드</a:t>
+              <a:t> 데이터 예제</a:t>
             </a:r>
             <a:endParaRPr lang="en-US" altLang="ko-KR" sz="2400" b="1" dirty="0">
               <a:latin typeface="+mj-ea"/>
@@ -9879,7 +15453,7 @@
                 </a:solidFill>
                 <a:latin typeface="+mj-ea"/>
               </a:rPr>
-              <a:t>소스코드</a:t>
+              <a:t>개요</a:t>
             </a:r>
             <a:endParaRPr lang="ko-KR" altLang="en-US" sz="3600" b="1" dirty="0">
               <a:solidFill>
@@ -9904,8 +15478,8 @@
         </p:nvSpPr>
         <p:spPr>
           <a:xfrm>
-            <a:off x="827584" y="1563599"/>
-            <a:ext cx="7499865" cy="1793940"/>
+            <a:off x="827584" y="1563600"/>
+            <a:ext cx="7499865" cy="1089012"/>
           </a:xfrm>
           <a:prstGeom prst="rect">
             <a:avLst/>
@@ -9963,7 +15537,7 @@
         <p:spPr>
           <a:xfrm>
             <a:off x="816551" y="1556792"/>
-            <a:ext cx="7510898" cy="1477328"/>
+            <a:ext cx="7510898" cy="923330"/>
           </a:xfrm>
           <a:prstGeom prst="rect">
             <a:avLst/>
@@ -9982,7 +15556,15 @@
             </a:pPr>
             <a:r>
               <a:rPr lang="ko-KR" altLang="en-US" dirty="0"/>
-              <a:t>모든 경우에 대한 정확도를 평가하기 위해 모델 구축 메소드 설계</a:t>
+              <a:t>신경망 모델에 사용되는 데이터는 사용자의 눈 깜빡임 데이터를 파일에서 읽어와 </a:t>
+            </a:r>
+            <a:r>
+              <a:rPr lang="en-US" altLang="ko-KR" dirty="0"/>
+              <a:t>12</a:t>
+            </a:r>
+            <a:r>
+              <a:rPr lang="ko-KR" altLang="en-US" dirty="0"/>
+              <a:t>개의 특징을 추출하고</a:t>
             </a:r>
             <a:endParaRPr lang="en-US" altLang="ko-KR" dirty="0"/>
           </a:p>
@@ -9992,110 +15574,363 @@
               <a:buChar char="§"/>
             </a:pPr>
             <a:r>
+              <a:rPr lang="en-US" altLang="ko-KR" dirty="0"/>
+              <a:t>12</a:t>
+            </a:r>
+            <a:r>
               <a:rPr lang="ko-KR" altLang="en-US" dirty="0"/>
-              <a:t>활성화 함수</a:t>
+              <a:t>개의 특징은 </a:t>
             </a:r>
             <a:r>
               <a:rPr lang="en-US" altLang="ko-KR" dirty="0"/>
-              <a:t>, </a:t>
+              <a:t>z-</a:t>
+            </a:r>
+            <a:r>
+              <a:rPr lang="en-US" altLang="ko-KR" dirty="0" err="1"/>
+              <a:t>dist</a:t>
             </a:r>
             <a:r>
               <a:rPr lang="ko-KR" altLang="en-US" dirty="0"/>
-              <a:t>손실 함수</a:t>
+              <a:t>로 데이터 정규화</a:t>
+            </a:r>
+            <a:endParaRPr lang="en-US" altLang="ko-KR" dirty="0"/>
+          </a:p>
+        </p:txBody>
+      </p:sp>
+      <p:sp>
+        <p:nvSpPr>
+          <p:cNvPr id="12" name="직사각형 11">
+            <a:extLst>
+              <a:ext uri="{FF2B5EF4-FFF2-40B4-BE49-F238E27FC236}">
+                <a16:creationId xmlns:a16="http://schemas.microsoft.com/office/drawing/2014/main" id="{55D73906-EFF8-426A-8CEC-087FD72D7488}"/>
+              </a:ext>
+            </a:extLst>
+          </p:cNvPr>
+          <p:cNvSpPr/>
+          <p:nvPr/>
+        </p:nvSpPr>
+        <p:spPr>
+          <a:xfrm>
+            <a:off x="1043608" y="3204245"/>
+            <a:ext cx="1728192" cy="720080"/>
+          </a:xfrm>
+          <a:prstGeom prst="rect">
+            <a:avLst/>
+          </a:prstGeom>
+          <a:solidFill>
+            <a:schemeClr val="bg1"/>
+          </a:solidFill>
+          <a:ln>
+            <a:solidFill>
+              <a:schemeClr val="tx1"/>
+            </a:solidFill>
+          </a:ln>
+        </p:spPr>
+        <p:style>
+          <a:lnRef idx="2">
+            <a:schemeClr val="accent1">
+              <a:shade val="50000"/>
+            </a:schemeClr>
+          </a:lnRef>
+          <a:fillRef idx="1">
+            <a:schemeClr val="accent1"/>
+          </a:fillRef>
+          <a:effectRef idx="0">
+            <a:schemeClr val="accent1"/>
+          </a:effectRef>
+          <a:fontRef idx="minor">
+            <a:schemeClr val="lt1"/>
+          </a:fontRef>
+        </p:style>
+        <p:txBody>
+          <a:bodyPr rtlCol="0" anchor="ctr"/>
+          <a:lstStyle/>
+          <a:p>
+            <a:pPr algn="ctr"/>
+            <a:endParaRPr lang="ko-KR" altLang="en-US"/>
+          </a:p>
+        </p:txBody>
+      </p:sp>
+      <p:sp>
+        <p:nvSpPr>
+          <p:cNvPr id="13" name="TextBox 12">
+            <a:extLst>
+              <a:ext uri="{FF2B5EF4-FFF2-40B4-BE49-F238E27FC236}">
+                <a16:creationId xmlns:a16="http://schemas.microsoft.com/office/drawing/2014/main" id="{3F919A24-1384-43C1-9E21-4FBFFE4AD95A}"/>
+              </a:ext>
+            </a:extLst>
+          </p:cNvPr>
+          <p:cNvSpPr txBox="1"/>
+          <p:nvPr/>
+        </p:nvSpPr>
+        <p:spPr>
+          <a:xfrm>
+            <a:off x="1088613" y="3240317"/>
+            <a:ext cx="1638182" cy="646331"/>
+          </a:xfrm>
+          <a:prstGeom prst="rect">
+            <a:avLst/>
+          </a:prstGeom>
+          <a:noFill/>
+        </p:spPr>
+        <p:txBody>
+          <a:bodyPr wrap="square" rtlCol="0">
+            <a:spAutoFit/>
+          </a:bodyPr>
+          <a:lstStyle/>
+          <a:p>
+            <a:pPr algn="ctr"/>
+            <a:r>
+              <a:rPr lang="ko-KR" altLang="en-US" dirty="0"/>
+              <a:t>사용자 </a:t>
             </a:r>
             <a:r>
               <a:rPr lang="en-US" altLang="ko-KR" dirty="0"/>
-              <a:t>, hidden layer</a:t>
-            </a:r>
+              <a:t>EOG</a:t>
+            </a:r>
+          </a:p>
+          <a:p>
+            <a:pPr algn="ctr"/>
+            <a:r>
+              <a:rPr lang="en-US" altLang="ko-KR" dirty="0"/>
+              <a:t>Data</a:t>
+            </a:r>
+            <a:endParaRPr lang="ko-KR" altLang="en-US" dirty="0"/>
+          </a:p>
+        </p:txBody>
+      </p:sp>
+      <p:sp>
+        <p:nvSpPr>
+          <p:cNvPr id="15" name="직사각형 14">
+            <a:extLst>
+              <a:ext uri="{FF2B5EF4-FFF2-40B4-BE49-F238E27FC236}">
+                <a16:creationId xmlns:a16="http://schemas.microsoft.com/office/drawing/2014/main" id="{F06B31E3-C86B-400D-B5DD-8EAB06D59709}"/>
+              </a:ext>
+            </a:extLst>
+          </p:cNvPr>
+          <p:cNvSpPr/>
+          <p:nvPr/>
+        </p:nvSpPr>
+        <p:spPr>
+          <a:xfrm>
+            <a:off x="1043608" y="4317979"/>
+            <a:ext cx="1728192" cy="720080"/>
+          </a:xfrm>
+          <a:prstGeom prst="rect">
+            <a:avLst/>
+          </a:prstGeom>
+          <a:solidFill>
+            <a:schemeClr val="bg1"/>
+          </a:solidFill>
+          <a:ln>
+            <a:solidFill>
+              <a:schemeClr val="tx1"/>
+            </a:solidFill>
+          </a:ln>
+        </p:spPr>
+        <p:style>
+          <a:lnRef idx="2">
+            <a:schemeClr val="accent1">
+              <a:shade val="50000"/>
+            </a:schemeClr>
+          </a:lnRef>
+          <a:fillRef idx="1">
+            <a:schemeClr val="accent1"/>
+          </a:fillRef>
+          <a:effectRef idx="0">
+            <a:schemeClr val="accent1"/>
+          </a:effectRef>
+          <a:fontRef idx="minor">
+            <a:schemeClr val="lt1"/>
+          </a:fontRef>
+        </p:style>
+        <p:txBody>
+          <a:bodyPr rtlCol="0" anchor="ctr"/>
+          <a:lstStyle/>
+          <a:p>
+            <a:pPr algn="ctr"/>
+            <a:endParaRPr lang="ko-KR" altLang="en-US"/>
+          </a:p>
+        </p:txBody>
+      </p:sp>
+      <p:sp>
+        <p:nvSpPr>
+          <p:cNvPr id="16" name="TextBox 15">
+            <a:extLst>
+              <a:ext uri="{FF2B5EF4-FFF2-40B4-BE49-F238E27FC236}">
+                <a16:creationId xmlns:a16="http://schemas.microsoft.com/office/drawing/2014/main" id="{3ACC7E4C-AD83-49CE-B3DF-7FB5B543E927}"/>
+              </a:ext>
+            </a:extLst>
+          </p:cNvPr>
+          <p:cNvSpPr txBox="1"/>
+          <p:nvPr/>
+        </p:nvSpPr>
+        <p:spPr>
+          <a:xfrm>
+            <a:off x="1133618" y="4354051"/>
+            <a:ext cx="1548172" cy="646331"/>
+          </a:xfrm>
+          <a:prstGeom prst="rect">
+            <a:avLst/>
+          </a:prstGeom>
+          <a:noFill/>
+        </p:spPr>
+        <p:txBody>
+          <a:bodyPr wrap="square" rtlCol="0">
+            <a:spAutoFit/>
+          </a:bodyPr>
+          <a:lstStyle/>
+          <a:p>
+            <a:pPr algn="ctr"/>
             <a:r>
               <a:rPr lang="ko-KR" altLang="en-US" dirty="0"/>
-              <a:t>의 수</a:t>
-            </a:r>
-            <a:r>
-              <a:rPr lang="en-US" altLang="ko-KR" dirty="0"/>
-              <a:t>, hidden layer </a:t>
-            </a:r>
+              <a:t>눈 깜빡임</a:t>
+            </a:r>
+            <a:endParaRPr lang="en-US" altLang="ko-KR" dirty="0"/>
+          </a:p>
+          <a:p>
+            <a:pPr algn="ctr"/>
             <a:r>
               <a:rPr lang="ko-KR" altLang="en-US" dirty="0"/>
-              <a:t>마다의 노드 수</a:t>
-            </a:r>
-            <a:r>
-              <a:rPr lang="en-US" altLang="ko-KR" dirty="0"/>
-              <a:t>, dropout </a:t>
-            </a:r>
-            <a:r>
-              <a:rPr lang="ko-KR" altLang="en-US" dirty="0"/>
-              <a:t>값을 </a:t>
-            </a:r>
-            <a:r>
-              <a:rPr lang="ko-KR" altLang="en-US" dirty="0" err="1"/>
-              <a:t>파라매터로</a:t>
-            </a:r>
-            <a:r>
-              <a:rPr lang="ko-KR" altLang="en-US" dirty="0"/>
-              <a:t> 입력 받음</a:t>
-            </a:r>
-            <a:endParaRPr lang="en-US" altLang="ko-KR" dirty="0"/>
-          </a:p>
-          <a:p>
-            <a:pPr marL="285750" indent="-285750">
-              <a:buFont typeface="Wingdings" panose="05000000000000000000" pitchFamily="2" charset="2"/>
-              <a:buChar char="§"/>
-            </a:pPr>
-            <a:r>
-              <a:rPr lang="ko-KR" altLang="en-US" dirty="0"/>
-              <a:t>마지막 </a:t>
-            </a:r>
-            <a:r>
-              <a:rPr lang="en-US" altLang="ko-KR" dirty="0"/>
-              <a:t>output layer</a:t>
-            </a:r>
-            <a:r>
-              <a:rPr lang="ko-KR" altLang="en-US" dirty="0"/>
-              <a:t>의 활성화 함수는 </a:t>
-            </a:r>
-            <a:r>
-              <a:rPr lang="en-US" altLang="ko-KR" dirty="0" err="1"/>
-              <a:t>softmax</a:t>
-            </a:r>
-            <a:r>
-              <a:rPr lang="ko-KR" altLang="en-US" dirty="0"/>
-              <a:t>이며</a:t>
-            </a:r>
-            <a:r>
-              <a:rPr lang="en-US" altLang="ko-KR" dirty="0"/>
-              <a:t>, </a:t>
-            </a:r>
-            <a:r>
-              <a:rPr lang="ko-KR" altLang="en-US" dirty="0" err="1"/>
-              <a:t>옵티마이저는</a:t>
-            </a:r>
-            <a:r>
-              <a:rPr lang="ko-KR" altLang="en-US" dirty="0"/>
-              <a:t> 가장 효율이 좋다고 알려진 </a:t>
-            </a:r>
-            <a:r>
-              <a:rPr lang="en-US" altLang="ko-KR" dirty="0" err="1"/>
-              <a:t>rmsprop</a:t>
-            </a:r>
-            <a:r>
-              <a:rPr lang="en-US" altLang="ko-KR" dirty="0"/>
-              <a:t> </a:t>
-            </a:r>
-            <a:r>
-              <a:rPr lang="ko-KR" altLang="en-US" dirty="0"/>
-              <a:t>이용</a:t>
-            </a:r>
-            <a:endParaRPr lang="en-US" altLang="ko-KR" dirty="0"/>
+              <a:t>특징 추출</a:t>
+            </a:r>
+          </a:p>
+        </p:txBody>
+      </p:sp>
+      <p:sp>
+        <p:nvSpPr>
+          <p:cNvPr id="17" name="직사각형 16">
+            <a:extLst>
+              <a:ext uri="{FF2B5EF4-FFF2-40B4-BE49-F238E27FC236}">
+                <a16:creationId xmlns:a16="http://schemas.microsoft.com/office/drawing/2014/main" id="{F8CE20AC-CD5A-4C8D-BE34-E664BFB7B633}"/>
+              </a:ext>
+            </a:extLst>
+          </p:cNvPr>
+          <p:cNvSpPr/>
+          <p:nvPr/>
+        </p:nvSpPr>
+        <p:spPr>
+          <a:xfrm>
+            <a:off x="1043608" y="5517232"/>
+            <a:ext cx="1728192" cy="720080"/>
+          </a:xfrm>
+          <a:prstGeom prst="rect">
+            <a:avLst/>
+          </a:prstGeom>
+          <a:solidFill>
+            <a:schemeClr val="bg1"/>
+          </a:solidFill>
+          <a:ln>
+            <a:solidFill>
+              <a:schemeClr val="tx1"/>
+            </a:solidFill>
+          </a:ln>
+        </p:spPr>
+        <p:style>
+          <a:lnRef idx="2">
+            <a:schemeClr val="accent1">
+              <a:shade val="50000"/>
+            </a:schemeClr>
+          </a:lnRef>
+          <a:fillRef idx="1">
+            <a:schemeClr val="accent1"/>
+          </a:fillRef>
+          <a:effectRef idx="0">
+            <a:schemeClr val="accent1"/>
+          </a:effectRef>
+          <a:fontRef idx="minor">
+            <a:schemeClr val="lt1"/>
+          </a:fontRef>
+        </p:style>
+        <p:txBody>
+          <a:bodyPr rtlCol="0" anchor="ctr"/>
+          <a:lstStyle/>
+          <a:p>
+            <a:pPr algn="ctr"/>
+            <a:endParaRPr lang="ko-KR" altLang="en-US"/>
+          </a:p>
+        </p:txBody>
+      </p:sp>
+      <p:sp>
+        <p:nvSpPr>
+          <p:cNvPr id="18" name="TextBox 17">
+            <a:extLst>
+              <a:ext uri="{FF2B5EF4-FFF2-40B4-BE49-F238E27FC236}">
+                <a16:creationId xmlns:a16="http://schemas.microsoft.com/office/drawing/2014/main" id="{BB6891BF-AD0F-4768-A657-793A61648246}"/>
+              </a:ext>
+            </a:extLst>
+          </p:cNvPr>
+          <p:cNvSpPr txBox="1"/>
+          <p:nvPr/>
+        </p:nvSpPr>
+        <p:spPr>
+          <a:xfrm>
+            <a:off x="1088613" y="5689722"/>
+            <a:ext cx="1638182" cy="369332"/>
+          </a:xfrm>
+          <a:prstGeom prst="rect">
+            <a:avLst/>
+          </a:prstGeom>
+          <a:noFill/>
+        </p:spPr>
+        <p:txBody>
+          <a:bodyPr wrap="square" rtlCol="0">
+            <a:spAutoFit/>
+          </a:bodyPr>
+          <a:lstStyle/>
+          <a:p>
+            <a:pPr algn="ctr"/>
+            <a:r>
+              <a:rPr lang="ko-KR" altLang="en-US"/>
+              <a:t>데이터 정규화</a:t>
+            </a:r>
+            <a:endParaRPr lang="ko-KR" altLang="en-US" dirty="0"/>
+          </a:p>
+        </p:txBody>
+      </p:sp>
+      <p:sp>
+        <p:nvSpPr>
+          <p:cNvPr id="21" name="TextBox 20">
+            <a:extLst>
+              <a:ext uri="{FF2B5EF4-FFF2-40B4-BE49-F238E27FC236}">
+                <a16:creationId xmlns:a16="http://schemas.microsoft.com/office/drawing/2014/main" id="{33403B0B-B109-4D2B-A81A-D53131E4D196}"/>
+              </a:ext>
+            </a:extLst>
+          </p:cNvPr>
+          <p:cNvSpPr txBox="1"/>
+          <p:nvPr/>
+        </p:nvSpPr>
+        <p:spPr>
+          <a:xfrm>
+            <a:off x="1367644" y="2852936"/>
+            <a:ext cx="1080120" cy="307777"/>
+          </a:xfrm>
+          <a:prstGeom prst="rect">
+            <a:avLst/>
+          </a:prstGeom>
+          <a:noFill/>
+        </p:spPr>
+        <p:txBody>
+          <a:bodyPr wrap="square" rtlCol="0">
+            <a:spAutoFit/>
+          </a:bodyPr>
+          <a:lstStyle/>
+          <a:p>
+            <a:pPr algn="ctr"/>
+            <a:r>
+              <a:rPr lang="en-US" altLang="ko-KR" sz="1400" b="1" dirty="0"/>
+              <a:t>Data</a:t>
+            </a:r>
+            <a:endParaRPr lang="ko-KR" altLang="en-US" sz="1400" b="1" dirty="0"/>
           </a:p>
         </p:txBody>
       </p:sp>
       <p:pic>
         <p:nvPicPr>
-          <p:cNvPr id="3" name="그림 2">
+          <p:cNvPr id="4" name="그림 3">
             <a:extLst>
               <a:ext uri="{FF2B5EF4-FFF2-40B4-BE49-F238E27FC236}">
-                <a16:creationId xmlns:a16="http://schemas.microsoft.com/office/drawing/2014/main" id="{BE72DA28-1C71-4CA5-99F9-AAFB84CBCBC1}"/>
+                <a16:creationId xmlns:a16="http://schemas.microsoft.com/office/drawing/2014/main" id="{114BA0A1-37C1-4CC4-9225-37D1C5553F46}"/>
               </a:ext>
             </a:extLst>
           </p:cNvPr>
@@ -10112,18 +15947,474 @@
         </p:blipFill>
         <p:spPr>
           <a:xfrm>
-            <a:off x="1728614" y="3357539"/>
-            <a:ext cx="5686772" cy="2943741"/>
+            <a:off x="3328955" y="3299272"/>
+            <a:ext cx="4572932" cy="545802"/>
           </a:xfrm>
           <a:prstGeom prst="rect">
             <a:avLst/>
           </a:prstGeom>
         </p:spPr>
       </p:pic>
+      <p:pic>
+        <p:nvPicPr>
+          <p:cNvPr id="23" name="그림 22">
+            <a:extLst>
+              <a:ext uri="{FF2B5EF4-FFF2-40B4-BE49-F238E27FC236}">
+                <a16:creationId xmlns:a16="http://schemas.microsoft.com/office/drawing/2014/main" id="{D2D94BD4-3B37-4C73-B069-7AFD57B47060}"/>
+              </a:ext>
+            </a:extLst>
+          </p:cNvPr>
+          <p:cNvPicPr>
+            <a:picLocks noChangeAspect="1"/>
+          </p:cNvPicPr>
+          <p:nvPr/>
+        </p:nvPicPr>
+        <p:blipFill>
+          <a:blip r:embed="rId4"/>
+          <a:stretch>
+            <a:fillRect/>
+          </a:stretch>
+        </p:blipFill>
+        <p:spPr>
+          <a:xfrm>
+            <a:off x="4027909" y="5523094"/>
+            <a:ext cx="3175025" cy="714218"/>
+          </a:xfrm>
+          <a:prstGeom prst="rect">
+            <a:avLst/>
+          </a:prstGeom>
+        </p:spPr>
+      </p:pic>
+      <p:pic>
+        <p:nvPicPr>
+          <p:cNvPr id="25" name="그림 24">
+            <a:extLst>
+              <a:ext uri="{FF2B5EF4-FFF2-40B4-BE49-F238E27FC236}">
+                <a16:creationId xmlns:a16="http://schemas.microsoft.com/office/drawing/2014/main" id="{6F1AA665-6717-4D71-BE6F-7EE66283EDFD}"/>
+              </a:ext>
+            </a:extLst>
+          </p:cNvPr>
+          <p:cNvPicPr>
+            <a:picLocks noChangeAspect="1"/>
+          </p:cNvPicPr>
+          <p:nvPr/>
+        </p:nvPicPr>
+        <p:blipFill>
+          <a:blip r:embed="rId5"/>
+          <a:stretch>
+            <a:fillRect/>
+          </a:stretch>
+        </p:blipFill>
+        <p:spPr>
+          <a:xfrm>
+            <a:off x="4027908" y="4289073"/>
+            <a:ext cx="3175026" cy="711309"/>
+          </a:xfrm>
+          <a:prstGeom prst="rect">
+            <a:avLst/>
+          </a:prstGeom>
+        </p:spPr>
+      </p:pic>
+      <p:sp>
+        <p:nvSpPr>
+          <p:cNvPr id="28" name="TextBox 27">
+            <a:extLst>
+              <a:ext uri="{FF2B5EF4-FFF2-40B4-BE49-F238E27FC236}">
+                <a16:creationId xmlns:a16="http://schemas.microsoft.com/office/drawing/2014/main" id="{6493B046-4CE1-4A34-AD3D-4D9EB730A7D3}"/>
+              </a:ext>
+            </a:extLst>
+          </p:cNvPr>
+          <p:cNvSpPr txBox="1"/>
+          <p:nvPr/>
+        </p:nvSpPr>
+        <p:spPr>
+          <a:xfrm>
+            <a:off x="1979713" y="3981296"/>
+            <a:ext cx="1728191" cy="307777"/>
+          </a:xfrm>
+          <a:prstGeom prst="rect">
+            <a:avLst/>
+          </a:prstGeom>
+          <a:noFill/>
+        </p:spPr>
+        <p:txBody>
+          <a:bodyPr wrap="square" rtlCol="0">
+            <a:spAutoFit/>
+          </a:bodyPr>
+          <a:lstStyle/>
+          <a:p>
+            <a:pPr algn="ctr"/>
+            <a:r>
+              <a:rPr lang="en-US" altLang="ko-KR" sz="1400" b="1" dirty="0" err="1"/>
+              <a:t>featureExtraction</a:t>
+            </a:r>
+            <a:r>
+              <a:rPr lang="en-US" altLang="ko-KR" sz="1400" b="1" dirty="0"/>
+              <a:t>()</a:t>
+            </a:r>
+            <a:endParaRPr lang="ko-KR" altLang="en-US" sz="1400" b="1" dirty="0"/>
+          </a:p>
+        </p:txBody>
+      </p:sp>
+      <p:sp>
+        <p:nvSpPr>
+          <p:cNvPr id="29" name="TextBox 28">
+            <a:extLst>
+              <a:ext uri="{FF2B5EF4-FFF2-40B4-BE49-F238E27FC236}">
+                <a16:creationId xmlns:a16="http://schemas.microsoft.com/office/drawing/2014/main" id="{93BACF7B-7E0D-421C-8D71-F42B882ACFF9}"/>
+              </a:ext>
+            </a:extLst>
+          </p:cNvPr>
+          <p:cNvSpPr txBox="1"/>
+          <p:nvPr/>
+        </p:nvSpPr>
+        <p:spPr>
+          <a:xfrm>
+            <a:off x="1763688" y="5141812"/>
+            <a:ext cx="1008112" cy="307777"/>
+          </a:xfrm>
+          <a:prstGeom prst="rect">
+            <a:avLst/>
+          </a:prstGeom>
+          <a:noFill/>
+        </p:spPr>
+        <p:txBody>
+          <a:bodyPr wrap="square" rtlCol="0">
+            <a:spAutoFit/>
+          </a:bodyPr>
+          <a:lstStyle/>
+          <a:p>
+            <a:pPr algn="ctr"/>
+            <a:r>
+              <a:rPr lang="en-US" altLang="ko-KR" sz="1400" b="1" dirty="0"/>
+              <a:t>Z-</a:t>
+            </a:r>
+            <a:r>
+              <a:rPr lang="en-US" altLang="ko-KR" sz="1400" b="1" dirty="0" err="1"/>
+              <a:t>dist</a:t>
+            </a:r>
+            <a:endParaRPr lang="ko-KR" altLang="en-US" sz="1400" b="1" dirty="0"/>
+          </a:p>
+        </p:txBody>
+      </p:sp>
+      <p:cxnSp>
+        <p:nvCxnSpPr>
+          <p:cNvPr id="30" name="직선 화살표 연결선 29">
+            <a:extLst>
+              <a:ext uri="{FF2B5EF4-FFF2-40B4-BE49-F238E27FC236}">
+                <a16:creationId xmlns:a16="http://schemas.microsoft.com/office/drawing/2014/main" id="{8DD325D1-F00B-4557-9FFD-3C737F07ECDD}"/>
+              </a:ext>
+            </a:extLst>
+          </p:cNvPr>
+          <p:cNvCxnSpPr>
+            <a:cxnSpLocks/>
+          </p:cNvCxnSpPr>
+          <p:nvPr/>
+        </p:nvCxnSpPr>
+        <p:spPr>
+          <a:xfrm>
+            <a:off x="1907704" y="5068025"/>
+            <a:ext cx="0" cy="449207"/>
+          </a:xfrm>
+          <a:prstGeom prst="straightConnector1">
+            <a:avLst/>
+          </a:prstGeom>
+          <a:ln>
+            <a:solidFill>
+              <a:schemeClr val="tx1"/>
+            </a:solidFill>
+            <a:tailEnd type="triangle"/>
+          </a:ln>
+        </p:spPr>
+        <p:style>
+          <a:lnRef idx="1">
+            <a:schemeClr val="accent1"/>
+          </a:lnRef>
+          <a:fillRef idx="0">
+            <a:schemeClr val="accent1"/>
+          </a:fillRef>
+          <a:effectRef idx="0">
+            <a:schemeClr val="accent1"/>
+          </a:effectRef>
+          <a:fontRef idx="minor">
+            <a:schemeClr val="tx1"/>
+          </a:fontRef>
+        </p:style>
+      </p:cxnSp>
+      <p:cxnSp>
+        <p:nvCxnSpPr>
+          <p:cNvPr id="32" name="직선 화살표 연결선 31">
+            <a:extLst>
+              <a:ext uri="{FF2B5EF4-FFF2-40B4-BE49-F238E27FC236}">
+                <a16:creationId xmlns:a16="http://schemas.microsoft.com/office/drawing/2014/main" id="{B20B3B8D-D825-413C-B3EF-94E37D69F3FA}"/>
+              </a:ext>
+            </a:extLst>
+          </p:cNvPr>
+          <p:cNvCxnSpPr>
+            <a:cxnSpLocks/>
+          </p:cNvCxnSpPr>
+          <p:nvPr/>
+        </p:nvCxnSpPr>
+        <p:spPr>
+          <a:xfrm>
+            <a:off x="1907704" y="3955164"/>
+            <a:ext cx="0" cy="360040"/>
+          </a:xfrm>
+          <a:prstGeom prst="straightConnector1">
+            <a:avLst/>
+          </a:prstGeom>
+          <a:ln>
+            <a:solidFill>
+              <a:schemeClr val="tx1"/>
+            </a:solidFill>
+            <a:tailEnd type="triangle"/>
+          </a:ln>
+        </p:spPr>
+        <p:style>
+          <a:lnRef idx="1">
+            <a:schemeClr val="accent1"/>
+          </a:lnRef>
+          <a:fillRef idx="0">
+            <a:schemeClr val="accent1"/>
+          </a:fillRef>
+          <a:effectRef idx="0">
+            <a:schemeClr val="accent1"/>
+          </a:effectRef>
+          <a:fontRef idx="minor">
+            <a:schemeClr val="tx1"/>
+          </a:fontRef>
+        </p:style>
+      </p:cxnSp>
+      <p:cxnSp>
+        <p:nvCxnSpPr>
+          <p:cNvPr id="33" name="직선 연결선 32">
+            <a:extLst>
+              <a:ext uri="{FF2B5EF4-FFF2-40B4-BE49-F238E27FC236}">
+                <a16:creationId xmlns:a16="http://schemas.microsoft.com/office/drawing/2014/main" id="{B534F503-A766-478C-8BA4-34E1354AC29A}"/>
+              </a:ext>
+            </a:extLst>
+          </p:cNvPr>
+          <p:cNvCxnSpPr/>
+          <p:nvPr/>
+        </p:nvCxnSpPr>
+        <p:spPr>
+          <a:xfrm>
+            <a:off x="2771800" y="3204245"/>
+            <a:ext cx="557155" cy="95027"/>
+          </a:xfrm>
+          <a:prstGeom prst="line">
+            <a:avLst/>
+          </a:prstGeom>
+        </p:spPr>
+        <p:style>
+          <a:lnRef idx="1">
+            <a:schemeClr val="accent1"/>
+          </a:lnRef>
+          <a:fillRef idx="0">
+            <a:schemeClr val="accent1"/>
+          </a:fillRef>
+          <a:effectRef idx="0">
+            <a:schemeClr val="accent1"/>
+          </a:effectRef>
+          <a:fontRef idx="minor">
+            <a:schemeClr val="tx1"/>
+          </a:fontRef>
+        </p:style>
+      </p:cxnSp>
+      <p:cxnSp>
+        <p:nvCxnSpPr>
+          <p:cNvPr id="36" name="직선 연결선 35">
+            <a:extLst>
+              <a:ext uri="{FF2B5EF4-FFF2-40B4-BE49-F238E27FC236}">
+                <a16:creationId xmlns:a16="http://schemas.microsoft.com/office/drawing/2014/main" id="{559B3969-F7DB-44A4-A99B-C81C495D542D}"/>
+              </a:ext>
+            </a:extLst>
+          </p:cNvPr>
+          <p:cNvCxnSpPr>
+            <a:cxnSpLocks/>
+          </p:cNvCxnSpPr>
+          <p:nvPr/>
+        </p:nvCxnSpPr>
+        <p:spPr>
+          <a:xfrm flipV="1">
+            <a:off x="2771800" y="3830747"/>
+            <a:ext cx="557155" cy="93579"/>
+          </a:xfrm>
+          <a:prstGeom prst="line">
+            <a:avLst/>
+          </a:prstGeom>
+        </p:spPr>
+        <p:style>
+          <a:lnRef idx="1">
+            <a:schemeClr val="accent1"/>
+          </a:lnRef>
+          <a:fillRef idx="0">
+            <a:schemeClr val="accent1"/>
+          </a:fillRef>
+          <a:effectRef idx="0">
+            <a:schemeClr val="accent1"/>
+          </a:effectRef>
+          <a:fontRef idx="minor">
+            <a:schemeClr val="tx1"/>
+          </a:fontRef>
+        </p:style>
+      </p:cxnSp>
+      <p:cxnSp>
+        <p:nvCxnSpPr>
+          <p:cNvPr id="39" name="직선 연결선 38">
+            <a:extLst>
+              <a:ext uri="{FF2B5EF4-FFF2-40B4-BE49-F238E27FC236}">
+                <a16:creationId xmlns:a16="http://schemas.microsoft.com/office/drawing/2014/main" id="{BF4A7B21-E9DB-4AF7-89EF-0E1CD23D38EC}"/>
+              </a:ext>
+            </a:extLst>
+          </p:cNvPr>
+          <p:cNvCxnSpPr>
+            <a:cxnSpLocks/>
+          </p:cNvCxnSpPr>
+          <p:nvPr/>
+        </p:nvCxnSpPr>
+        <p:spPr>
+          <a:xfrm flipV="1">
+            <a:off x="2784503" y="4315204"/>
+            <a:ext cx="1243405" cy="3030"/>
+          </a:xfrm>
+          <a:prstGeom prst="line">
+            <a:avLst/>
+          </a:prstGeom>
+        </p:spPr>
+        <p:style>
+          <a:lnRef idx="1">
+            <a:schemeClr val="accent1"/>
+          </a:lnRef>
+          <a:fillRef idx="0">
+            <a:schemeClr val="accent1"/>
+          </a:fillRef>
+          <a:effectRef idx="0">
+            <a:schemeClr val="accent1"/>
+          </a:effectRef>
+          <a:fontRef idx="minor">
+            <a:schemeClr val="tx1"/>
+          </a:fontRef>
+        </p:style>
+      </p:cxnSp>
+      <p:cxnSp>
+        <p:nvCxnSpPr>
+          <p:cNvPr id="41" name="직선 연결선 40">
+            <a:extLst>
+              <a:ext uri="{FF2B5EF4-FFF2-40B4-BE49-F238E27FC236}">
+                <a16:creationId xmlns:a16="http://schemas.microsoft.com/office/drawing/2014/main" id="{BA64743A-BA2C-4A4E-B7EF-1F8EE422526C}"/>
+              </a:ext>
+            </a:extLst>
+          </p:cNvPr>
+          <p:cNvCxnSpPr>
+            <a:cxnSpLocks/>
+          </p:cNvCxnSpPr>
+          <p:nvPr/>
+        </p:nvCxnSpPr>
+        <p:spPr>
+          <a:xfrm flipV="1">
+            <a:off x="2771800" y="4919149"/>
+            <a:ext cx="1296144" cy="133893"/>
+          </a:xfrm>
+          <a:prstGeom prst="line">
+            <a:avLst/>
+          </a:prstGeom>
+        </p:spPr>
+        <p:style>
+          <a:lnRef idx="1">
+            <a:schemeClr val="accent1"/>
+          </a:lnRef>
+          <a:fillRef idx="0">
+            <a:schemeClr val="accent1"/>
+          </a:fillRef>
+          <a:effectRef idx="0">
+            <a:schemeClr val="accent1"/>
+          </a:effectRef>
+          <a:fontRef idx="minor">
+            <a:schemeClr val="tx1"/>
+          </a:fontRef>
+        </p:style>
+      </p:cxnSp>
+      <p:cxnSp>
+        <p:nvCxnSpPr>
+          <p:cNvPr id="43" name="직선 연결선 42">
+            <a:extLst>
+              <a:ext uri="{FF2B5EF4-FFF2-40B4-BE49-F238E27FC236}">
+                <a16:creationId xmlns:a16="http://schemas.microsoft.com/office/drawing/2014/main" id="{286E1E44-8F0A-4CF3-A459-2E74CBF903B1}"/>
+              </a:ext>
+            </a:extLst>
+          </p:cNvPr>
+          <p:cNvCxnSpPr>
+            <a:cxnSpLocks/>
+          </p:cNvCxnSpPr>
+          <p:nvPr/>
+        </p:nvCxnSpPr>
+        <p:spPr>
+          <a:xfrm>
+            <a:off x="2773797" y="5518747"/>
+            <a:ext cx="1254111" cy="34595"/>
+          </a:xfrm>
+          <a:prstGeom prst="line">
+            <a:avLst/>
+          </a:prstGeom>
+        </p:spPr>
+        <p:style>
+          <a:lnRef idx="1">
+            <a:schemeClr val="accent1"/>
+          </a:lnRef>
+          <a:fillRef idx="0">
+            <a:schemeClr val="accent1"/>
+          </a:fillRef>
+          <a:effectRef idx="0">
+            <a:schemeClr val="accent1"/>
+          </a:effectRef>
+          <a:fontRef idx="minor">
+            <a:schemeClr val="tx1"/>
+          </a:fontRef>
+        </p:style>
+      </p:cxnSp>
+      <p:cxnSp>
+        <p:nvCxnSpPr>
+          <p:cNvPr id="45" name="직선 연결선 44">
+            <a:extLst>
+              <a:ext uri="{FF2B5EF4-FFF2-40B4-BE49-F238E27FC236}">
+                <a16:creationId xmlns:a16="http://schemas.microsoft.com/office/drawing/2014/main" id="{68583F55-FB84-4985-87E4-E4853D6E46F2}"/>
+              </a:ext>
+            </a:extLst>
+          </p:cNvPr>
+          <p:cNvCxnSpPr>
+            <a:cxnSpLocks/>
+          </p:cNvCxnSpPr>
+          <p:nvPr/>
+        </p:nvCxnSpPr>
+        <p:spPr>
+          <a:xfrm flipV="1">
+            <a:off x="2774377" y="6165304"/>
+            <a:ext cx="1293567" cy="75038"/>
+          </a:xfrm>
+          <a:prstGeom prst="line">
+            <a:avLst/>
+          </a:prstGeom>
+        </p:spPr>
+        <p:style>
+          <a:lnRef idx="1">
+            <a:schemeClr val="accent1"/>
+          </a:lnRef>
+          <a:fillRef idx="0">
+            <a:schemeClr val="accent1"/>
+          </a:fillRef>
+          <a:effectRef idx="0">
+            <a:schemeClr val="accent1"/>
+          </a:effectRef>
+          <a:fontRef idx="minor">
+            <a:schemeClr val="tx1"/>
+          </a:fontRef>
+        </p:style>
+      </p:cxnSp>
     </p:spTree>
     <p:extLst>
       <p:ext uri="{BB962C8B-B14F-4D97-AF65-F5344CB8AC3E}">
-        <p14:creationId xmlns:p14="http://schemas.microsoft.com/office/powerpoint/2010/main" val="2011861815"/>
+        <p14:creationId xmlns:p14="http://schemas.microsoft.com/office/powerpoint/2010/main" val="1884018888"/>
       </p:ext>
     </p:extLst>
   </p:cSld>
@@ -10183,18 +16474,11 @@
               <a:buChar char="§"/>
             </a:pPr>
             <a:r>
-              <a:rPr lang="en-US" altLang="ko-KR" sz="2400" b="1">
+              <a:rPr lang="ko-KR" altLang="en-US" sz="2400" b="1" dirty="0">
                 <a:latin typeface="+mj-ea"/>
                 <a:ea typeface="+mj-ea"/>
               </a:rPr>
-              <a:t> </a:t>
-            </a:r>
-            <a:r>
-              <a:rPr lang="ko-KR" altLang="en-US" sz="2400" b="1">
-                <a:latin typeface="+mj-ea"/>
-                <a:ea typeface="+mj-ea"/>
-              </a:rPr>
-              <a:t>안전도 필터링 모델 구축 코드</a:t>
+              <a:t> 데이터 예제</a:t>
             </a:r>
             <a:endParaRPr lang="en-US" altLang="ko-KR" sz="2400" b="1" dirty="0">
               <a:latin typeface="+mj-ea"/>
@@ -10328,7 +16612,7 @@
                 </a:solidFill>
                 <a:latin typeface="+mj-ea"/>
               </a:rPr>
-              <a:t>소스코드</a:t>
+              <a:t>개요</a:t>
             </a:r>
             <a:endParaRPr lang="ko-KR" altLang="en-US" sz="3600" b="1" dirty="0">
               <a:solidFill>
@@ -10353,8 +16637,8 @@
         </p:nvSpPr>
         <p:spPr>
           <a:xfrm>
-            <a:off x="827584" y="1563599"/>
-            <a:ext cx="7499865" cy="1361345"/>
+            <a:off x="827584" y="1563600"/>
+            <a:ext cx="7499865" cy="1146856"/>
           </a:xfrm>
           <a:prstGeom prst="rect">
             <a:avLst/>
@@ -10412,7 +16696,7 @@
         <p:spPr>
           <a:xfrm>
             <a:off x="816551" y="1556792"/>
-            <a:ext cx="7510898" cy="1200329"/>
+            <a:ext cx="7510898" cy="923330"/>
           </a:xfrm>
           <a:prstGeom prst="rect">
             <a:avLst/>
@@ -10430,46 +16714,41 @@
               <a:buChar char="§"/>
             </a:pPr>
             <a:r>
-              <a:rPr lang="en-US" altLang="ko-KR"/>
-              <a:t>Epoch</a:t>
-            </a:r>
-            <a:r>
-              <a:rPr lang="ko-KR" altLang="en-US"/>
-              <a:t>는 </a:t>
-            </a:r>
-            <a:r>
-              <a:rPr lang="en-US" altLang="ko-KR"/>
-              <a:t>100 </a:t>
-            </a:r>
-            <a:r>
-              <a:rPr lang="ko-KR" altLang="en-US"/>
-              <a:t>또는 </a:t>
-            </a:r>
-            <a:r>
-              <a:rPr lang="en-US" altLang="ko-KR"/>
-              <a:t>200</a:t>
-            </a:r>
-            <a:r>
-              <a:rPr lang="ko-KR" altLang="en-US"/>
-              <a:t>으로 설정했으며</a:t>
-            </a:r>
-            <a:r>
-              <a:rPr lang="en-US" altLang="ko-KR"/>
-              <a:t>, 6</a:t>
-            </a:r>
-            <a:r>
-              <a:rPr lang="ko-KR" altLang="en-US"/>
-              <a:t>중첩 </a:t>
-            </a:r>
-            <a:r>
-              <a:rPr lang="en-US" altLang="ko-KR"/>
-              <a:t>for</a:t>
-            </a:r>
-            <a:r>
-              <a:rPr lang="ko-KR" altLang="en-US"/>
-              <a:t>문을 통하여 모든 경우의 모델을 평가</a:t>
-            </a:r>
-            <a:endParaRPr lang="en-US" altLang="ko-KR"/>
+              <a:rPr lang="en-US" altLang="ko-KR" dirty="0"/>
+              <a:t>Label</a:t>
+            </a:r>
+            <a:r>
+              <a:rPr lang="ko-KR" altLang="en-US" dirty="0"/>
+              <a:t>은 사용자</a:t>
+            </a:r>
+            <a:r>
+              <a:rPr lang="en-US" altLang="ko-KR" dirty="0"/>
+              <a:t>1([1, 0, 0]), </a:t>
+            </a:r>
+            <a:r>
+              <a:rPr lang="ko-KR" altLang="en-US" dirty="0"/>
+              <a:t>사용자</a:t>
+            </a:r>
+            <a:r>
+              <a:rPr lang="en-US" altLang="ko-KR" dirty="0"/>
+              <a:t>2([0, 1, 0]), </a:t>
+            </a:r>
+            <a:r>
+              <a:rPr lang="ko-KR" altLang="en-US" dirty="0" err="1"/>
+              <a:t>잡파</a:t>
+            </a:r>
+            <a:r>
+              <a:rPr lang="en-US" altLang="ko-KR" dirty="0"/>
+              <a:t>([0, 0, 1])</a:t>
+            </a:r>
+            <a:r>
+              <a:rPr lang="ko-KR" altLang="en-US" dirty="0"/>
+              <a:t>로 </a:t>
+            </a:r>
+            <a:r>
+              <a:rPr lang="en-US" altLang="ko-KR" dirty="0"/>
+              <a:t>labeling</a:t>
+            </a:r>
           </a:p>
           <a:p>
             <a:pPr marL="285750" indent="-285750">
@@ -10477,43 +16756,255 @@
               <a:buChar char="§"/>
             </a:pPr>
             <a:r>
-              <a:rPr lang="ko-KR" altLang="en-US"/>
-              <a:t>모델 학습 후 </a:t>
-            </a:r>
-            <a:r>
-              <a:rPr lang="en-US" altLang="ko-KR"/>
-              <a:t>validation </a:t>
-            </a:r>
-            <a:r>
-              <a:rPr lang="ko-KR" altLang="en-US"/>
-              <a:t>정확도의 최대값</a:t>
-            </a:r>
-            <a:r>
-              <a:rPr lang="en-US" altLang="ko-KR"/>
-              <a:t>, </a:t>
-            </a:r>
-            <a:r>
-              <a:rPr lang="ko-KR" altLang="en-US"/>
-              <a:t>손실 평균</a:t>
-            </a:r>
-            <a:r>
-              <a:rPr lang="en-US" altLang="ko-KR"/>
-              <a:t>, </a:t>
-            </a:r>
-            <a:r>
-              <a:rPr lang="ko-KR" altLang="en-US"/>
-              <a:t>정확도 평균을 로그로 출력하여 육안으로 모델 평가 실시</a:t>
-            </a:r>
-            <a:endParaRPr lang="en-US" altLang="ko-KR"/>
+              <a:rPr lang="en-US" altLang="ko-KR" dirty="0"/>
+              <a:t>One hot encoding</a:t>
+            </a:r>
+          </a:p>
+        </p:txBody>
+      </p:sp>
+      <p:sp>
+        <p:nvSpPr>
+          <p:cNvPr id="12" name="직사각형 11">
+            <a:extLst>
+              <a:ext uri="{FF2B5EF4-FFF2-40B4-BE49-F238E27FC236}">
+                <a16:creationId xmlns:a16="http://schemas.microsoft.com/office/drawing/2014/main" id="{55D73906-EFF8-426A-8CEC-087FD72D7488}"/>
+              </a:ext>
+            </a:extLst>
+          </p:cNvPr>
+          <p:cNvSpPr/>
+          <p:nvPr/>
+        </p:nvSpPr>
+        <p:spPr>
+          <a:xfrm>
+            <a:off x="2503188" y="3708301"/>
+            <a:ext cx="1728192" cy="720080"/>
+          </a:xfrm>
+          <a:prstGeom prst="rect">
+            <a:avLst/>
+          </a:prstGeom>
+          <a:solidFill>
+            <a:schemeClr val="bg1"/>
+          </a:solidFill>
+          <a:ln>
+            <a:solidFill>
+              <a:schemeClr val="tx1"/>
+            </a:solidFill>
+          </a:ln>
+        </p:spPr>
+        <p:style>
+          <a:lnRef idx="2">
+            <a:schemeClr val="accent1">
+              <a:shade val="50000"/>
+            </a:schemeClr>
+          </a:lnRef>
+          <a:fillRef idx="1">
+            <a:schemeClr val="accent1"/>
+          </a:fillRef>
+          <a:effectRef idx="0">
+            <a:schemeClr val="accent1"/>
+          </a:effectRef>
+          <a:fontRef idx="minor">
+            <a:schemeClr val="lt1"/>
+          </a:fontRef>
+        </p:style>
+        <p:txBody>
+          <a:bodyPr rtlCol="0" anchor="ctr"/>
+          <a:lstStyle/>
+          <a:p>
+            <a:pPr algn="ctr"/>
+            <a:endParaRPr lang="ko-KR" altLang="en-US"/>
+          </a:p>
+        </p:txBody>
+      </p:sp>
+      <p:sp>
+        <p:nvSpPr>
+          <p:cNvPr id="13" name="TextBox 12">
+            <a:extLst>
+              <a:ext uri="{FF2B5EF4-FFF2-40B4-BE49-F238E27FC236}">
+                <a16:creationId xmlns:a16="http://schemas.microsoft.com/office/drawing/2014/main" id="{3F919A24-1384-43C1-9E21-4FBFFE4AD95A}"/>
+              </a:ext>
+            </a:extLst>
+          </p:cNvPr>
+          <p:cNvSpPr txBox="1"/>
+          <p:nvPr/>
+        </p:nvSpPr>
+        <p:spPr>
+          <a:xfrm>
+            <a:off x="2548193" y="3744373"/>
+            <a:ext cx="1638182" cy="646331"/>
+          </a:xfrm>
+          <a:prstGeom prst="rect">
+            <a:avLst/>
+          </a:prstGeom>
+          <a:noFill/>
+        </p:spPr>
+        <p:txBody>
+          <a:bodyPr wrap="square" rtlCol="0">
+            <a:spAutoFit/>
+          </a:bodyPr>
+          <a:lstStyle/>
+          <a:p>
+            <a:pPr algn="ctr"/>
+            <a:r>
+              <a:rPr lang="ko-KR" altLang="en-US" dirty="0"/>
+              <a:t>사용자 </a:t>
+            </a:r>
+            <a:r>
+              <a:rPr lang="en-US" altLang="ko-KR" dirty="0"/>
+              <a:t>EOG</a:t>
+            </a:r>
+          </a:p>
+          <a:p>
+            <a:pPr algn="ctr"/>
+            <a:r>
+              <a:rPr lang="en-US" altLang="ko-KR" dirty="0"/>
+              <a:t>Data</a:t>
+            </a:r>
+            <a:endParaRPr lang="ko-KR" altLang="en-US" dirty="0"/>
+          </a:p>
+        </p:txBody>
+      </p:sp>
+      <p:sp>
+        <p:nvSpPr>
+          <p:cNvPr id="15" name="직사각형 14">
+            <a:extLst>
+              <a:ext uri="{FF2B5EF4-FFF2-40B4-BE49-F238E27FC236}">
+                <a16:creationId xmlns:a16="http://schemas.microsoft.com/office/drawing/2014/main" id="{F06B31E3-C86B-400D-B5DD-8EAB06D59709}"/>
+              </a:ext>
+            </a:extLst>
+          </p:cNvPr>
+          <p:cNvSpPr/>
+          <p:nvPr/>
+        </p:nvSpPr>
+        <p:spPr>
+          <a:xfrm>
+            <a:off x="2503188" y="4966051"/>
+            <a:ext cx="1728192" cy="720080"/>
+          </a:xfrm>
+          <a:prstGeom prst="rect">
+            <a:avLst/>
+          </a:prstGeom>
+          <a:solidFill>
+            <a:schemeClr val="bg1"/>
+          </a:solidFill>
+          <a:ln>
+            <a:solidFill>
+              <a:schemeClr val="tx1"/>
+            </a:solidFill>
+          </a:ln>
+        </p:spPr>
+        <p:style>
+          <a:lnRef idx="2">
+            <a:schemeClr val="accent1">
+              <a:shade val="50000"/>
+            </a:schemeClr>
+          </a:lnRef>
+          <a:fillRef idx="1">
+            <a:schemeClr val="accent1"/>
+          </a:fillRef>
+          <a:effectRef idx="0">
+            <a:schemeClr val="accent1"/>
+          </a:effectRef>
+          <a:fontRef idx="minor">
+            <a:schemeClr val="lt1"/>
+          </a:fontRef>
+        </p:style>
+        <p:txBody>
+          <a:bodyPr rtlCol="0" anchor="ctr"/>
+          <a:lstStyle/>
+          <a:p>
+            <a:pPr algn="ctr"/>
+            <a:endParaRPr lang="ko-KR" altLang="en-US"/>
+          </a:p>
+        </p:txBody>
+      </p:sp>
+      <p:sp>
+        <p:nvSpPr>
+          <p:cNvPr id="16" name="TextBox 15">
+            <a:extLst>
+              <a:ext uri="{FF2B5EF4-FFF2-40B4-BE49-F238E27FC236}">
+                <a16:creationId xmlns:a16="http://schemas.microsoft.com/office/drawing/2014/main" id="{3ACC7E4C-AD83-49CE-B3DF-7FB5B543E927}"/>
+              </a:ext>
+            </a:extLst>
+          </p:cNvPr>
+          <p:cNvSpPr txBox="1"/>
+          <p:nvPr/>
+        </p:nvSpPr>
+        <p:spPr>
+          <a:xfrm>
+            <a:off x="2593198" y="5002123"/>
+            <a:ext cx="1548172" cy="646331"/>
+          </a:xfrm>
+          <a:prstGeom prst="rect">
+            <a:avLst/>
+          </a:prstGeom>
+          <a:noFill/>
+        </p:spPr>
+        <p:txBody>
+          <a:bodyPr wrap="square" rtlCol="0">
+            <a:spAutoFit/>
+          </a:bodyPr>
+          <a:lstStyle/>
+          <a:p>
+            <a:pPr algn="ctr"/>
+            <a:r>
+              <a:rPr lang="ko-KR" altLang="en-US" dirty="0"/>
+              <a:t>눈 깜빡임</a:t>
+            </a:r>
+            <a:endParaRPr lang="en-US" altLang="ko-KR" dirty="0"/>
+          </a:p>
+          <a:p>
+            <a:pPr algn="ctr"/>
+            <a:r>
+              <a:rPr lang="ko-KR" altLang="en-US" dirty="0"/>
+              <a:t>특징 추출</a:t>
+            </a:r>
+          </a:p>
+        </p:txBody>
+      </p:sp>
+      <p:sp>
+        <p:nvSpPr>
+          <p:cNvPr id="21" name="TextBox 20">
+            <a:extLst>
+              <a:ext uri="{FF2B5EF4-FFF2-40B4-BE49-F238E27FC236}">
+                <a16:creationId xmlns:a16="http://schemas.microsoft.com/office/drawing/2014/main" id="{33403B0B-B109-4D2B-A81A-D53131E4D196}"/>
+              </a:ext>
+            </a:extLst>
+          </p:cNvPr>
+          <p:cNvSpPr txBox="1"/>
+          <p:nvPr/>
+        </p:nvSpPr>
+        <p:spPr>
+          <a:xfrm>
+            <a:off x="2827224" y="3356992"/>
+            <a:ext cx="1080120" cy="307777"/>
+          </a:xfrm>
+          <a:prstGeom prst="rect">
+            <a:avLst/>
+          </a:prstGeom>
+          <a:noFill/>
+        </p:spPr>
+        <p:txBody>
+          <a:bodyPr wrap="square" rtlCol="0">
+            <a:spAutoFit/>
+          </a:bodyPr>
+          <a:lstStyle/>
+          <a:p>
+            <a:pPr algn="ctr"/>
+            <a:r>
+              <a:rPr lang="en-US" altLang="ko-KR" sz="1400" b="1" dirty="0"/>
+              <a:t>label</a:t>
+            </a:r>
+            <a:endParaRPr lang="ko-KR" altLang="en-US" sz="1400" b="1" dirty="0"/>
           </a:p>
         </p:txBody>
       </p:sp>
       <p:pic>
         <p:nvPicPr>
-          <p:cNvPr id="3" name="그림 2">
+          <p:cNvPr id="4" name="그림 3">
             <a:extLst>
               <a:ext uri="{FF2B5EF4-FFF2-40B4-BE49-F238E27FC236}">
-                <a16:creationId xmlns:a16="http://schemas.microsoft.com/office/drawing/2014/main" id="{E94F0E77-279C-408F-8670-630BB6514996}"/>
+                <a16:creationId xmlns:a16="http://schemas.microsoft.com/office/drawing/2014/main" id="{7E02EF00-D351-4957-B1E7-194768799C6D}"/>
               </a:ext>
             </a:extLst>
           </p:cNvPr>
@@ -10530,8 +17021,8 @@
         </p:blipFill>
         <p:spPr>
           <a:xfrm>
-            <a:off x="2544069" y="2920604"/>
-            <a:ext cx="4055861" cy="3003594"/>
+            <a:off x="5330924" y="3917323"/>
+            <a:ext cx="1257300" cy="285750"/>
           </a:xfrm>
           <a:prstGeom prst="rect">
             <a:avLst/>
@@ -10540,10 +17031,10 @@
       </p:pic>
       <p:pic>
         <p:nvPicPr>
-          <p:cNvPr id="4" name="그림 3">
+          <p:cNvPr id="7" name="그림 6">
             <a:extLst>
               <a:ext uri="{FF2B5EF4-FFF2-40B4-BE49-F238E27FC236}">
-                <a16:creationId xmlns:a16="http://schemas.microsoft.com/office/drawing/2014/main" id="{0319B01C-E3F9-4972-8117-9655465226C1}"/>
+                <a16:creationId xmlns:a16="http://schemas.microsoft.com/office/drawing/2014/main" id="{B7EE950F-8CB3-469A-BD8F-5DD139B114D8}"/>
               </a:ext>
             </a:extLst>
           </p:cNvPr>
@@ -10560,18 +17051,624 @@
         </p:blipFill>
         <p:spPr>
           <a:xfrm>
-            <a:off x="723900" y="5914851"/>
-            <a:ext cx="7962900" cy="533400"/>
+            <a:off x="5602386" y="4764488"/>
+            <a:ext cx="714375" cy="1209675"/>
           </a:xfrm>
           <a:prstGeom prst="rect">
             <a:avLst/>
           </a:prstGeom>
         </p:spPr>
       </p:pic>
+      <p:cxnSp>
+        <p:nvCxnSpPr>
+          <p:cNvPr id="22" name="직선 연결선 21">
+            <a:extLst>
+              <a:ext uri="{FF2B5EF4-FFF2-40B4-BE49-F238E27FC236}">
+                <a16:creationId xmlns:a16="http://schemas.microsoft.com/office/drawing/2014/main" id="{E5146E93-57DC-4940-8E2C-FA6782FB4F2E}"/>
+              </a:ext>
+            </a:extLst>
+          </p:cNvPr>
+          <p:cNvCxnSpPr>
+            <a:cxnSpLocks/>
+          </p:cNvCxnSpPr>
+          <p:nvPr/>
+        </p:nvCxnSpPr>
+        <p:spPr>
+          <a:xfrm flipV="1">
+            <a:off x="4231380" y="4203073"/>
+            <a:ext cx="1154781" cy="204639"/>
+          </a:xfrm>
+          <a:prstGeom prst="line">
+            <a:avLst/>
+          </a:prstGeom>
+        </p:spPr>
+        <p:style>
+          <a:lnRef idx="1">
+            <a:schemeClr val="accent1"/>
+          </a:lnRef>
+          <a:fillRef idx="0">
+            <a:schemeClr val="accent1"/>
+          </a:fillRef>
+          <a:effectRef idx="0">
+            <a:schemeClr val="accent1"/>
+          </a:effectRef>
+          <a:fontRef idx="minor">
+            <a:schemeClr val="tx1"/>
+          </a:fontRef>
+        </p:style>
+      </p:cxnSp>
+      <p:cxnSp>
+        <p:nvCxnSpPr>
+          <p:cNvPr id="23" name="직선 연결선 22">
+            <a:extLst>
+              <a:ext uri="{FF2B5EF4-FFF2-40B4-BE49-F238E27FC236}">
+                <a16:creationId xmlns:a16="http://schemas.microsoft.com/office/drawing/2014/main" id="{DECFFDC6-072C-4E92-B964-FD26CC361AD9}"/>
+              </a:ext>
+            </a:extLst>
+          </p:cNvPr>
+          <p:cNvCxnSpPr>
+            <a:cxnSpLocks/>
+          </p:cNvCxnSpPr>
+          <p:nvPr/>
+        </p:nvCxnSpPr>
+        <p:spPr>
+          <a:xfrm>
+            <a:off x="4255021" y="3708301"/>
+            <a:ext cx="1131140" cy="209022"/>
+          </a:xfrm>
+          <a:prstGeom prst="line">
+            <a:avLst/>
+          </a:prstGeom>
+        </p:spPr>
+        <p:style>
+          <a:lnRef idx="1">
+            <a:schemeClr val="accent1"/>
+          </a:lnRef>
+          <a:fillRef idx="0">
+            <a:schemeClr val="accent1"/>
+          </a:fillRef>
+          <a:effectRef idx="0">
+            <a:schemeClr val="accent1"/>
+          </a:effectRef>
+          <a:fontRef idx="minor">
+            <a:schemeClr val="tx1"/>
+          </a:fontRef>
+        </p:style>
+      </p:cxnSp>
+      <p:cxnSp>
+        <p:nvCxnSpPr>
+          <p:cNvPr id="26" name="직선 연결선 25">
+            <a:extLst>
+              <a:ext uri="{FF2B5EF4-FFF2-40B4-BE49-F238E27FC236}">
+                <a16:creationId xmlns:a16="http://schemas.microsoft.com/office/drawing/2014/main" id="{75C4CEB8-33E7-46FF-BA19-ADF534BB5086}"/>
+              </a:ext>
+            </a:extLst>
+          </p:cNvPr>
+          <p:cNvCxnSpPr>
+            <a:cxnSpLocks/>
+          </p:cNvCxnSpPr>
+          <p:nvPr/>
+        </p:nvCxnSpPr>
+        <p:spPr>
+          <a:xfrm flipV="1">
+            <a:off x="4176830" y="4784829"/>
+            <a:ext cx="1425556" cy="177465"/>
+          </a:xfrm>
+          <a:prstGeom prst="line">
+            <a:avLst/>
+          </a:prstGeom>
+        </p:spPr>
+        <p:style>
+          <a:lnRef idx="1">
+            <a:schemeClr val="accent1"/>
+          </a:lnRef>
+          <a:fillRef idx="0">
+            <a:schemeClr val="accent1"/>
+          </a:fillRef>
+          <a:effectRef idx="0">
+            <a:schemeClr val="accent1"/>
+          </a:effectRef>
+          <a:fontRef idx="minor">
+            <a:schemeClr val="tx1"/>
+          </a:fontRef>
+        </p:style>
+      </p:cxnSp>
+      <p:cxnSp>
+        <p:nvCxnSpPr>
+          <p:cNvPr id="28" name="직선 연결선 27">
+            <a:extLst>
+              <a:ext uri="{FF2B5EF4-FFF2-40B4-BE49-F238E27FC236}">
+                <a16:creationId xmlns:a16="http://schemas.microsoft.com/office/drawing/2014/main" id="{064DB643-6DA7-4A36-8165-B0C12D4429D7}"/>
+              </a:ext>
+            </a:extLst>
+          </p:cNvPr>
+          <p:cNvCxnSpPr>
+            <a:cxnSpLocks/>
+          </p:cNvCxnSpPr>
+          <p:nvPr/>
+        </p:nvCxnSpPr>
+        <p:spPr>
+          <a:xfrm>
+            <a:off x="4255021" y="5669992"/>
+            <a:ext cx="1488527" cy="304171"/>
+          </a:xfrm>
+          <a:prstGeom prst="line">
+            <a:avLst/>
+          </a:prstGeom>
+        </p:spPr>
+        <p:style>
+          <a:lnRef idx="1">
+            <a:schemeClr val="accent1"/>
+          </a:lnRef>
+          <a:fillRef idx="0">
+            <a:schemeClr val="accent1"/>
+          </a:fillRef>
+          <a:effectRef idx="0">
+            <a:schemeClr val="accent1"/>
+          </a:effectRef>
+          <a:fontRef idx="minor">
+            <a:schemeClr val="tx1"/>
+          </a:fontRef>
+        </p:style>
+      </p:cxnSp>
+      <p:sp>
+        <p:nvSpPr>
+          <p:cNvPr id="30" name="TextBox 29">
+            <a:extLst>
+              <a:ext uri="{FF2B5EF4-FFF2-40B4-BE49-F238E27FC236}">
+                <a16:creationId xmlns:a16="http://schemas.microsoft.com/office/drawing/2014/main" id="{14FB9DCC-3D65-44E6-87DE-A3D07A09D66A}"/>
+              </a:ext>
+            </a:extLst>
+          </p:cNvPr>
+          <p:cNvSpPr txBox="1"/>
+          <p:nvPr/>
+        </p:nvSpPr>
+        <p:spPr>
+          <a:xfrm>
+            <a:off x="3367285" y="4529050"/>
+            <a:ext cx="1728191" cy="307777"/>
+          </a:xfrm>
+          <a:prstGeom prst="rect">
+            <a:avLst/>
+          </a:prstGeom>
+          <a:noFill/>
+        </p:spPr>
+        <p:txBody>
+          <a:bodyPr wrap="square" rtlCol="0">
+            <a:spAutoFit/>
+          </a:bodyPr>
+          <a:lstStyle/>
+          <a:p>
+            <a:pPr algn="ctr"/>
+            <a:r>
+              <a:rPr lang="en-US" altLang="ko-KR" sz="1400" b="1" dirty="0"/>
+              <a:t>One hot encoding</a:t>
+            </a:r>
+            <a:endParaRPr lang="ko-KR" altLang="en-US" sz="1400" b="1" dirty="0"/>
+          </a:p>
+        </p:txBody>
+      </p:sp>
+      <p:cxnSp>
+        <p:nvCxnSpPr>
+          <p:cNvPr id="31" name="직선 화살표 연결선 30">
+            <a:extLst>
+              <a:ext uri="{FF2B5EF4-FFF2-40B4-BE49-F238E27FC236}">
+                <a16:creationId xmlns:a16="http://schemas.microsoft.com/office/drawing/2014/main" id="{EAFCEB2F-2902-42A1-B599-B44119A3DAC6}"/>
+              </a:ext>
+            </a:extLst>
+          </p:cNvPr>
+          <p:cNvCxnSpPr>
+            <a:cxnSpLocks/>
+          </p:cNvCxnSpPr>
+          <p:nvPr/>
+        </p:nvCxnSpPr>
+        <p:spPr>
+          <a:xfrm>
+            <a:off x="3383436" y="4474030"/>
+            <a:ext cx="0" cy="449207"/>
+          </a:xfrm>
+          <a:prstGeom prst="straightConnector1">
+            <a:avLst/>
+          </a:prstGeom>
+          <a:ln>
+            <a:solidFill>
+              <a:schemeClr val="tx1"/>
+            </a:solidFill>
+            <a:tailEnd type="triangle"/>
+          </a:ln>
+        </p:spPr>
+        <p:style>
+          <a:lnRef idx="1">
+            <a:schemeClr val="accent1"/>
+          </a:lnRef>
+          <a:fillRef idx="0">
+            <a:schemeClr val="accent1"/>
+          </a:fillRef>
+          <a:effectRef idx="0">
+            <a:schemeClr val="accent1"/>
+          </a:effectRef>
+          <a:fontRef idx="minor">
+            <a:schemeClr val="tx1"/>
+          </a:fontRef>
+        </p:style>
+      </p:cxnSp>
+      <p:cxnSp>
+        <p:nvCxnSpPr>
+          <p:cNvPr id="32" name="직선 화살표 연결선 31">
+            <a:extLst>
+              <a:ext uri="{FF2B5EF4-FFF2-40B4-BE49-F238E27FC236}">
+                <a16:creationId xmlns:a16="http://schemas.microsoft.com/office/drawing/2014/main" id="{D1F78B72-8AF1-46B0-A610-E1E4B046D68D}"/>
+              </a:ext>
+            </a:extLst>
+          </p:cNvPr>
+          <p:cNvCxnSpPr>
+            <a:cxnSpLocks/>
+          </p:cNvCxnSpPr>
+          <p:nvPr/>
+        </p:nvCxnSpPr>
+        <p:spPr>
+          <a:xfrm flipH="1" flipV="1">
+            <a:off x="5284473" y="3248617"/>
+            <a:ext cx="177180" cy="693485"/>
+          </a:xfrm>
+          <a:prstGeom prst="straightConnector1">
+            <a:avLst/>
+          </a:prstGeom>
+          <a:ln>
+            <a:solidFill>
+              <a:srgbClr val="FF0066"/>
+            </a:solidFill>
+            <a:tailEnd type="triangle"/>
+          </a:ln>
+        </p:spPr>
+        <p:style>
+          <a:lnRef idx="1">
+            <a:schemeClr val="accent1"/>
+          </a:lnRef>
+          <a:fillRef idx="0">
+            <a:schemeClr val="accent1"/>
+          </a:fillRef>
+          <a:effectRef idx="0">
+            <a:schemeClr val="accent1"/>
+          </a:effectRef>
+          <a:fontRef idx="minor">
+            <a:schemeClr val="tx1"/>
+          </a:fontRef>
+        </p:style>
+      </p:cxnSp>
+      <p:cxnSp>
+        <p:nvCxnSpPr>
+          <p:cNvPr id="34" name="직선 화살표 연결선 33">
+            <a:extLst>
+              <a:ext uri="{FF2B5EF4-FFF2-40B4-BE49-F238E27FC236}">
+                <a16:creationId xmlns:a16="http://schemas.microsoft.com/office/drawing/2014/main" id="{9A838B39-98C9-421B-8807-D18177EB29C0}"/>
+              </a:ext>
+            </a:extLst>
+          </p:cNvPr>
+          <p:cNvCxnSpPr>
+            <a:cxnSpLocks/>
+          </p:cNvCxnSpPr>
+          <p:nvPr/>
+        </p:nvCxnSpPr>
+        <p:spPr>
+          <a:xfrm flipV="1">
+            <a:off x="5774376" y="3248617"/>
+            <a:ext cx="185197" cy="710035"/>
+          </a:xfrm>
+          <a:prstGeom prst="straightConnector1">
+            <a:avLst/>
+          </a:prstGeom>
+          <a:ln>
+            <a:solidFill>
+              <a:srgbClr val="FF0066"/>
+            </a:solidFill>
+            <a:tailEnd type="triangle"/>
+          </a:ln>
+        </p:spPr>
+        <p:style>
+          <a:lnRef idx="1">
+            <a:schemeClr val="accent1"/>
+          </a:lnRef>
+          <a:fillRef idx="0">
+            <a:schemeClr val="accent1"/>
+          </a:fillRef>
+          <a:effectRef idx="0">
+            <a:schemeClr val="accent1"/>
+          </a:effectRef>
+          <a:fontRef idx="minor">
+            <a:schemeClr val="tx1"/>
+          </a:fontRef>
+        </p:style>
+      </p:cxnSp>
+      <p:cxnSp>
+        <p:nvCxnSpPr>
+          <p:cNvPr id="37" name="직선 화살표 연결선 36">
+            <a:extLst>
+              <a:ext uri="{FF2B5EF4-FFF2-40B4-BE49-F238E27FC236}">
+                <a16:creationId xmlns:a16="http://schemas.microsoft.com/office/drawing/2014/main" id="{2AB36CA1-0BDA-4BB3-BED2-C3EEE0B9B1D5}"/>
+              </a:ext>
+            </a:extLst>
+          </p:cNvPr>
+          <p:cNvCxnSpPr>
+            <a:cxnSpLocks/>
+          </p:cNvCxnSpPr>
+          <p:nvPr/>
+        </p:nvCxnSpPr>
+        <p:spPr>
+          <a:xfrm flipV="1">
+            <a:off x="6179697" y="3281598"/>
+            <a:ext cx="454978" cy="656391"/>
+          </a:xfrm>
+          <a:prstGeom prst="straightConnector1">
+            <a:avLst/>
+          </a:prstGeom>
+          <a:ln>
+            <a:solidFill>
+              <a:srgbClr val="FF0066"/>
+            </a:solidFill>
+            <a:tailEnd type="triangle"/>
+          </a:ln>
+        </p:spPr>
+        <p:style>
+          <a:lnRef idx="1">
+            <a:schemeClr val="accent1"/>
+          </a:lnRef>
+          <a:fillRef idx="0">
+            <a:schemeClr val="accent1"/>
+          </a:fillRef>
+          <a:effectRef idx="0">
+            <a:schemeClr val="accent1"/>
+          </a:effectRef>
+          <a:fontRef idx="minor">
+            <a:schemeClr val="tx1"/>
+          </a:fontRef>
+        </p:style>
+      </p:cxnSp>
+      <p:sp>
+        <p:nvSpPr>
+          <p:cNvPr id="39" name="TextBox 38">
+            <a:extLst>
+              <a:ext uri="{FF2B5EF4-FFF2-40B4-BE49-F238E27FC236}">
+                <a16:creationId xmlns:a16="http://schemas.microsoft.com/office/drawing/2014/main" id="{4DD88A25-DFE9-41C9-9992-315CBB96AD78}"/>
+              </a:ext>
+            </a:extLst>
+          </p:cNvPr>
+          <p:cNvSpPr txBox="1"/>
+          <p:nvPr/>
+        </p:nvSpPr>
+        <p:spPr>
+          <a:xfrm>
+            <a:off x="4663428" y="2984650"/>
+            <a:ext cx="1080120" cy="276999"/>
+          </a:xfrm>
+          <a:prstGeom prst="rect">
+            <a:avLst/>
+          </a:prstGeom>
+          <a:noFill/>
+        </p:spPr>
+        <p:txBody>
+          <a:bodyPr wrap="square" rtlCol="0">
+            <a:spAutoFit/>
+          </a:bodyPr>
+          <a:lstStyle/>
+          <a:p>
+            <a:pPr algn="ctr"/>
+            <a:r>
+              <a:rPr lang="ko-KR" altLang="en-US" sz="1200" b="1" dirty="0">
+                <a:solidFill>
+                  <a:srgbClr val="FF0000"/>
+                </a:solidFill>
+              </a:rPr>
+              <a:t>사용자</a:t>
+            </a:r>
+            <a:r>
+              <a:rPr lang="en-US" altLang="ko-KR" sz="1200" b="1" dirty="0">
+                <a:solidFill>
+                  <a:srgbClr val="FF0000"/>
+                </a:solidFill>
+              </a:rPr>
+              <a:t>1</a:t>
+            </a:r>
+            <a:endParaRPr lang="ko-KR" altLang="en-US" sz="1200" b="1" dirty="0">
+              <a:solidFill>
+                <a:srgbClr val="FF0000"/>
+              </a:solidFill>
+            </a:endParaRPr>
+          </a:p>
+        </p:txBody>
+      </p:sp>
+      <p:sp>
+        <p:nvSpPr>
+          <p:cNvPr id="40" name="TextBox 39">
+            <a:extLst>
+              <a:ext uri="{FF2B5EF4-FFF2-40B4-BE49-F238E27FC236}">
+                <a16:creationId xmlns:a16="http://schemas.microsoft.com/office/drawing/2014/main" id="{2D2742F4-8DF8-49FB-ABDF-3C1F40AA39C7}"/>
+              </a:ext>
+            </a:extLst>
+          </p:cNvPr>
+          <p:cNvSpPr txBox="1"/>
+          <p:nvPr/>
+        </p:nvSpPr>
+        <p:spPr>
+          <a:xfrm>
+            <a:off x="5387106" y="2984649"/>
+            <a:ext cx="1080120" cy="276999"/>
+          </a:xfrm>
+          <a:prstGeom prst="rect">
+            <a:avLst/>
+          </a:prstGeom>
+          <a:noFill/>
+        </p:spPr>
+        <p:txBody>
+          <a:bodyPr wrap="square" rtlCol="0">
+            <a:spAutoFit/>
+          </a:bodyPr>
+          <a:lstStyle/>
+          <a:p>
+            <a:pPr algn="ctr"/>
+            <a:r>
+              <a:rPr lang="ko-KR" altLang="en-US" sz="1200" b="1" dirty="0">
+                <a:solidFill>
+                  <a:srgbClr val="FF0000"/>
+                </a:solidFill>
+              </a:rPr>
+              <a:t>사용자</a:t>
+            </a:r>
+            <a:r>
+              <a:rPr lang="en-US" altLang="ko-KR" sz="1200" b="1" dirty="0">
+                <a:solidFill>
+                  <a:srgbClr val="FF0000"/>
+                </a:solidFill>
+              </a:rPr>
+              <a:t>2</a:t>
+            </a:r>
+            <a:endParaRPr lang="ko-KR" altLang="en-US" sz="1200" b="1" dirty="0">
+              <a:solidFill>
+                <a:srgbClr val="FF0000"/>
+              </a:solidFill>
+            </a:endParaRPr>
+          </a:p>
+        </p:txBody>
+      </p:sp>
+      <p:sp>
+        <p:nvSpPr>
+          <p:cNvPr id="41" name="TextBox 40">
+            <a:extLst>
+              <a:ext uri="{FF2B5EF4-FFF2-40B4-BE49-F238E27FC236}">
+                <a16:creationId xmlns:a16="http://schemas.microsoft.com/office/drawing/2014/main" id="{8862BEF0-79C0-463C-A841-0D3DA52D792A}"/>
+              </a:ext>
+            </a:extLst>
+          </p:cNvPr>
+          <p:cNvSpPr txBox="1"/>
+          <p:nvPr/>
+        </p:nvSpPr>
+        <p:spPr>
+          <a:xfrm>
+            <a:off x="6187000" y="2984648"/>
+            <a:ext cx="1080120" cy="276999"/>
+          </a:xfrm>
+          <a:prstGeom prst="rect">
+            <a:avLst/>
+          </a:prstGeom>
+          <a:noFill/>
+        </p:spPr>
+        <p:txBody>
+          <a:bodyPr wrap="square" rtlCol="0">
+            <a:spAutoFit/>
+          </a:bodyPr>
+          <a:lstStyle/>
+          <a:p>
+            <a:pPr algn="ctr"/>
+            <a:r>
+              <a:rPr lang="ko-KR" altLang="en-US" sz="1200" b="1" dirty="0" err="1">
+                <a:solidFill>
+                  <a:srgbClr val="FF0000"/>
+                </a:solidFill>
+              </a:rPr>
+              <a:t>잡파</a:t>
+            </a:r>
+            <a:endParaRPr lang="ko-KR" altLang="en-US" sz="1200" b="1" dirty="0">
+              <a:solidFill>
+                <a:srgbClr val="FF0000"/>
+              </a:solidFill>
+            </a:endParaRPr>
+          </a:p>
+        </p:txBody>
+      </p:sp>
+      <p:sp>
+        <p:nvSpPr>
+          <p:cNvPr id="42" name="TextBox 41">
+            <a:extLst>
+              <a:ext uri="{FF2B5EF4-FFF2-40B4-BE49-F238E27FC236}">
+                <a16:creationId xmlns:a16="http://schemas.microsoft.com/office/drawing/2014/main" id="{A093C69A-4C3D-40EC-AF82-EF3265F1E995}"/>
+              </a:ext>
+            </a:extLst>
+          </p:cNvPr>
+          <p:cNvSpPr txBox="1"/>
+          <p:nvPr/>
+        </p:nvSpPr>
+        <p:spPr>
+          <a:xfrm>
+            <a:off x="5849241" y="4706535"/>
+            <a:ext cx="1080120" cy="276999"/>
+          </a:xfrm>
+          <a:prstGeom prst="rect">
+            <a:avLst/>
+          </a:prstGeom>
+          <a:noFill/>
+        </p:spPr>
+        <p:txBody>
+          <a:bodyPr wrap="square" rtlCol="0">
+            <a:spAutoFit/>
+          </a:bodyPr>
+          <a:lstStyle/>
+          <a:p>
+            <a:pPr algn="ctr"/>
+            <a:r>
+              <a:rPr lang="en-US" altLang="ko-KR" sz="1200" b="1" dirty="0">
+                <a:solidFill>
+                  <a:srgbClr val="FF0000"/>
+                </a:solidFill>
+              </a:rPr>
+              <a:t>0</a:t>
+            </a:r>
+            <a:endParaRPr lang="ko-KR" altLang="en-US" sz="1200" b="1" dirty="0">
+              <a:solidFill>
+                <a:srgbClr val="FF0000"/>
+              </a:solidFill>
+            </a:endParaRPr>
+          </a:p>
+        </p:txBody>
+      </p:sp>
+      <p:sp>
+        <p:nvSpPr>
+          <p:cNvPr id="43" name="TextBox 42">
+            <a:extLst>
+              <a:ext uri="{FF2B5EF4-FFF2-40B4-BE49-F238E27FC236}">
+                <a16:creationId xmlns:a16="http://schemas.microsoft.com/office/drawing/2014/main" id="{C081C01C-C7C2-48D8-8FA4-5E60F7298ED4}"/>
+              </a:ext>
+            </a:extLst>
+          </p:cNvPr>
+          <p:cNvSpPr txBox="1"/>
+          <p:nvPr/>
+        </p:nvSpPr>
+        <p:spPr>
+          <a:xfrm>
+            <a:off x="5843807" y="4880193"/>
+            <a:ext cx="1080120" cy="276999"/>
+          </a:xfrm>
+          <a:prstGeom prst="rect">
+            <a:avLst/>
+          </a:prstGeom>
+          <a:noFill/>
+        </p:spPr>
+        <p:txBody>
+          <a:bodyPr wrap="square" rtlCol="0">
+            <a:spAutoFit/>
+          </a:bodyPr>
+          <a:lstStyle/>
+          <a:p>
+            <a:pPr algn="ctr"/>
+            <a:r>
+              <a:rPr lang="en-US" altLang="ko-KR" sz="1200" b="1" dirty="0">
+                <a:solidFill>
+                  <a:srgbClr val="FF0000"/>
+                </a:solidFill>
+              </a:rPr>
+              <a:t>2</a:t>
+            </a:r>
+            <a:endParaRPr lang="ko-KR" altLang="en-US" sz="1200" b="1" dirty="0">
+              <a:solidFill>
+                <a:srgbClr val="FF0000"/>
+              </a:solidFill>
+            </a:endParaRPr>
+          </a:p>
+        </p:txBody>
+      </p:sp>
     </p:spTree>
     <p:extLst>
       <p:ext uri="{BB962C8B-B14F-4D97-AF65-F5344CB8AC3E}">
-        <p14:creationId xmlns:p14="http://schemas.microsoft.com/office/powerpoint/2010/main" val="280034712"/>
+        <p14:creationId xmlns:p14="http://schemas.microsoft.com/office/powerpoint/2010/main" val="613162292"/>
       </p:ext>
     </p:extLst>
   </p:cSld>
@@ -10631,18 +17728,18 @@
               <a:buChar char="§"/>
             </a:pPr>
             <a:r>
-              <a:rPr lang="en-US" altLang="ko-KR" sz="2400" b="1" dirty="0">
+              <a:rPr lang="en-US" altLang="ko-KR" sz="2400" b="1">
                 <a:latin typeface="+mj-ea"/>
                 <a:ea typeface="+mj-ea"/>
               </a:rPr>
               <a:t> </a:t>
             </a:r>
             <a:r>
-              <a:rPr lang="ko-KR" altLang="en-US" sz="2400" b="1" dirty="0">
+              <a:rPr lang="ko-KR" altLang="en-US" sz="2400" b="1">
                 <a:latin typeface="+mj-ea"/>
                 <a:ea typeface="+mj-ea"/>
               </a:rPr>
-              <a:t>실험결과</a:t>
+              <a:t>안전도 필터링 모델 구축 코드</a:t>
             </a:r>
             <a:endParaRPr lang="en-US" altLang="ko-KR" sz="2400" b="1" dirty="0">
               <a:latin typeface="+mj-ea"/>
@@ -10776,7 +17873,7 @@
                 </a:solidFill>
                 <a:latin typeface="+mj-ea"/>
               </a:rPr>
-              <a:t>실험결과</a:t>
+              <a:t>소스코드</a:t>
             </a:r>
             <a:endParaRPr lang="ko-KR" altLang="en-US" sz="3600" b="1" dirty="0">
               <a:solidFill>
@@ -10801,8 +17898,8 @@
         </p:nvSpPr>
         <p:spPr>
           <a:xfrm>
-            <a:off x="827584" y="1563600"/>
-            <a:ext cx="7499865" cy="1983284"/>
+            <a:off x="827584" y="1563599"/>
+            <a:ext cx="7499865" cy="1793940"/>
           </a:xfrm>
           <a:prstGeom prst="rect">
             <a:avLst/>
@@ -10847,10 +17944,10 @@
       </p:sp>
       <p:sp>
         <p:nvSpPr>
-          <p:cNvPr id="8" name="TextBox 7">
+          <p:cNvPr id="14" name="TextBox 13">
             <a:extLst>
               <a:ext uri="{FF2B5EF4-FFF2-40B4-BE49-F238E27FC236}">
-                <a16:creationId xmlns:a16="http://schemas.microsoft.com/office/drawing/2014/main" id="{59574F2E-70E6-4529-857F-38523A9E2909}"/>
+                <a16:creationId xmlns:a16="http://schemas.microsoft.com/office/drawing/2014/main" id="{732CFE51-7778-4965-AB44-54630EF29B1E}"/>
               </a:ext>
             </a:extLst>
           </p:cNvPr>
@@ -10860,7 +17957,7 @@
         <p:spPr>
           <a:xfrm>
             <a:off x="816551" y="1556792"/>
-            <a:ext cx="7510898" cy="1754326"/>
+            <a:ext cx="7510898" cy="1477328"/>
           </a:xfrm>
           <a:prstGeom prst="rect">
             <a:avLst/>
@@ -10878,16 +17975,8 @@
               <a:buChar char="§"/>
             </a:pPr>
             <a:r>
-              <a:rPr lang="en-US" altLang="ko-KR" dirty="0"/>
-              <a:t>Z-</a:t>
-            </a:r>
-            <a:r>
-              <a:rPr lang="en-US" altLang="ko-KR" dirty="0" err="1"/>
-              <a:t>dist</a:t>
-            </a:r>
-            <a:r>
               <a:rPr lang="ko-KR" altLang="en-US" dirty="0"/>
-              <a:t>를 통한 데이터 정규화는 항상 정확도가 사용하지 않은 것에 비해 높게 나옴</a:t>
+              <a:t>모든 경우에 대한 정확도를 평가하기 위해 모델 구축 메소드 설계</a:t>
             </a:r>
             <a:endParaRPr lang="en-US" altLang="ko-KR" dirty="0"/>
           </a:p>
@@ -10898,15 +17987,7 @@
             </a:pPr>
             <a:r>
               <a:rPr lang="ko-KR" altLang="en-US" dirty="0"/>
-              <a:t>활성화 함수에서 </a:t>
-            </a:r>
-            <a:r>
-              <a:rPr lang="en-US" altLang="ko-KR" dirty="0"/>
-              <a:t>sigmoid</a:t>
-            </a:r>
-            <a:r>
-              <a:rPr lang="ko-KR" altLang="en-US" dirty="0"/>
-              <a:t>의 정확도가 유난히 낮았으며</a:t>
+              <a:t>활성화 함수</a:t>
             </a:r>
             <a:r>
               <a:rPr lang="en-US" altLang="ko-KR" dirty="0"/>
@@ -10914,7 +17995,39 @@
             </a:r>
             <a:r>
               <a:rPr lang="ko-KR" altLang="en-US" dirty="0"/>
-              <a:t>나머지는 비슷한 경향을 보임</a:t>
+              <a:t>손실 함수</a:t>
+            </a:r>
+            <a:r>
+              <a:rPr lang="en-US" altLang="ko-KR" dirty="0"/>
+              <a:t>, hidden layer</a:t>
+            </a:r>
+            <a:r>
+              <a:rPr lang="ko-KR" altLang="en-US" dirty="0"/>
+              <a:t>의 수</a:t>
+            </a:r>
+            <a:r>
+              <a:rPr lang="en-US" altLang="ko-KR" dirty="0"/>
+              <a:t>, hidden layer </a:t>
+            </a:r>
+            <a:r>
+              <a:rPr lang="ko-KR" altLang="en-US" dirty="0"/>
+              <a:t>마다의 노드 수</a:t>
+            </a:r>
+            <a:r>
+              <a:rPr lang="en-US" altLang="ko-KR" dirty="0"/>
+              <a:t>, dropout </a:t>
+            </a:r>
+            <a:r>
+              <a:rPr lang="ko-KR" altLang="en-US" dirty="0"/>
+              <a:t>값을 </a:t>
+            </a:r>
+            <a:r>
+              <a:rPr lang="ko-KR" altLang="en-US" dirty="0" err="1"/>
+              <a:t>파라매터로</a:t>
+            </a:r>
+            <a:r>
+              <a:rPr lang="ko-KR" altLang="en-US" dirty="0"/>
+              <a:t> 입력 받음</a:t>
             </a:r>
             <a:endParaRPr lang="en-US" altLang="ko-KR" dirty="0"/>
           </a:p>
@@ -10925,15 +18038,47 @@
             </a:pPr>
             <a:r>
               <a:rPr lang="ko-KR" altLang="en-US" dirty="0"/>
-              <a:t>종합적으로 평가한 결과 최대 </a:t>
+              <a:t>마지막 </a:t>
             </a:r>
             <a:r>
               <a:rPr lang="en-US" altLang="ko-KR" dirty="0"/>
-              <a:t>93%</a:t>
+              <a:t>output layer</a:t>
             </a:r>
             <a:r>
               <a:rPr lang="ko-KR" altLang="en-US" dirty="0"/>
-              <a:t>의 정확도를 보이는 지점은 다음과 같음</a:t>
+              <a:t>의 활성화 함수는 </a:t>
+            </a:r>
+            <a:r>
+              <a:rPr lang="en-US" altLang="ko-KR" dirty="0" err="1"/>
+              <a:t>softmax</a:t>
+            </a:r>
+            <a:r>
+              <a:rPr lang="ko-KR" altLang="en-US" dirty="0"/>
+              <a:t>이며</a:t>
+            </a:r>
+            <a:r>
+              <a:rPr lang="en-US" altLang="ko-KR" dirty="0"/>
+              <a:t>, </a:t>
+            </a:r>
+            <a:r>
+              <a:rPr lang="ko-KR" altLang="en-US" dirty="0" err="1"/>
+              <a:t>옵티마이저는</a:t>
+            </a:r>
+            <a:r>
+              <a:rPr lang="ko-KR" altLang="en-US" dirty="0"/>
+              <a:t> 가장 효율이 좋다고 알려진 </a:t>
+            </a:r>
+            <a:r>
+              <a:rPr lang="en-US" altLang="ko-KR" dirty="0" err="1"/>
+              <a:t>rmsprop</a:t>
+            </a:r>
+            <a:r>
+              <a:rPr lang="en-US" altLang="ko-KR" dirty="0"/>
+              <a:t> </a:t>
+            </a:r>
+            <a:r>
+              <a:rPr lang="ko-KR" altLang="en-US" dirty="0"/>
+              <a:t>이용</a:t>
             </a:r>
             <a:endParaRPr lang="en-US" altLang="ko-KR" dirty="0"/>
           </a:p>
@@ -10941,10 +18086,10 @@
       </p:sp>
       <p:pic>
         <p:nvPicPr>
-          <p:cNvPr id="4" name="그림 3">
+          <p:cNvPr id="3" name="그림 2">
             <a:extLst>
               <a:ext uri="{FF2B5EF4-FFF2-40B4-BE49-F238E27FC236}">
-                <a16:creationId xmlns:a16="http://schemas.microsoft.com/office/drawing/2014/main" id="{75F6D571-BB8B-42FD-9116-1D6DAD17B61D}"/>
+                <a16:creationId xmlns:a16="http://schemas.microsoft.com/office/drawing/2014/main" id="{BE72DA28-1C71-4CA5-99F9-AAFB84CBCBC1}"/>
               </a:ext>
             </a:extLst>
           </p:cNvPr>
@@ -10961,188 +18106,8 @@
         </p:blipFill>
         <p:spPr>
           <a:xfrm>
-            <a:off x="755576" y="3612085"/>
-            <a:ext cx="3672015" cy="437438"/>
-          </a:xfrm>
-          <a:prstGeom prst="rect">
-            <a:avLst/>
-          </a:prstGeom>
-        </p:spPr>
-      </p:pic>
-      <p:pic>
-        <p:nvPicPr>
-          <p:cNvPr id="7" name="그림 6">
-            <a:extLst>
-              <a:ext uri="{FF2B5EF4-FFF2-40B4-BE49-F238E27FC236}">
-                <a16:creationId xmlns:a16="http://schemas.microsoft.com/office/drawing/2014/main" id="{B18736C9-8B61-49B2-BA36-2686F1701F9A}"/>
-              </a:ext>
-            </a:extLst>
-          </p:cNvPr>
-          <p:cNvPicPr>
-            <a:picLocks noChangeAspect="1"/>
-          </p:cNvPicPr>
-          <p:nvPr/>
-        </p:nvPicPr>
-        <p:blipFill>
-          <a:blip r:embed="rId4"/>
-          <a:stretch>
-            <a:fillRect/>
-          </a:stretch>
-        </p:blipFill>
-        <p:spPr>
-          <a:xfrm>
-            <a:off x="766609" y="4294917"/>
-            <a:ext cx="3672015" cy="438911"/>
-          </a:xfrm>
-          <a:prstGeom prst="rect">
-            <a:avLst/>
-          </a:prstGeom>
-        </p:spPr>
-      </p:pic>
-      <p:pic>
-        <p:nvPicPr>
-          <p:cNvPr id="12" name="그림 11">
-            <a:extLst>
-              <a:ext uri="{FF2B5EF4-FFF2-40B4-BE49-F238E27FC236}">
-                <a16:creationId xmlns:a16="http://schemas.microsoft.com/office/drawing/2014/main" id="{4F5EA961-297E-4D01-9DCD-511D0CE6F91A}"/>
-              </a:ext>
-            </a:extLst>
-          </p:cNvPr>
-          <p:cNvPicPr>
-            <a:picLocks noChangeAspect="1"/>
-          </p:cNvPicPr>
-          <p:nvPr/>
-        </p:nvPicPr>
-        <p:blipFill>
-          <a:blip r:embed="rId5"/>
-          <a:stretch>
-            <a:fillRect/>
-          </a:stretch>
-        </p:blipFill>
-        <p:spPr>
-          <a:xfrm>
-            <a:off x="766609" y="5081752"/>
-            <a:ext cx="3505357" cy="438911"/>
-          </a:xfrm>
-          <a:prstGeom prst="rect">
-            <a:avLst/>
-          </a:prstGeom>
-        </p:spPr>
-      </p:pic>
-      <p:pic>
-        <p:nvPicPr>
-          <p:cNvPr id="15" name="그림 14">
-            <a:extLst>
-              <a:ext uri="{FF2B5EF4-FFF2-40B4-BE49-F238E27FC236}">
-                <a16:creationId xmlns:a16="http://schemas.microsoft.com/office/drawing/2014/main" id="{5D74E6A2-AF40-45B3-BC4F-DB4A2883C0A5}"/>
-              </a:ext>
-            </a:extLst>
-          </p:cNvPr>
-          <p:cNvPicPr>
-            <a:picLocks noChangeAspect="1"/>
-          </p:cNvPicPr>
-          <p:nvPr/>
-        </p:nvPicPr>
-        <p:blipFill>
-          <a:blip r:embed="rId6"/>
-          <a:stretch>
-            <a:fillRect/>
-          </a:stretch>
-        </p:blipFill>
-        <p:spPr>
-          <a:xfrm>
-            <a:off x="755576" y="5791052"/>
-            <a:ext cx="3505358" cy="434549"/>
-          </a:xfrm>
-          <a:prstGeom prst="rect">
-            <a:avLst/>
-          </a:prstGeom>
-        </p:spPr>
-      </p:pic>
-      <p:pic>
-        <p:nvPicPr>
-          <p:cNvPr id="17" name="그림 16">
-            <a:extLst>
-              <a:ext uri="{FF2B5EF4-FFF2-40B4-BE49-F238E27FC236}">
-                <a16:creationId xmlns:a16="http://schemas.microsoft.com/office/drawing/2014/main" id="{17D6BA3A-083E-48C8-92C9-DF9431E57FCD}"/>
-              </a:ext>
-            </a:extLst>
-          </p:cNvPr>
-          <p:cNvPicPr>
-            <a:picLocks noChangeAspect="1"/>
-          </p:cNvPicPr>
-          <p:nvPr/>
-        </p:nvPicPr>
-        <p:blipFill>
-          <a:blip r:embed="rId7"/>
-          <a:stretch>
-            <a:fillRect/>
-          </a:stretch>
-        </p:blipFill>
-        <p:spPr>
-          <a:xfrm>
-            <a:off x="4656217" y="3612085"/>
-            <a:ext cx="3672016" cy="472029"/>
-          </a:xfrm>
-          <a:prstGeom prst="rect">
-            <a:avLst/>
-          </a:prstGeom>
-        </p:spPr>
-      </p:pic>
-      <p:pic>
-        <p:nvPicPr>
-          <p:cNvPr id="19" name="그림 18">
-            <a:extLst>
-              <a:ext uri="{FF2B5EF4-FFF2-40B4-BE49-F238E27FC236}">
-                <a16:creationId xmlns:a16="http://schemas.microsoft.com/office/drawing/2014/main" id="{02A4981B-724E-478F-B95F-8042DD20F89F}"/>
-              </a:ext>
-            </a:extLst>
-          </p:cNvPr>
-          <p:cNvPicPr>
-            <a:picLocks noChangeAspect="1"/>
-          </p:cNvPicPr>
-          <p:nvPr/>
-        </p:nvPicPr>
-        <p:blipFill>
-          <a:blip r:embed="rId8"/>
-          <a:stretch>
-            <a:fillRect/>
-          </a:stretch>
-        </p:blipFill>
-        <p:spPr>
-          <a:xfrm>
-            <a:off x="4656217" y="4262320"/>
-            <a:ext cx="3816424" cy="473110"/>
-          </a:xfrm>
-          <a:prstGeom prst="rect">
-            <a:avLst/>
-          </a:prstGeom>
-        </p:spPr>
-      </p:pic>
-      <p:pic>
-        <p:nvPicPr>
-          <p:cNvPr id="21" name="그림 20">
-            <a:extLst>
-              <a:ext uri="{FF2B5EF4-FFF2-40B4-BE49-F238E27FC236}">
-                <a16:creationId xmlns:a16="http://schemas.microsoft.com/office/drawing/2014/main" id="{8970690A-896C-43A0-866C-30A2557C18ED}"/>
-              </a:ext>
-            </a:extLst>
-          </p:cNvPr>
-          <p:cNvPicPr>
-            <a:picLocks noChangeAspect="1"/>
-          </p:cNvPicPr>
-          <p:nvPr/>
-        </p:nvPicPr>
-        <p:blipFill>
-          <a:blip r:embed="rId9"/>
-          <a:stretch>
-            <a:fillRect/>
-          </a:stretch>
-        </p:blipFill>
-        <p:spPr>
-          <a:xfrm>
-            <a:off x="4656217" y="5065896"/>
-            <a:ext cx="3866728" cy="470622"/>
+            <a:off x="1728614" y="3357539"/>
+            <a:ext cx="5686772" cy="2943741"/>
           </a:xfrm>
           <a:prstGeom prst="rect">
             <a:avLst/>
@@ -11152,7 +18117,7 @@
     </p:spTree>
     <p:extLst>
       <p:ext uri="{BB962C8B-B14F-4D97-AF65-F5344CB8AC3E}">
-        <p14:creationId xmlns:p14="http://schemas.microsoft.com/office/powerpoint/2010/main" val="40296663"/>
+        <p14:creationId xmlns:p14="http://schemas.microsoft.com/office/powerpoint/2010/main" val="2011861815"/>
       </p:ext>
     </p:extLst>
   </p:cSld>
